--- a/pptx/chap13.pptx
+++ b/pptx/chap13.pptx
@@ -2,10 +2,10 @@
 <file path=ppt/presentation.xml><?xml version="1.0" encoding="utf-8"?>
 <p:presentation xmlns:a="http://schemas.openxmlformats.org/drawingml/2006/main" xmlns:r="http://schemas.openxmlformats.org/officeDocument/2006/relationships" xmlns:p="http://schemas.openxmlformats.org/presentationml/2006/main" saveSubsetFonts="1">
   <p:sldMasterIdLst>
-    <p:sldMasterId id="2147483648" r:id="rId1"/>
+    <p:sldMasterId id="2147483660" r:id="rId1"/>
   </p:sldMasterIdLst>
   <p:sldIdLst>
-    <p:sldId id="268" r:id="rId2"/>
+    <p:sldId id="287" r:id="rId2"/>
     <p:sldId id="269" r:id="rId3"/>
     <p:sldId id="272" r:id="rId4"/>
     <p:sldId id="270" r:id="rId5"/>
@@ -16,14 +16,14 @@
     <p:sldId id="276" r:id="rId10"/>
     <p:sldId id="277" r:id="rId11"/>
   </p:sldIdLst>
-  <p:sldSz cx="9144000" cy="6858000" type="screen4x3"/>
+  <p:sldSz cx="12192000" cy="6858000"/>
   <p:notesSz cx="6858000" cy="9144000"/>
   <p:defaultTextStyle>
     <a:defPPr>
-      <a:defRPr lang="ja-JP"/>
+      <a:defRPr lang="en-US"/>
     </a:defPPr>
-    <a:lvl1pPr marL="0" algn="l" defTabSz="914400" rtl="0" eaLnBrk="1" latinLnBrk="0" hangingPunct="1">
-      <a:defRPr kumimoji="1" sz="1800" kern="1200">
+    <a:lvl1pPr marL="0" algn="l" defTabSz="457200" rtl="0" eaLnBrk="1" latinLnBrk="0" hangingPunct="1">
+      <a:defRPr sz="1800" kern="1200">
         <a:solidFill>
           <a:schemeClr val="tx1"/>
         </a:solidFill>
@@ -32,8 +32,8 @@
         <a:cs typeface="+mn-cs"/>
       </a:defRPr>
     </a:lvl1pPr>
-    <a:lvl2pPr marL="457200" algn="l" defTabSz="914400" rtl="0" eaLnBrk="1" latinLnBrk="0" hangingPunct="1">
-      <a:defRPr kumimoji="1" sz="1800" kern="1200">
+    <a:lvl2pPr marL="457200" algn="l" defTabSz="457200" rtl="0" eaLnBrk="1" latinLnBrk="0" hangingPunct="1">
+      <a:defRPr sz="1800" kern="1200">
         <a:solidFill>
           <a:schemeClr val="tx1"/>
         </a:solidFill>
@@ -42,8 +42,8 @@
         <a:cs typeface="+mn-cs"/>
       </a:defRPr>
     </a:lvl2pPr>
-    <a:lvl3pPr marL="914400" algn="l" defTabSz="914400" rtl="0" eaLnBrk="1" latinLnBrk="0" hangingPunct="1">
-      <a:defRPr kumimoji="1" sz="1800" kern="1200">
+    <a:lvl3pPr marL="914400" algn="l" defTabSz="457200" rtl="0" eaLnBrk="1" latinLnBrk="0" hangingPunct="1">
+      <a:defRPr sz="1800" kern="1200">
         <a:solidFill>
           <a:schemeClr val="tx1"/>
         </a:solidFill>
@@ -52,8 +52,8 @@
         <a:cs typeface="+mn-cs"/>
       </a:defRPr>
     </a:lvl3pPr>
-    <a:lvl4pPr marL="1371600" algn="l" defTabSz="914400" rtl="0" eaLnBrk="1" latinLnBrk="0" hangingPunct="1">
-      <a:defRPr kumimoji="1" sz="1800" kern="1200">
+    <a:lvl4pPr marL="1371600" algn="l" defTabSz="457200" rtl="0" eaLnBrk="1" latinLnBrk="0" hangingPunct="1">
+      <a:defRPr sz="1800" kern="1200">
         <a:solidFill>
           <a:schemeClr val="tx1"/>
         </a:solidFill>
@@ -62,8 +62,8 @@
         <a:cs typeface="+mn-cs"/>
       </a:defRPr>
     </a:lvl4pPr>
-    <a:lvl5pPr marL="1828800" algn="l" defTabSz="914400" rtl="0" eaLnBrk="1" latinLnBrk="0" hangingPunct="1">
-      <a:defRPr kumimoji="1" sz="1800" kern="1200">
+    <a:lvl5pPr marL="1828800" algn="l" defTabSz="457200" rtl="0" eaLnBrk="1" latinLnBrk="0" hangingPunct="1">
+      <a:defRPr sz="1800" kern="1200">
         <a:solidFill>
           <a:schemeClr val="tx1"/>
         </a:solidFill>
@@ -72,8 +72,8 @@
         <a:cs typeface="+mn-cs"/>
       </a:defRPr>
     </a:lvl5pPr>
-    <a:lvl6pPr marL="2286000" algn="l" defTabSz="914400" rtl="0" eaLnBrk="1" latinLnBrk="0" hangingPunct="1">
-      <a:defRPr kumimoji="1" sz="1800" kern="1200">
+    <a:lvl6pPr marL="2286000" algn="l" defTabSz="457200" rtl="0" eaLnBrk="1" latinLnBrk="0" hangingPunct="1">
+      <a:defRPr sz="1800" kern="1200">
         <a:solidFill>
           <a:schemeClr val="tx1"/>
         </a:solidFill>
@@ -82,8 +82,8 @@
         <a:cs typeface="+mn-cs"/>
       </a:defRPr>
     </a:lvl6pPr>
-    <a:lvl7pPr marL="2743200" algn="l" defTabSz="914400" rtl="0" eaLnBrk="1" latinLnBrk="0" hangingPunct="1">
-      <a:defRPr kumimoji="1" sz="1800" kern="1200">
+    <a:lvl7pPr marL="2743200" algn="l" defTabSz="457200" rtl="0" eaLnBrk="1" latinLnBrk="0" hangingPunct="1">
+      <a:defRPr sz="1800" kern="1200">
         <a:solidFill>
           <a:schemeClr val="tx1"/>
         </a:solidFill>
@@ -92,8 +92,8 @@
         <a:cs typeface="+mn-cs"/>
       </a:defRPr>
     </a:lvl7pPr>
-    <a:lvl8pPr marL="3200400" algn="l" defTabSz="914400" rtl="0" eaLnBrk="1" latinLnBrk="0" hangingPunct="1">
-      <a:defRPr kumimoji="1" sz="1800" kern="1200">
+    <a:lvl8pPr marL="3200400" algn="l" defTabSz="457200" rtl="0" eaLnBrk="1" latinLnBrk="0" hangingPunct="1">
+      <a:defRPr sz="1800" kern="1200">
         <a:solidFill>
           <a:schemeClr val="tx1"/>
         </a:solidFill>
@@ -102,8 +102,8 @@
         <a:cs typeface="+mn-cs"/>
       </a:defRPr>
     </a:lvl8pPr>
-    <a:lvl9pPr marL="3657600" algn="l" defTabSz="914400" rtl="0" eaLnBrk="1" latinLnBrk="0" hangingPunct="1">
-      <a:defRPr kumimoji="1" sz="1800" kern="1200">
+    <a:lvl9pPr marL="3657600" algn="l" defTabSz="457200" rtl="0" eaLnBrk="1" latinLnBrk="0" hangingPunct="1">
+      <a:defRPr sz="1800" kern="1200">
         <a:solidFill>
           <a:schemeClr val="tx1"/>
         </a:solidFill>
@@ -119,10 +119,6 @@
     </p:ext>
   </p:extLst>
 </p:presentation>
-</file>
-
-<file path=ppt/revisionInfo.xml><?xml version="1.0" encoding="utf-8"?>
-<p1510:revInfo xmlns:a="http://schemas.openxmlformats.org/drawingml/2006/main" xmlns:r="http://schemas.openxmlformats.org/officeDocument/2006/relationships" xmlns:p1510="http://schemas.microsoft.com/office/powerpoint/2015/10/main"/>
 </file>
 
 <file path=ppt/slideLayouts/slideLayout1.xml><?xml version="1.0" encoding="utf-8"?>
@@ -144,13 +140,7 @@
       </p:grpSpPr>
       <p:sp>
         <p:nvSpPr>
-          <p:cNvPr id="2" name="タイトル 1">
-            <a:extLst>
-              <a:ext uri="{FF2B5EF4-FFF2-40B4-BE49-F238E27FC236}">
-                <a16:creationId xmlns:a16="http://schemas.microsoft.com/office/drawing/2014/main" id="{490F5702-5D73-444E-8951-B738CBD0E5BE}"/>
-              </a:ext>
-            </a:extLst>
-          </p:cNvPr>
+          <p:cNvPr id="2" name="Title 1"/>
           <p:cNvSpPr>
             <a:spLocks noGrp="1"/>
           </p:cNvSpPr>
@@ -160,8 +150,8 @@
         </p:nvSpPr>
         <p:spPr>
           <a:xfrm>
-            <a:off x="1143000" y="1122363"/>
-            <a:ext cx="6858000" cy="2387600"/>
+            <a:off x="1524000" y="1122363"/>
+            <a:ext cx="9144000" cy="2387600"/>
           </a:xfrm>
         </p:spPr>
         <p:txBody>
@@ -173,21 +163,16 @@
           </a:lstStyle>
           <a:p>
             <a:r>
-              <a:rPr kumimoji="1" lang="ja-JP" altLang="en-US"/>
+              <a:rPr lang="ja-JP" altLang="en-US"/>
               <a:t>マスター タイトルの書式設定</a:t>
             </a:r>
-          </a:p>
-        </p:txBody>
-      </p:sp>
-      <p:sp>
-        <p:nvSpPr>
-          <p:cNvPr id="3" name="サブタイトル 2">
-            <a:extLst>
-              <a:ext uri="{FF2B5EF4-FFF2-40B4-BE49-F238E27FC236}">
-                <a16:creationId xmlns:a16="http://schemas.microsoft.com/office/drawing/2014/main" id="{92151FC2-914A-40A1-AFA3-889561BB0D24}"/>
-              </a:ext>
-            </a:extLst>
-          </p:cNvPr>
+            <a:endParaRPr lang="en-US" dirty="0"/>
+          </a:p>
+        </p:txBody>
+      </p:sp>
+      <p:sp>
+        <p:nvSpPr>
+          <p:cNvPr id="3" name="Subtitle 2"/>
           <p:cNvSpPr>
             <a:spLocks noGrp="1"/>
           </p:cNvSpPr>
@@ -197,8 +182,8 @@
         </p:nvSpPr>
         <p:spPr>
           <a:xfrm>
-            <a:off x="1143000" y="3602038"/>
-            <a:ext cx="6858000" cy="1655762"/>
+            <a:off x="1524000" y="3602038"/>
+            <a:ext cx="9144000" cy="1655762"/>
           </a:xfrm>
         </p:spPr>
         <p:txBody>
@@ -243,21 +228,16 @@
           </a:lstStyle>
           <a:p>
             <a:r>
-              <a:rPr kumimoji="1" lang="ja-JP" altLang="en-US"/>
+              <a:rPr lang="ja-JP" altLang="en-US"/>
               <a:t>マスター サブタイトルの書式設定</a:t>
             </a:r>
-          </a:p>
-        </p:txBody>
-      </p:sp>
-      <p:sp>
-        <p:nvSpPr>
-          <p:cNvPr id="4" name="日付プレースホルダー 3">
-            <a:extLst>
-              <a:ext uri="{FF2B5EF4-FFF2-40B4-BE49-F238E27FC236}">
-                <a16:creationId xmlns:a16="http://schemas.microsoft.com/office/drawing/2014/main" id="{A5871356-BBC6-4101-A899-68ED57221D85}"/>
-              </a:ext>
-            </a:extLst>
-          </p:cNvPr>
+            <a:endParaRPr lang="en-US" dirty="0"/>
+          </a:p>
+        </p:txBody>
+      </p:sp>
+      <p:sp>
+        <p:nvSpPr>
+          <p:cNvPr id="4" name="Date Placeholder 3"/>
           <p:cNvSpPr>
             <a:spLocks noGrp="1"/>
           </p:cNvSpPr>
@@ -272,7 +252,7 @@
           <a:p>
             <a:fld id="{BCC3470B-979D-4AC3-9CEF-E2615858CE2E}" type="datetimeFigureOut">
               <a:rPr kumimoji="1" lang="ja-JP" altLang="en-US" smtClean="0"/>
-              <a:t>2017/9/13</a:t>
+              <a:t>2023/8/25</a:t>
             </a:fld>
             <a:endParaRPr kumimoji="1" lang="ja-JP" altLang="en-US"/>
           </a:p>
@@ -280,13 +260,7 @@
       </p:sp>
       <p:sp>
         <p:nvSpPr>
-          <p:cNvPr id="5" name="フッター プレースホルダー 4">
-            <a:extLst>
-              <a:ext uri="{FF2B5EF4-FFF2-40B4-BE49-F238E27FC236}">
-                <a16:creationId xmlns:a16="http://schemas.microsoft.com/office/drawing/2014/main" id="{1A645758-572A-4888-B100-B96321DE5302}"/>
-              </a:ext>
-            </a:extLst>
-          </p:cNvPr>
+          <p:cNvPr id="5" name="Footer Placeholder 4"/>
           <p:cNvSpPr>
             <a:spLocks noGrp="1"/>
           </p:cNvSpPr>
@@ -305,13 +279,7 @@
       </p:sp>
       <p:sp>
         <p:nvSpPr>
-          <p:cNvPr id="6" name="スライド番号プレースホルダー 5">
-            <a:extLst>
-              <a:ext uri="{FF2B5EF4-FFF2-40B4-BE49-F238E27FC236}">
-                <a16:creationId xmlns:a16="http://schemas.microsoft.com/office/drawing/2014/main" id="{EDAF273E-F96B-4748-B86E-108E6C4C6FD0}"/>
-              </a:ext>
-            </a:extLst>
-          </p:cNvPr>
+          <p:cNvPr id="6" name="Slide Number Placeholder 5"/>
           <p:cNvSpPr>
             <a:spLocks noGrp="1"/>
           </p:cNvSpPr>
@@ -335,7 +303,7 @@
     </p:spTree>
     <p:extLst>
       <p:ext uri="{BB962C8B-B14F-4D97-AF65-F5344CB8AC3E}">
-        <p14:creationId xmlns:p14="http://schemas.microsoft.com/office/powerpoint/2010/main" val="816187851"/>
+        <p14:creationId xmlns:p14="http://schemas.microsoft.com/office/powerpoint/2010/main" val="1602052958"/>
       </p:ext>
     </p:extLst>
   </p:cSld>
@@ -364,13 +332,7 @@
       </p:grpSpPr>
       <p:sp>
         <p:nvSpPr>
-          <p:cNvPr id="2" name="タイトル 1">
-            <a:extLst>
-              <a:ext uri="{FF2B5EF4-FFF2-40B4-BE49-F238E27FC236}">
-                <a16:creationId xmlns:a16="http://schemas.microsoft.com/office/drawing/2014/main" id="{19326C56-05B2-4045-A427-F214C2579896}"/>
-              </a:ext>
-            </a:extLst>
-          </p:cNvPr>
+          <p:cNvPr id="2" name="Title 1"/>
           <p:cNvSpPr>
             <a:spLocks noGrp="1"/>
           </p:cNvSpPr>
@@ -384,21 +346,16 @@
           <a:lstStyle/>
           <a:p>
             <a:r>
-              <a:rPr kumimoji="1" lang="ja-JP" altLang="en-US"/>
+              <a:rPr lang="ja-JP" altLang="en-US"/>
               <a:t>マスター タイトルの書式設定</a:t>
             </a:r>
-          </a:p>
-        </p:txBody>
-      </p:sp>
-      <p:sp>
-        <p:nvSpPr>
-          <p:cNvPr id="3" name="縦書きテキスト プレースホルダー 2">
-            <a:extLst>
-              <a:ext uri="{FF2B5EF4-FFF2-40B4-BE49-F238E27FC236}">
-                <a16:creationId xmlns:a16="http://schemas.microsoft.com/office/drawing/2014/main" id="{CF53802B-347E-4462-8C96-469EB0800092}"/>
-              </a:ext>
-            </a:extLst>
-          </p:cNvPr>
+            <a:endParaRPr lang="en-US" dirty="0"/>
+          </a:p>
+        </p:txBody>
+      </p:sp>
+      <p:sp>
+        <p:nvSpPr>
+          <p:cNvPr id="3" name="Vertical Text Placeholder 2"/>
           <p:cNvSpPr>
             <a:spLocks noGrp="1"/>
           </p:cNvSpPr>
@@ -413,81 +370,76 @@
           <a:p>
             <a:pPr lvl="0"/>
             <a:r>
-              <a:rPr kumimoji="1" lang="ja-JP" altLang="en-US"/>
+              <a:rPr lang="ja-JP" altLang="en-US"/>
               <a:t>マスター テキストの書式設定</a:t>
             </a:r>
           </a:p>
           <a:p>
             <a:pPr lvl="1"/>
             <a:r>
-              <a:rPr kumimoji="1" lang="ja-JP" altLang="en-US"/>
+              <a:rPr lang="ja-JP" altLang="en-US"/>
               <a:t>第 </a:t>
             </a:r>
             <a:r>
-              <a:rPr kumimoji="1" lang="en-US" altLang="ja-JP"/>
+              <a:rPr lang="en-US" altLang="ja-JP"/>
               <a:t>2 </a:t>
             </a:r>
             <a:r>
-              <a:rPr kumimoji="1" lang="ja-JP" altLang="en-US"/>
+              <a:rPr lang="ja-JP" altLang="en-US"/>
               <a:t>レベル</a:t>
             </a:r>
           </a:p>
           <a:p>
             <a:pPr lvl="2"/>
             <a:r>
-              <a:rPr kumimoji="1" lang="ja-JP" altLang="en-US"/>
+              <a:rPr lang="ja-JP" altLang="en-US"/>
               <a:t>第 </a:t>
             </a:r>
             <a:r>
-              <a:rPr kumimoji="1" lang="en-US" altLang="ja-JP"/>
+              <a:rPr lang="en-US" altLang="ja-JP"/>
               <a:t>3 </a:t>
             </a:r>
             <a:r>
-              <a:rPr kumimoji="1" lang="ja-JP" altLang="en-US"/>
+              <a:rPr lang="ja-JP" altLang="en-US"/>
               <a:t>レベル</a:t>
             </a:r>
           </a:p>
           <a:p>
             <a:pPr lvl="3"/>
             <a:r>
-              <a:rPr kumimoji="1" lang="ja-JP" altLang="en-US"/>
+              <a:rPr lang="ja-JP" altLang="en-US"/>
               <a:t>第 </a:t>
             </a:r>
             <a:r>
-              <a:rPr kumimoji="1" lang="en-US" altLang="ja-JP"/>
+              <a:rPr lang="en-US" altLang="ja-JP"/>
               <a:t>4 </a:t>
             </a:r>
             <a:r>
-              <a:rPr kumimoji="1" lang="ja-JP" altLang="en-US"/>
+              <a:rPr lang="ja-JP" altLang="en-US"/>
               <a:t>レベル</a:t>
             </a:r>
           </a:p>
           <a:p>
             <a:pPr lvl="4"/>
             <a:r>
-              <a:rPr kumimoji="1" lang="ja-JP" altLang="en-US"/>
+              <a:rPr lang="ja-JP" altLang="en-US"/>
               <a:t>第 </a:t>
             </a:r>
             <a:r>
-              <a:rPr kumimoji="1" lang="en-US" altLang="ja-JP"/>
+              <a:rPr lang="en-US" altLang="ja-JP"/>
               <a:t>5 </a:t>
             </a:r>
             <a:r>
-              <a:rPr kumimoji="1" lang="ja-JP" altLang="en-US"/>
+              <a:rPr lang="ja-JP" altLang="en-US"/>
               <a:t>レベル</a:t>
             </a:r>
-          </a:p>
-        </p:txBody>
-      </p:sp>
-      <p:sp>
-        <p:nvSpPr>
-          <p:cNvPr id="4" name="日付プレースホルダー 3">
-            <a:extLst>
-              <a:ext uri="{FF2B5EF4-FFF2-40B4-BE49-F238E27FC236}">
-                <a16:creationId xmlns:a16="http://schemas.microsoft.com/office/drawing/2014/main" id="{8784DDE4-33A8-4813-93FC-E4AD3B1CE7AD}"/>
-              </a:ext>
-            </a:extLst>
-          </p:cNvPr>
+            <a:endParaRPr lang="en-US" dirty="0"/>
+          </a:p>
+        </p:txBody>
+      </p:sp>
+      <p:sp>
+        <p:nvSpPr>
+          <p:cNvPr id="4" name="Date Placeholder 3"/>
           <p:cNvSpPr>
             <a:spLocks noGrp="1"/>
           </p:cNvSpPr>
@@ -502,7 +454,7 @@
           <a:p>
             <a:fld id="{BCC3470B-979D-4AC3-9CEF-E2615858CE2E}" type="datetimeFigureOut">
               <a:rPr kumimoji="1" lang="ja-JP" altLang="en-US" smtClean="0"/>
-              <a:t>2017/9/13</a:t>
+              <a:t>2023/8/25</a:t>
             </a:fld>
             <a:endParaRPr kumimoji="1" lang="ja-JP" altLang="en-US"/>
           </a:p>
@@ -510,13 +462,7 @@
       </p:sp>
       <p:sp>
         <p:nvSpPr>
-          <p:cNvPr id="5" name="フッター プレースホルダー 4">
-            <a:extLst>
-              <a:ext uri="{FF2B5EF4-FFF2-40B4-BE49-F238E27FC236}">
-                <a16:creationId xmlns:a16="http://schemas.microsoft.com/office/drawing/2014/main" id="{E3502423-BA24-4C5A-B6C2-E8442A0053D1}"/>
-              </a:ext>
-            </a:extLst>
-          </p:cNvPr>
+          <p:cNvPr id="5" name="Footer Placeholder 4"/>
           <p:cNvSpPr>
             <a:spLocks noGrp="1"/>
           </p:cNvSpPr>
@@ -535,13 +481,7 @@
       </p:sp>
       <p:sp>
         <p:nvSpPr>
-          <p:cNvPr id="6" name="スライド番号プレースホルダー 5">
-            <a:extLst>
-              <a:ext uri="{FF2B5EF4-FFF2-40B4-BE49-F238E27FC236}">
-                <a16:creationId xmlns:a16="http://schemas.microsoft.com/office/drawing/2014/main" id="{F2781BD3-6ED3-44FD-8E72-04E946C69C01}"/>
-              </a:ext>
-            </a:extLst>
-          </p:cNvPr>
+          <p:cNvPr id="6" name="Slide Number Placeholder 5"/>
           <p:cNvSpPr>
             <a:spLocks noGrp="1"/>
           </p:cNvSpPr>
@@ -565,7 +505,7 @@
     </p:spTree>
     <p:extLst>
       <p:ext uri="{BB962C8B-B14F-4D97-AF65-F5344CB8AC3E}">
-        <p14:creationId xmlns:p14="http://schemas.microsoft.com/office/powerpoint/2010/main" val="397647011"/>
+        <p14:creationId xmlns:p14="http://schemas.microsoft.com/office/powerpoint/2010/main" val="3118991160"/>
       </p:ext>
     </p:extLst>
   </p:cSld>
@@ -594,13 +534,7 @@
       </p:grpSpPr>
       <p:sp>
         <p:nvSpPr>
-          <p:cNvPr id="2" name="縦書きタイトル 1">
-            <a:extLst>
-              <a:ext uri="{FF2B5EF4-FFF2-40B4-BE49-F238E27FC236}">
-                <a16:creationId xmlns:a16="http://schemas.microsoft.com/office/drawing/2014/main" id="{017A9D40-9D15-450D-82F8-D655384016D5}"/>
-              </a:ext>
-            </a:extLst>
-          </p:cNvPr>
+          <p:cNvPr id="2" name="Vertical Title 1"/>
           <p:cNvSpPr>
             <a:spLocks noGrp="1"/>
           </p:cNvSpPr>
@@ -610,8 +544,8 @@
         </p:nvSpPr>
         <p:spPr>
           <a:xfrm>
-            <a:off x="6543675" y="365125"/>
-            <a:ext cx="1971675" cy="5811838"/>
+            <a:off x="8724900" y="365125"/>
+            <a:ext cx="2628900" cy="5811838"/>
           </a:xfrm>
         </p:spPr>
         <p:txBody>
@@ -619,21 +553,16 @@
           <a:lstStyle/>
           <a:p>
             <a:r>
-              <a:rPr kumimoji="1" lang="ja-JP" altLang="en-US"/>
+              <a:rPr lang="ja-JP" altLang="en-US"/>
               <a:t>マスター タイトルの書式設定</a:t>
             </a:r>
-          </a:p>
-        </p:txBody>
-      </p:sp>
-      <p:sp>
-        <p:nvSpPr>
-          <p:cNvPr id="3" name="縦書きテキスト プレースホルダー 2">
-            <a:extLst>
-              <a:ext uri="{FF2B5EF4-FFF2-40B4-BE49-F238E27FC236}">
-                <a16:creationId xmlns:a16="http://schemas.microsoft.com/office/drawing/2014/main" id="{5DAC8398-BD6E-46E7-9AD6-7AFEC6690000}"/>
-              </a:ext>
-            </a:extLst>
-          </p:cNvPr>
+            <a:endParaRPr lang="en-US" dirty="0"/>
+          </a:p>
+        </p:txBody>
+      </p:sp>
+      <p:sp>
+        <p:nvSpPr>
+          <p:cNvPr id="3" name="Vertical Text Placeholder 2"/>
           <p:cNvSpPr>
             <a:spLocks noGrp="1"/>
           </p:cNvSpPr>
@@ -643,8 +572,8 @@
         </p:nvSpPr>
         <p:spPr>
           <a:xfrm>
-            <a:off x="628650" y="365125"/>
-            <a:ext cx="5800725" cy="5811838"/>
+            <a:off x="838200" y="365125"/>
+            <a:ext cx="7734300" cy="5811838"/>
           </a:xfrm>
         </p:spPr>
         <p:txBody>
@@ -653,81 +582,76 @@
           <a:p>
             <a:pPr lvl="0"/>
             <a:r>
-              <a:rPr kumimoji="1" lang="ja-JP" altLang="en-US"/>
+              <a:rPr lang="ja-JP" altLang="en-US"/>
               <a:t>マスター テキストの書式設定</a:t>
             </a:r>
           </a:p>
           <a:p>
             <a:pPr lvl="1"/>
             <a:r>
-              <a:rPr kumimoji="1" lang="ja-JP" altLang="en-US"/>
+              <a:rPr lang="ja-JP" altLang="en-US"/>
               <a:t>第 </a:t>
             </a:r>
             <a:r>
-              <a:rPr kumimoji="1" lang="en-US" altLang="ja-JP"/>
+              <a:rPr lang="en-US" altLang="ja-JP"/>
               <a:t>2 </a:t>
             </a:r>
             <a:r>
-              <a:rPr kumimoji="1" lang="ja-JP" altLang="en-US"/>
+              <a:rPr lang="ja-JP" altLang="en-US"/>
               <a:t>レベル</a:t>
             </a:r>
           </a:p>
           <a:p>
             <a:pPr lvl="2"/>
             <a:r>
-              <a:rPr kumimoji="1" lang="ja-JP" altLang="en-US"/>
+              <a:rPr lang="ja-JP" altLang="en-US"/>
               <a:t>第 </a:t>
             </a:r>
             <a:r>
-              <a:rPr kumimoji="1" lang="en-US" altLang="ja-JP"/>
+              <a:rPr lang="en-US" altLang="ja-JP"/>
               <a:t>3 </a:t>
             </a:r>
             <a:r>
-              <a:rPr kumimoji="1" lang="ja-JP" altLang="en-US"/>
+              <a:rPr lang="ja-JP" altLang="en-US"/>
               <a:t>レベル</a:t>
             </a:r>
           </a:p>
           <a:p>
             <a:pPr lvl="3"/>
             <a:r>
-              <a:rPr kumimoji="1" lang="ja-JP" altLang="en-US"/>
+              <a:rPr lang="ja-JP" altLang="en-US"/>
               <a:t>第 </a:t>
             </a:r>
             <a:r>
-              <a:rPr kumimoji="1" lang="en-US" altLang="ja-JP"/>
+              <a:rPr lang="en-US" altLang="ja-JP"/>
               <a:t>4 </a:t>
             </a:r>
             <a:r>
-              <a:rPr kumimoji="1" lang="ja-JP" altLang="en-US"/>
+              <a:rPr lang="ja-JP" altLang="en-US"/>
               <a:t>レベル</a:t>
             </a:r>
           </a:p>
           <a:p>
             <a:pPr lvl="4"/>
             <a:r>
-              <a:rPr kumimoji="1" lang="ja-JP" altLang="en-US"/>
+              <a:rPr lang="ja-JP" altLang="en-US"/>
               <a:t>第 </a:t>
             </a:r>
             <a:r>
-              <a:rPr kumimoji="1" lang="en-US" altLang="ja-JP"/>
+              <a:rPr lang="en-US" altLang="ja-JP"/>
               <a:t>5 </a:t>
             </a:r>
             <a:r>
-              <a:rPr kumimoji="1" lang="ja-JP" altLang="en-US"/>
+              <a:rPr lang="ja-JP" altLang="en-US"/>
               <a:t>レベル</a:t>
             </a:r>
-          </a:p>
-        </p:txBody>
-      </p:sp>
-      <p:sp>
-        <p:nvSpPr>
-          <p:cNvPr id="4" name="日付プレースホルダー 3">
-            <a:extLst>
-              <a:ext uri="{FF2B5EF4-FFF2-40B4-BE49-F238E27FC236}">
-                <a16:creationId xmlns:a16="http://schemas.microsoft.com/office/drawing/2014/main" id="{6FDBFB86-749B-427D-A94D-7E724F8A4B87}"/>
-              </a:ext>
-            </a:extLst>
-          </p:cNvPr>
+            <a:endParaRPr lang="en-US" dirty="0"/>
+          </a:p>
+        </p:txBody>
+      </p:sp>
+      <p:sp>
+        <p:nvSpPr>
+          <p:cNvPr id="4" name="Date Placeholder 3"/>
           <p:cNvSpPr>
             <a:spLocks noGrp="1"/>
           </p:cNvSpPr>
@@ -742,7 +666,7 @@
           <a:p>
             <a:fld id="{BCC3470B-979D-4AC3-9CEF-E2615858CE2E}" type="datetimeFigureOut">
               <a:rPr kumimoji="1" lang="ja-JP" altLang="en-US" smtClean="0"/>
-              <a:t>2017/9/13</a:t>
+              <a:t>2023/8/25</a:t>
             </a:fld>
             <a:endParaRPr kumimoji="1" lang="ja-JP" altLang="en-US"/>
           </a:p>
@@ -750,13 +674,7 @@
       </p:sp>
       <p:sp>
         <p:nvSpPr>
-          <p:cNvPr id="5" name="フッター プレースホルダー 4">
-            <a:extLst>
-              <a:ext uri="{FF2B5EF4-FFF2-40B4-BE49-F238E27FC236}">
-                <a16:creationId xmlns:a16="http://schemas.microsoft.com/office/drawing/2014/main" id="{46D97FC8-D55E-481F-831E-8B0923FAC4A8}"/>
-              </a:ext>
-            </a:extLst>
-          </p:cNvPr>
+          <p:cNvPr id="5" name="Footer Placeholder 4"/>
           <p:cNvSpPr>
             <a:spLocks noGrp="1"/>
           </p:cNvSpPr>
@@ -775,13 +693,7 @@
       </p:sp>
       <p:sp>
         <p:nvSpPr>
-          <p:cNvPr id="6" name="スライド番号プレースホルダー 5">
-            <a:extLst>
-              <a:ext uri="{FF2B5EF4-FFF2-40B4-BE49-F238E27FC236}">
-                <a16:creationId xmlns:a16="http://schemas.microsoft.com/office/drawing/2014/main" id="{00D79B48-AC5C-4428-AC16-9C5205B7981C}"/>
-              </a:ext>
-            </a:extLst>
-          </p:cNvPr>
+          <p:cNvPr id="6" name="Slide Number Placeholder 5"/>
           <p:cNvSpPr>
             <a:spLocks noGrp="1"/>
           </p:cNvSpPr>
@@ -805,7 +717,7 @@
     </p:spTree>
     <p:extLst>
       <p:ext uri="{BB962C8B-B14F-4D97-AF65-F5344CB8AC3E}">
-        <p14:creationId xmlns:p14="http://schemas.microsoft.com/office/powerpoint/2010/main" val="1659054291"/>
+        <p14:creationId xmlns:p14="http://schemas.microsoft.com/office/powerpoint/2010/main" val="3511436355"/>
       </p:ext>
     </p:extLst>
   </p:cSld>
@@ -834,13 +746,7 @@
       </p:grpSpPr>
       <p:sp>
         <p:nvSpPr>
-          <p:cNvPr id="2" name="タイトル 1">
-            <a:extLst>
-              <a:ext uri="{FF2B5EF4-FFF2-40B4-BE49-F238E27FC236}">
-                <a16:creationId xmlns:a16="http://schemas.microsoft.com/office/drawing/2014/main" id="{758DFCA2-5DB0-4083-8B4C-8DE6F01C0D39}"/>
-              </a:ext>
-            </a:extLst>
-          </p:cNvPr>
+          <p:cNvPr id="2" name="Title 1"/>
           <p:cNvSpPr>
             <a:spLocks noGrp="1"/>
           </p:cNvSpPr>
@@ -854,21 +760,16 @@
           <a:lstStyle/>
           <a:p>
             <a:r>
-              <a:rPr kumimoji="1" lang="ja-JP" altLang="en-US"/>
+              <a:rPr lang="ja-JP" altLang="en-US"/>
               <a:t>マスター タイトルの書式設定</a:t>
             </a:r>
-          </a:p>
-        </p:txBody>
-      </p:sp>
-      <p:sp>
-        <p:nvSpPr>
-          <p:cNvPr id="3" name="コンテンツ プレースホルダー 2">
-            <a:extLst>
-              <a:ext uri="{FF2B5EF4-FFF2-40B4-BE49-F238E27FC236}">
-                <a16:creationId xmlns:a16="http://schemas.microsoft.com/office/drawing/2014/main" id="{FFBDDB16-CBD2-4229-9A15-50C8AE44729F}"/>
-              </a:ext>
-            </a:extLst>
-          </p:cNvPr>
+            <a:endParaRPr lang="en-US" dirty="0"/>
+          </a:p>
+        </p:txBody>
+      </p:sp>
+      <p:sp>
+        <p:nvSpPr>
+          <p:cNvPr id="3" name="Content Placeholder 2"/>
           <p:cNvSpPr>
             <a:spLocks noGrp="1"/>
           </p:cNvSpPr>
@@ -883,81 +784,76 @@
           <a:p>
             <a:pPr lvl="0"/>
             <a:r>
-              <a:rPr kumimoji="1" lang="ja-JP" altLang="en-US"/>
+              <a:rPr lang="ja-JP" altLang="en-US"/>
               <a:t>マスター テキストの書式設定</a:t>
             </a:r>
           </a:p>
           <a:p>
             <a:pPr lvl="1"/>
             <a:r>
-              <a:rPr kumimoji="1" lang="ja-JP" altLang="en-US"/>
+              <a:rPr lang="ja-JP" altLang="en-US"/>
               <a:t>第 </a:t>
             </a:r>
             <a:r>
-              <a:rPr kumimoji="1" lang="en-US" altLang="ja-JP"/>
+              <a:rPr lang="en-US" altLang="ja-JP"/>
               <a:t>2 </a:t>
             </a:r>
             <a:r>
-              <a:rPr kumimoji="1" lang="ja-JP" altLang="en-US"/>
+              <a:rPr lang="ja-JP" altLang="en-US"/>
               <a:t>レベル</a:t>
             </a:r>
           </a:p>
           <a:p>
             <a:pPr lvl="2"/>
             <a:r>
-              <a:rPr kumimoji="1" lang="ja-JP" altLang="en-US"/>
+              <a:rPr lang="ja-JP" altLang="en-US"/>
               <a:t>第 </a:t>
             </a:r>
             <a:r>
-              <a:rPr kumimoji="1" lang="en-US" altLang="ja-JP"/>
+              <a:rPr lang="en-US" altLang="ja-JP"/>
               <a:t>3 </a:t>
             </a:r>
             <a:r>
-              <a:rPr kumimoji="1" lang="ja-JP" altLang="en-US"/>
+              <a:rPr lang="ja-JP" altLang="en-US"/>
               <a:t>レベル</a:t>
             </a:r>
           </a:p>
           <a:p>
             <a:pPr lvl="3"/>
             <a:r>
-              <a:rPr kumimoji="1" lang="ja-JP" altLang="en-US"/>
+              <a:rPr lang="ja-JP" altLang="en-US"/>
               <a:t>第 </a:t>
             </a:r>
             <a:r>
-              <a:rPr kumimoji="1" lang="en-US" altLang="ja-JP"/>
+              <a:rPr lang="en-US" altLang="ja-JP"/>
               <a:t>4 </a:t>
             </a:r>
             <a:r>
-              <a:rPr kumimoji="1" lang="ja-JP" altLang="en-US"/>
+              <a:rPr lang="ja-JP" altLang="en-US"/>
               <a:t>レベル</a:t>
             </a:r>
           </a:p>
           <a:p>
             <a:pPr lvl="4"/>
             <a:r>
-              <a:rPr kumimoji="1" lang="ja-JP" altLang="en-US"/>
+              <a:rPr lang="ja-JP" altLang="en-US"/>
               <a:t>第 </a:t>
             </a:r>
             <a:r>
-              <a:rPr kumimoji="1" lang="en-US" altLang="ja-JP"/>
+              <a:rPr lang="en-US" altLang="ja-JP"/>
               <a:t>5 </a:t>
             </a:r>
             <a:r>
-              <a:rPr kumimoji="1" lang="ja-JP" altLang="en-US"/>
+              <a:rPr lang="ja-JP" altLang="en-US"/>
               <a:t>レベル</a:t>
             </a:r>
-          </a:p>
-        </p:txBody>
-      </p:sp>
-      <p:sp>
-        <p:nvSpPr>
-          <p:cNvPr id="4" name="日付プレースホルダー 3">
-            <a:extLst>
-              <a:ext uri="{FF2B5EF4-FFF2-40B4-BE49-F238E27FC236}">
-                <a16:creationId xmlns:a16="http://schemas.microsoft.com/office/drawing/2014/main" id="{66DBD40E-5A76-4B4A-929F-470B9C12BFEE}"/>
-              </a:ext>
-            </a:extLst>
-          </p:cNvPr>
+            <a:endParaRPr lang="en-US" dirty="0"/>
+          </a:p>
+        </p:txBody>
+      </p:sp>
+      <p:sp>
+        <p:nvSpPr>
+          <p:cNvPr id="4" name="Date Placeholder 3"/>
           <p:cNvSpPr>
             <a:spLocks noGrp="1"/>
           </p:cNvSpPr>
@@ -972,7 +868,7 @@
           <a:p>
             <a:fld id="{BCC3470B-979D-4AC3-9CEF-E2615858CE2E}" type="datetimeFigureOut">
               <a:rPr kumimoji="1" lang="ja-JP" altLang="en-US" smtClean="0"/>
-              <a:t>2017/9/13</a:t>
+              <a:t>2023/8/25</a:t>
             </a:fld>
             <a:endParaRPr kumimoji="1" lang="ja-JP" altLang="en-US"/>
           </a:p>
@@ -980,13 +876,7 @@
       </p:sp>
       <p:sp>
         <p:nvSpPr>
-          <p:cNvPr id="5" name="フッター プレースホルダー 4">
-            <a:extLst>
-              <a:ext uri="{FF2B5EF4-FFF2-40B4-BE49-F238E27FC236}">
-                <a16:creationId xmlns:a16="http://schemas.microsoft.com/office/drawing/2014/main" id="{C4CE8CE3-F56A-499A-9503-84B870215EF8}"/>
-              </a:ext>
-            </a:extLst>
-          </p:cNvPr>
+          <p:cNvPr id="5" name="Footer Placeholder 4"/>
           <p:cNvSpPr>
             <a:spLocks noGrp="1"/>
           </p:cNvSpPr>
@@ -1005,13 +895,7 @@
       </p:sp>
       <p:sp>
         <p:nvSpPr>
-          <p:cNvPr id="6" name="スライド番号プレースホルダー 5">
-            <a:extLst>
-              <a:ext uri="{FF2B5EF4-FFF2-40B4-BE49-F238E27FC236}">
-                <a16:creationId xmlns:a16="http://schemas.microsoft.com/office/drawing/2014/main" id="{D922B388-1193-4540-9148-7A8F8D10B037}"/>
-              </a:ext>
-            </a:extLst>
-          </p:cNvPr>
+          <p:cNvPr id="6" name="Slide Number Placeholder 5"/>
           <p:cNvSpPr>
             <a:spLocks noGrp="1"/>
           </p:cNvSpPr>
@@ -1035,7 +919,7 @@
     </p:spTree>
     <p:extLst>
       <p:ext uri="{BB962C8B-B14F-4D97-AF65-F5344CB8AC3E}">
-        <p14:creationId xmlns:p14="http://schemas.microsoft.com/office/powerpoint/2010/main" val="3885293980"/>
+        <p14:creationId xmlns:p14="http://schemas.microsoft.com/office/powerpoint/2010/main" val="3809861179"/>
       </p:ext>
     </p:extLst>
   </p:cSld>
@@ -1064,13 +948,7 @@
       </p:grpSpPr>
       <p:sp>
         <p:nvSpPr>
-          <p:cNvPr id="2" name="タイトル 1">
-            <a:extLst>
-              <a:ext uri="{FF2B5EF4-FFF2-40B4-BE49-F238E27FC236}">
-                <a16:creationId xmlns:a16="http://schemas.microsoft.com/office/drawing/2014/main" id="{08E6B0ED-6C85-42C7-A913-4B82433E7B70}"/>
-              </a:ext>
-            </a:extLst>
-          </p:cNvPr>
+          <p:cNvPr id="2" name="Title 1"/>
           <p:cNvSpPr>
             <a:spLocks noGrp="1"/>
           </p:cNvSpPr>
@@ -1080,8 +958,8 @@
         </p:nvSpPr>
         <p:spPr>
           <a:xfrm>
-            <a:off x="623888" y="1709739"/>
-            <a:ext cx="7886700" cy="2852737"/>
+            <a:off x="831850" y="1709738"/>
+            <a:ext cx="10515600" cy="2852737"/>
           </a:xfrm>
         </p:spPr>
         <p:txBody>
@@ -1093,21 +971,16 @@
           </a:lstStyle>
           <a:p>
             <a:r>
-              <a:rPr kumimoji="1" lang="ja-JP" altLang="en-US"/>
+              <a:rPr lang="ja-JP" altLang="en-US"/>
               <a:t>マスター タイトルの書式設定</a:t>
             </a:r>
-          </a:p>
-        </p:txBody>
-      </p:sp>
-      <p:sp>
-        <p:nvSpPr>
-          <p:cNvPr id="3" name="テキスト プレースホルダー 2">
-            <a:extLst>
-              <a:ext uri="{FF2B5EF4-FFF2-40B4-BE49-F238E27FC236}">
-                <a16:creationId xmlns:a16="http://schemas.microsoft.com/office/drawing/2014/main" id="{246121B5-1DE4-4D5A-91F2-C7E49C42F30B}"/>
-              </a:ext>
-            </a:extLst>
-          </p:cNvPr>
+            <a:endParaRPr lang="en-US" dirty="0"/>
+          </a:p>
+        </p:txBody>
+      </p:sp>
+      <p:sp>
+        <p:nvSpPr>
+          <p:cNvPr id="3" name="Text Placeholder 2"/>
           <p:cNvSpPr>
             <a:spLocks noGrp="1"/>
           </p:cNvSpPr>
@@ -1117,8 +990,8 @@
         </p:nvSpPr>
         <p:spPr>
           <a:xfrm>
-            <a:off x="623888" y="4589464"/>
-            <a:ext cx="7886700" cy="1500187"/>
+            <a:off x="831850" y="4589463"/>
+            <a:ext cx="10515600" cy="1500187"/>
           </a:xfrm>
         </p:spPr>
         <p:txBody>
@@ -1218,7 +1091,7 @@
           <a:p>
             <a:pPr lvl="0"/>
             <a:r>
-              <a:rPr kumimoji="1" lang="ja-JP" altLang="en-US"/>
+              <a:rPr lang="ja-JP" altLang="en-US"/>
               <a:t>マスター テキストの書式設定</a:t>
             </a:r>
           </a:p>
@@ -1226,13 +1099,7 @@
       </p:sp>
       <p:sp>
         <p:nvSpPr>
-          <p:cNvPr id="4" name="日付プレースホルダー 3">
-            <a:extLst>
-              <a:ext uri="{FF2B5EF4-FFF2-40B4-BE49-F238E27FC236}">
-                <a16:creationId xmlns:a16="http://schemas.microsoft.com/office/drawing/2014/main" id="{554E865C-62F8-48F9-B5FF-DA5BC3EF1A2F}"/>
-              </a:ext>
-            </a:extLst>
-          </p:cNvPr>
+          <p:cNvPr id="4" name="Date Placeholder 3"/>
           <p:cNvSpPr>
             <a:spLocks noGrp="1"/>
           </p:cNvSpPr>
@@ -1247,7 +1114,7 @@
           <a:p>
             <a:fld id="{BCC3470B-979D-4AC3-9CEF-E2615858CE2E}" type="datetimeFigureOut">
               <a:rPr kumimoji="1" lang="ja-JP" altLang="en-US" smtClean="0"/>
-              <a:t>2017/9/13</a:t>
+              <a:t>2023/8/25</a:t>
             </a:fld>
             <a:endParaRPr kumimoji="1" lang="ja-JP" altLang="en-US"/>
           </a:p>
@@ -1255,13 +1122,7 @@
       </p:sp>
       <p:sp>
         <p:nvSpPr>
-          <p:cNvPr id="5" name="フッター プレースホルダー 4">
-            <a:extLst>
-              <a:ext uri="{FF2B5EF4-FFF2-40B4-BE49-F238E27FC236}">
-                <a16:creationId xmlns:a16="http://schemas.microsoft.com/office/drawing/2014/main" id="{01BA77F4-B8A8-433C-946F-4ABCE1772AC8}"/>
-              </a:ext>
-            </a:extLst>
-          </p:cNvPr>
+          <p:cNvPr id="5" name="Footer Placeholder 4"/>
           <p:cNvSpPr>
             <a:spLocks noGrp="1"/>
           </p:cNvSpPr>
@@ -1280,13 +1141,7 @@
       </p:sp>
       <p:sp>
         <p:nvSpPr>
-          <p:cNvPr id="6" name="スライド番号プレースホルダー 5">
-            <a:extLst>
-              <a:ext uri="{FF2B5EF4-FFF2-40B4-BE49-F238E27FC236}">
-                <a16:creationId xmlns:a16="http://schemas.microsoft.com/office/drawing/2014/main" id="{9E6B1CEE-CC91-4610-81F7-D40D5BF90C69}"/>
-              </a:ext>
-            </a:extLst>
-          </p:cNvPr>
+          <p:cNvPr id="6" name="Slide Number Placeholder 5"/>
           <p:cNvSpPr>
             <a:spLocks noGrp="1"/>
           </p:cNvSpPr>
@@ -1310,7 +1165,7 @@
     </p:spTree>
     <p:extLst>
       <p:ext uri="{BB962C8B-B14F-4D97-AF65-F5344CB8AC3E}">
-        <p14:creationId xmlns:p14="http://schemas.microsoft.com/office/powerpoint/2010/main" val="3050166243"/>
+        <p14:creationId xmlns:p14="http://schemas.microsoft.com/office/powerpoint/2010/main" val="1045027210"/>
       </p:ext>
     </p:extLst>
   </p:cSld>
@@ -1339,13 +1194,7 @@
       </p:grpSpPr>
       <p:sp>
         <p:nvSpPr>
-          <p:cNvPr id="2" name="タイトル 1">
-            <a:extLst>
-              <a:ext uri="{FF2B5EF4-FFF2-40B4-BE49-F238E27FC236}">
-                <a16:creationId xmlns:a16="http://schemas.microsoft.com/office/drawing/2014/main" id="{6DF9C5A6-3160-47E1-9F76-C0517AE74B65}"/>
-              </a:ext>
-            </a:extLst>
-          </p:cNvPr>
+          <p:cNvPr id="2" name="Title 1"/>
           <p:cNvSpPr>
             <a:spLocks noGrp="1"/>
           </p:cNvSpPr>
@@ -1359,21 +1208,16 @@
           <a:lstStyle/>
           <a:p>
             <a:r>
-              <a:rPr kumimoji="1" lang="ja-JP" altLang="en-US"/>
+              <a:rPr lang="ja-JP" altLang="en-US"/>
               <a:t>マスター タイトルの書式設定</a:t>
             </a:r>
-          </a:p>
-        </p:txBody>
-      </p:sp>
-      <p:sp>
-        <p:nvSpPr>
-          <p:cNvPr id="3" name="コンテンツ プレースホルダー 2">
-            <a:extLst>
-              <a:ext uri="{FF2B5EF4-FFF2-40B4-BE49-F238E27FC236}">
-                <a16:creationId xmlns:a16="http://schemas.microsoft.com/office/drawing/2014/main" id="{E1CFB188-D041-4220-AC8D-BC555D2B95A5}"/>
-              </a:ext>
-            </a:extLst>
-          </p:cNvPr>
+            <a:endParaRPr lang="en-US" dirty="0"/>
+          </a:p>
+        </p:txBody>
+      </p:sp>
+      <p:sp>
+        <p:nvSpPr>
+          <p:cNvPr id="3" name="Content Placeholder 2"/>
           <p:cNvSpPr>
             <a:spLocks noGrp="1"/>
           </p:cNvSpPr>
@@ -1383,8 +1227,8 @@
         </p:nvSpPr>
         <p:spPr>
           <a:xfrm>
-            <a:off x="628650" y="1825625"/>
-            <a:ext cx="3886200" cy="4351338"/>
+            <a:off x="838200" y="1825625"/>
+            <a:ext cx="5181600" cy="4351338"/>
           </a:xfrm>
         </p:spPr>
         <p:txBody>
@@ -1393,81 +1237,76 @@
           <a:p>
             <a:pPr lvl="0"/>
             <a:r>
-              <a:rPr kumimoji="1" lang="ja-JP" altLang="en-US"/>
+              <a:rPr lang="ja-JP" altLang="en-US"/>
               <a:t>マスター テキストの書式設定</a:t>
             </a:r>
           </a:p>
           <a:p>
             <a:pPr lvl="1"/>
             <a:r>
-              <a:rPr kumimoji="1" lang="ja-JP" altLang="en-US"/>
+              <a:rPr lang="ja-JP" altLang="en-US"/>
               <a:t>第 </a:t>
             </a:r>
             <a:r>
-              <a:rPr kumimoji="1" lang="en-US" altLang="ja-JP"/>
+              <a:rPr lang="en-US" altLang="ja-JP"/>
               <a:t>2 </a:t>
             </a:r>
             <a:r>
-              <a:rPr kumimoji="1" lang="ja-JP" altLang="en-US"/>
+              <a:rPr lang="ja-JP" altLang="en-US"/>
               <a:t>レベル</a:t>
             </a:r>
           </a:p>
           <a:p>
             <a:pPr lvl="2"/>
             <a:r>
-              <a:rPr kumimoji="1" lang="ja-JP" altLang="en-US"/>
+              <a:rPr lang="ja-JP" altLang="en-US"/>
               <a:t>第 </a:t>
             </a:r>
             <a:r>
-              <a:rPr kumimoji="1" lang="en-US" altLang="ja-JP"/>
+              <a:rPr lang="en-US" altLang="ja-JP"/>
               <a:t>3 </a:t>
             </a:r>
             <a:r>
-              <a:rPr kumimoji="1" lang="ja-JP" altLang="en-US"/>
+              <a:rPr lang="ja-JP" altLang="en-US"/>
               <a:t>レベル</a:t>
             </a:r>
           </a:p>
           <a:p>
             <a:pPr lvl="3"/>
             <a:r>
-              <a:rPr kumimoji="1" lang="ja-JP" altLang="en-US"/>
+              <a:rPr lang="ja-JP" altLang="en-US"/>
               <a:t>第 </a:t>
             </a:r>
             <a:r>
-              <a:rPr kumimoji="1" lang="en-US" altLang="ja-JP"/>
+              <a:rPr lang="en-US" altLang="ja-JP"/>
               <a:t>4 </a:t>
             </a:r>
             <a:r>
-              <a:rPr kumimoji="1" lang="ja-JP" altLang="en-US"/>
+              <a:rPr lang="ja-JP" altLang="en-US"/>
               <a:t>レベル</a:t>
             </a:r>
           </a:p>
           <a:p>
             <a:pPr lvl="4"/>
             <a:r>
-              <a:rPr kumimoji="1" lang="ja-JP" altLang="en-US"/>
+              <a:rPr lang="ja-JP" altLang="en-US"/>
               <a:t>第 </a:t>
             </a:r>
             <a:r>
-              <a:rPr kumimoji="1" lang="en-US" altLang="ja-JP"/>
+              <a:rPr lang="en-US" altLang="ja-JP"/>
               <a:t>5 </a:t>
             </a:r>
             <a:r>
-              <a:rPr kumimoji="1" lang="ja-JP" altLang="en-US"/>
+              <a:rPr lang="ja-JP" altLang="en-US"/>
               <a:t>レベル</a:t>
             </a:r>
-          </a:p>
-        </p:txBody>
-      </p:sp>
-      <p:sp>
-        <p:nvSpPr>
-          <p:cNvPr id="4" name="コンテンツ プレースホルダー 3">
-            <a:extLst>
-              <a:ext uri="{FF2B5EF4-FFF2-40B4-BE49-F238E27FC236}">
-                <a16:creationId xmlns:a16="http://schemas.microsoft.com/office/drawing/2014/main" id="{BB0DA848-D05A-4CC8-88F9-8978C8AEF3F2}"/>
-              </a:ext>
-            </a:extLst>
-          </p:cNvPr>
+            <a:endParaRPr lang="en-US" dirty="0"/>
+          </a:p>
+        </p:txBody>
+      </p:sp>
+      <p:sp>
+        <p:nvSpPr>
+          <p:cNvPr id="4" name="Content Placeholder 3"/>
           <p:cNvSpPr>
             <a:spLocks noGrp="1"/>
           </p:cNvSpPr>
@@ -1477,8 +1316,8 @@
         </p:nvSpPr>
         <p:spPr>
           <a:xfrm>
-            <a:off x="4629150" y="1825625"/>
-            <a:ext cx="3886200" cy="4351338"/>
+            <a:off x="6172200" y="1825625"/>
+            <a:ext cx="5181600" cy="4351338"/>
           </a:xfrm>
         </p:spPr>
         <p:txBody>
@@ -1487,81 +1326,76 @@
           <a:p>
             <a:pPr lvl="0"/>
             <a:r>
-              <a:rPr kumimoji="1" lang="ja-JP" altLang="en-US"/>
+              <a:rPr lang="ja-JP" altLang="en-US"/>
               <a:t>マスター テキストの書式設定</a:t>
             </a:r>
           </a:p>
           <a:p>
             <a:pPr lvl="1"/>
             <a:r>
-              <a:rPr kumimoji="1" lang="ja-JP" altLang="en-US"/>
+              <a:rPr lang="ja-JP" altLang="en-US"/>
               <a:t>第 </a:t>
             </a:r>
             <a:r>
-              <a:rPr kumimoji="1" lang="en-US" altLang="ja-JP"/>
+              <a:rPr lang="en-US" altLang="ja-JP"/>
               <a:t>2 </a:t>
             </a:r>
             <a:r>
-              <a:rPr kumimoji="1" lang="ja-JP" altLang="en-US"/>
+              <a:rPr lang="ja-JP" altLang="en-US"/>
               <a:t>レベル</a:t>
             </a:r>
           </a:p>
           <a:p>
             <a:pPr lvl="2"/>
             <a:r>
-              <a:rPr kumimoji="1" lang="ja-JP" altLang="en-US"/>
+              <a:rPr lang="ja-JP" altLang="en-US"/>
               <a:t>第 </a:t>
             </a:r>
             <a:r>
-              <a:rPr kumimoji="1" lang="en-US" altLang="ja-JP"/>
+              <a:rPr lang="en-US" altLang="ja-JP"/>
               <a:t>3 </a:t>
             </a:r>
             <a:r>
-              <a:rPr kumimoji="1" lang="ja-JP" altLang="en-US"/>
+              <a:rPr lang="ja-JP" altLang="en-US"/>
               <a:t>レベル</a:t>
             </a:r>
           </a:p>
           <a:p>
             <a:pPr lvl="3"/>
             <a:r>
-              <a:rPr kumimoji="1" lang="ja-JP" altLang="en-US"/>
+              <a:rPr lang="ja-JP" altLang="en-US"/>
               <a:t>第 </a:t>
             </a:r>
             <a:r>
-              <a:rPr kumimoji="1" lang="en-US" altLang="ja-JP"/>
+              <a:rPr lang="en-US" altLang="ja-JP"/>
               <a:t>4 </a:t>
             </a:r>
             <a:r>
-              <a:rPr kumimoji="1" lang="ja-JP" altLang="en-US"/>
+              <a:rPr lang="ja-JP" altLang="en-US"/>
               <a:t>レベル</a:t>
             </a:r>
           </a:p>
           <a:p>
             <a:pPr lvl="4"/>
             <a:r>
-              <a:rPr kumimoji="1" lang="ja-JP" altLang="en-US"/>
+              <a:rPr lang="ja-JP" altLang="en-US"/>
               <a:t>第 </a:t>
             </a:r>
             <a:r>
-              <a:rPr kumimoji="1" lang="en-US" altLang="ja-JP"/>
+              <a:rPr lang="en-US" altLang="ja-JP"/>
               <a:t>5 </a:t>
             </a:r>
             <a:r>
-              <a:rPr kumimoji="1" lang="ja-JP" altLang="en-US"/>
+              <a:rPr lang="ja-JP" altLang="en-US"/>
               <a:t>レベル</a:t>
             </a:r>
-          </a:p>
-        </p:txBody>
-      </p:sp>
-      <p:sp>
-        <p:nvSpPr>
-          <p:cNvPr id="5" name="日付プレースホルダー 4">
-            <a:extLst>
-              <a:ext uri="{FF2B5EF4-FFF2-40B4-BE49-F238E27FC236}">
-                <a16:creationId xmlns:a16="http://schemas.microsoft.com/office/drawing/2014/main" id="{840C054F-E256-4364-8C3B-BC6BBFAFEAC5}"/>
-              </a:ext>
-            </a:extLst>
-          </p:cNvPr>
+            <a:endParaRPr lang="en-US" dirty="0"/>
+          </a:p>
+        </p:txBody>
+      </p:sp>
+      <p:sp>
+        <p:nvSpPr>
+          <p:cNvPr id="5" name="Date Placeholder 4"/>
           <p:cNvSpPr>
             <a:spLocks noGrp="1"/>
           </p:cNvSpPr>
@@ -1576,7 +1410,7 @@
           <a:p>
             <a:fld id="{BCC3470B-979D-4AC3-9CEF-E2615858CE2E}" type="datetimeFigureOut">
               <a:rPr kumimoji="1" lang="ja-JP" altLang="en-US" smtClean="0"/>
-              <a:t>2017/9/13</a:t>
+              <a:t>2023/8/25</a:t>
             </a:fld>
             <a:endParaRPr kumimoji="1" lang="ja-JP" altLang="en-US"/>
           </a:p>
@@ -1584,13 +1418,7 @@
       </p:sp>
       <p:sp>
         <p:nvSpPr>
-          <p:cNvPr id="6" name="フッター プレースホルダー 5">
-            <a:extLst>
-              <a:ext uri="{FF2B5EF4-FFF2-40B4-BE49-F238E27FC236}">
-                <a16:creationId xmlns:a16="http://schemas.microsoft.com/office/drawing/2014/main" id="{F04279D4-EDFB-458F-8F75-2B792679193B}"/>
-              </a:ext>
-            </a:extLst>
-          </p:cNvPr>
+          <p:cNvPr id="6" name="Footer Placeholder 5"/>
           <p:cNvSpPr>
             <a:spLocks noGrp="1"/>
           </p:cNvSpPr>
@@ -1609,13 +1437,7 @@
       </p:sp>
       <p:sp>
         <p:nvSpPr>
-          <p:cNvPr id="7" name="スライド番号プレースホルダー 6">
-            <a:extLst>
-              <a:ext uri="{FF2B5EF4-FFF2-40B4-BE49-F238E27FC236}">
-                <a16:creationId xmlns:a16="http://schemas.microsoft.com/office/drawing/2014/main" id="{330EFC22-26C8-43E2-9D75-36E84925B9F2}"/>
-              </a:ext>
-            </a:extLst>
-          </p:cNvPr>
+          <p:cNvPr id="7" name="Slide Number Placeholder 6"/>
           <p:cNvSpPr>
             <a:spLocks noGrp="1"/>
           </p:cNvSpPr>
@@ -1639,7 +1461,7 @@
     </p:spTree>
     <p:extLst>
       <p:ext uri="{BB962C8B-B14F-4D97-AF65-F5344CB8AC3E}">
-        <p14:creationId xmlns:p14="http://schemas.microsoft.com/office/powerpoint/2010/main" val="3052735013"/>
+        <p14:creationId xmlns:p14="http://schemas.microsoft.com/office/powerpoint/2010/main" val="4085574508"/>
       </p:ext>
     </p:extLst>
   </p:cSld>
@@ -1668,13 +1490,7 @@
       </p:grpSpPr>
       <p:sp>
         <p:nvSpPr>
-          <p:cNvPr id="2" name="タイトル 1">
-            <a:extLst>
-              <a:ext uri="{FF2B5EF4-FFF2-40B4-BE49-F238E27FC236}">
-                <a16:creationId xmlns:a16="http://schemas.microsoft.com/office/drawing/2014/main" id="{1F5067ED-0838-4E65-BD26-8B88ADE57E81}"/>
-              </a:ext>
-            </a:extLst>
-          </p:cNvPr>
+          <p:cNvPr id="2" name="Title 1"/>
           <p:cNvSpPr>
             <a:spLocks noGrp="1"/>
           </p:cNvSpPr>
@@ -1684,8 +1500,8 @@
         </p:nvSpPr>
         <p:spPr>
           <a:xfrm>
-            <a:off x="629841" y="365126"/>
-            <a:ext cx="7886700" cy="1325563"/>
+            <a:off x="839788" y="365125"/>
+            <a:ext cx="10515600" cy="1325563"/>
           </a:xfrm>
         </p:spPr>
         <p:txBody>
@@ -1693,21 +1509,16 @@
           <a:lstStyle/>
           <a:p>
             <a:r>
-              <a:rPr kumimoji="1" lang="ja-JP" altLang="en-US"/>
+              <a:rPr lang="ja-JP" altLang="en-US"/>
               <a:t>マスター タイトルの書式設定</a:t>
             </a:r>
-          </a:p>
-        </p:txBody>
-      </p:sp>
-      <p:sp>
-        <p:nvSpPr>
-          <p:cNvPr id="3" name="テキスト プレースホルダー 2">
-            <a:extLst>
-              <a:ext uri="{FF2B5EF4-FFF2-40B4-BE49-F238E27FC236}">
-                <a16:creationId xmlns:a16="http://schemas.microsoft.com/office/drawing/2014/main" id="{9CE39B44-D81E-4092-8FCA-BD64DB707D9B}"/>
-              </a:ext>
-            </a:extLst>
-          </p:cNvPr>
+            <a:endParaRPr lang="en-US" dirty="0"/>
+          </a:p>
+        </p:txBody>
+      </p:sp>
+      <p:sp>
+        <p:nvSpPr>
+          <p:cNvPr id="3" name="Text Placeholder 2"/>
           <p:cNvSpPr>
             <a:spLocks noGrp="1"/>
           </p:cNvSpPr>
@@ -1717,8 +1528,8 @@
         </p:nvSpPr>
         <p:spPr>
           <a:xfrm>
-            <a:off x="629842" y="1681163"/>
-            <a:ext cx="3868340" cy="823912"/>
+            <a:off x="839788" y="1681163"/>
+            <a:ext cx="5157787" cy="823912"/>
           </a:xfrm>
         </p:spPr>
         <p:txBody>
@@ -1764,7 +1575,7 @@
           <a:p>
             <a:pPr lvl="0"/>
             <a:r>
-              <a:rPr kumimoji="1" lang="ja-JP" altLang="en-US"/>
+              <a:rPr lang="ja-JP" altLang="en-US"/>
               <a:t>マスター テキストの書式設定</a:t>
             </a:r>
           </a:p>
@@ -1772,13 +1583,7 @@
       </p:sp>
       <p:sp>
         <p:nvSpPr>
-          <p:cNvPr id="4" name="コンテンツ プレースホルダー 3">
-            <a:extLst>
-              <a:ext uri="{FF2B5EF4-FFF2-40B4-BE49-F238E27FC236}">
-                <a16:creationId xmlns:a16="http://schemas.microsoft.com/office/drawing/2014/main" id="{F964C5E1-E238-4DB8-831C-92C909C7BBD6}"/>
-              </a:ext>
-            </a:extLst>
-          </p:cNvPr>
+          <p:cNvPr id="4" name="Content Placeholder 3"/>
           <p:cNvSpPr>
             <a:spLocks noGrp="1"/>
           </p:cNvSpPr>
@@ -1788,8 +1593,8 @@
         </p:nvSpPr>
         <p:spPr>
           <a:xfrm>
-            <a:off x="629842" y="2505075"/>
-            <a:ext cx="3868340" cy="3684588"/>
+            <a:off x="839788" y="2505075"/>
+            <a:ext cx="5157787" cy="3684588"/>
           </a:xfrm>
         </p:spPr>
         <p:txBody>
@@ -1798,81 +1603,76 @@
           <a:p>
             <a:pPr lvl="0"/>
             <a:r>
-              <a:rPr kumimoji="1" lang="ja-JP" altLang="en-US"/>
+              <a:rPr lang="ja-JP" altLang="en-US"/>
               <a:t>マスター テキストの書式設定</a:t>
             </a:r>
           </a:p>
           <a:p>
             <a:pPr lvl="1"/>
             <a:r>
-              <a:rPr kumimoji="1" lang="ja-JP" altLang="en-US"/>
+              <a:rPr lang="ja-JP" altLang="en-US"/>
               <a:t>第 </a:t>
             </a:r>
             <a:r>
-              <a:rPr kumimoji="1" lang="en-US" altLang="ja-JP"/>
+              <a:rPr lang="en-US" altLang="ja-JP"/>
               <a:t>2 </a:t>
             </a:r>
             <a:r>
-              <a:rPr kumimoji="1" lang="ja-JP" altLang="en-US"/>
+              <a:rPr lang="ja-JP" altLang="en-US"/>
               <a:t>レベル</a:t>
             </a:r>
           </a:p>
           <a:p>
             <a:pPr lvl="2"/>
             <a:r>
-              <a:rPr kumimoji="1" lang="ja-JP" altLang="en-US"/>
+              <a:rPr lang="ja-JP" altLang="en-US"/>
               <a:t>第 </a:t>
             </a:r>
             <a:r>
-              <a:rPr kumimoji="1" lang="en-US" altLang="ja-JP"/>
+              <a:rPr lang="en-US" altLang="ja-JP"/>
               <a:t>3 </a:t>
             </a:r>
             <a:r>
-              <a:rPr kumimoji="1" lang="ja-JP" altLang="en-US"/>
+              <a:rPr lang="ja-JP" altLang="en-US"/>
               <a:t>レベル</a:t>
             </a:r>
           </a:p>
           <a:p>
             <a:pPr lvl="3"/>
             <a:r>
-              <a:rPr kumimoji="1" lang="ja-JP" altLang="en-US"/>
+              <a:rPr lang="ja-JP" altLang="en-US"/>
               <a:t>第 </a:t>
             </a:r>
             <a:r>
-              <a:rPr kumimoji="1" lang="en-US" altLang="ja-JP"/>
+              <a:rPr lang="en-US" altLang="ja-JP"/>
               <a:t>4 </a:t>
             </a:r>
             <a:r>
-              <a:rPr kumimoji="1" lang="ja-JP" altLang="en-US"/>
+              <a:rPr lang="ja-JP" altLang="en-US"/>
               <a:t>レベル</a:t>
             </a:r>
           </a:p>
           <a:p>
             <a:pPr lvl="4"/>
             <a:r>
-              <a:rPr kumimoji="1" lang="ja-JP" altLang="en-US"/>
+              <a:rPr lang="ja-JP" altLang="en-US"/>
               <a:t>第 </a:t>
             </a:r>
             <a:r>
-              <a:rPr kumimoji="1" lang="en-US" altLang="ja-JP"/>
+              <a:rPr lang="en-US" altLang="ja-JP"/>
               <a:t>5 </a:t>
             </a:r>
             <a:r>
-              <a:rPr kumimoji="1" lang="ja-JP" altLang="en-US"/>
+              <a:rPr lang="ja-JP" altLang="en-US"/>
               <a:t>レベル</a:t>
             </a:r>
-          </a:p>
-        </p:txBody>
-      </p:sp>
-      <p:sp>
-        <p:nvSpPr>
-          <p:cNvPr id="5" name="テキスト プレースホルダー 4">
-            <a:extLst>
-              <a:ext uri="{FF2B5EF4-FFF2-40B4-BE49-F238E27FC236}">
-                <a16:creationId xmlns:a16="http://schemas.microsoft.com/office/drawing/2014/main" id="{50A464FE-14E8-4CD3-A5FB-3E837627C2B7}"/>
-              </a:ext>
-            </a:extLst>
-          </p:cNvPr>
+            <a:endParaRPr lang="en-US" dirty="0"/>
+          </a:p>
+        </p:txBody>
+      </p:sp>
+      <p:sp>
+        <p:nvSpPr>
+          <p:cNvPr id="5" name="Text Placeholder 4"/>
           <p:cNvSpPr>
             <a:spLocks noGrp="1"/>
           </p:cNvSpPr>
@@ -1882,8 +1682,8 @@
         </p:nvSpPr>
         <p:spPr>
           <a:xfrm>
-            <a:off x="4629150" y="1681163"/>
-            <a:ext cx="3887391" cy="823912"/>
+            <a:off x="6172200" y="1681163"/>
+            <a:ext cx="5183188" cy="823912"/>
           </a:xfrm>
         </p:spPr>
         <p:txBody>
@@ -1929,7 +1729,7 @@
           <a:p>
             <a:pPr lvl="0"/>
             <a:r>
-              <a:rPr kumimoji="1" lang="ja-JP" altLang="en-US"/>
+              <a:rPr lang="ja-JP" altLang="en-US"/>
               <a:t>マスター テキストの書式設定</a:t>
             </a:r>
           </a:p>
@@ -1937,13 +1737,7 @@
       </p:sp>
       <p:sp>
         <p:nvSpPr>
-          <p:cNvPr id="6" name="コンテンツ プレースホルダー 5">
-            <a:extLst>
-              <a:ext uri="{FF2B5EF4-FFF2-40B4-BE49-F238E27FC236}">
-                <a16:creationId xmlns:a16="http://schemas.microsoft.com/office/drawing/2014/main" id="{FD529878-3AA1-495B-AF8C-2446DFB6BD0A}"/>
-              </a:ext>
-            </a:extLst>
-          </p:cNvPr>
+          <p:cNvPr id="6" name="Content Placeholder 5"/>
           <p:cNvSpPr>
             <a:spLocks noGrp="1"/>
           </p:cNvSpPr>
@@ -1953,8 +1747,8 @@
         </p:nvSpPr>
         <p:spPr>
           <a:xfrm>
-            <a:off x="4629150" y="2505075"/>
-            <a:ext cx="3887391" cy="3684588"/>
+            <a:off x="6172200" y="2505075"/>
+            <a:ext cx="5183188" cy="3684588"/>
           </a:xfrm>
         </p:spPr>
         <p:txBody>
@@ -1963,81 +1757,76 @@
           <a:p>
             <a:pPr lvl="0"/>
             <a:r>
-              <a:rPr kumimoji="1" lang="ja-JP" altLang="en-US"/>
+              <a:rPr lang="ja-JP" altLang="en-US"/>
               <a:t>マスター テキストの書式設定</a:t>
             </a:r>
           </a:p>
           <a:p>
             <a:pPr lvl="1"/>
             <a:r>
-              <a:rPr kumimoji="1" lang="ja-JP" altLang="en-US"/>
+              <a:rPr lang="ja-JP" altLang="en-US"/>
               <a:t>第 </a:t>
             </a:r>
             <a:r>
-              <a:rPr kumimoji="1" lang="en-US" altLang="ja-JP"/>
+              <a:rPr lang="en-US" altLang="ja-JP"/>
               <a:t>2 </a:t>
             </a:r>
             <a:r>
-              <a:rPr kumimoji="1" lang="ja-JP" altLang="en-US"/>
+              <a:rPr lang="ja-JP" altLang="en-US"/>
               <a:t>レベル</a:t>
             </a:r>
           </a:p>
           <a:p>
             <a:pPr lvl="2"/>
             <a:r>
-              <a:rPr kumimoji="1" lang="ja-JP" altLang="en-US"/>
+              <a:rPr lang="ja-JP" altLang="en-US"/>
               <a:t>第 </a:t>
             </a:r>
             <a:r>
-              <a:rPr kumimoji="1" lang="en-US" altLang="ja-JP"/>
+              <a:rPr lang="en-US" altLang="ja-JP"/>
               <a:t>3 </a:t>
             </a:r>
             <a:r>
-              <a:rPr kumimoji="1" lang="ja-JP" altLang="en-US"/>
+              <a:rPr lang="ja-JP" altLang="en-US"/>
               <a:t>レベル</a:t>
             </a:r>
           </a:p>
           <a:p>
             <a:pPr lvl="3"/>
             <a:r>
-              <a:rPr kumimoji="1" lang="ja-JP" altLang="en-US"/>
+              <a:rPr lang="ja-JP" altLang="en-US"/>
               <a:t>第 </a:t>
             </a:r>
             <a:r>
-              <a:rPr kumimoji="1" lang="en-US" altLang="ja-JP"/>
+              <a:rPr lang="en-US" altLang="ja-JP"/>
               <a:t>4 </a:t>
             </a:r>
             <a:r>
-              <a:rPr kumimoji="1" lang="ja-JP" altLang="en-US"/>
+              <a:rPr lang="ja-JP" altLang="en-US"/>
               <a:t>レベル</a:t>
             </a:r>
           </a:p>
           <a:p>
             <a:pPr lvl="4"/>
             <a:r>
-              <a:rPr kumimoji="1" lang="ja-JP" altLang="en-US"/>
+              <a:rPr lang="ja-JP" altLang="en-US"/>
               <a:t>第 </a:t>
             </a:r>
             <a:r>
-              <a:rPr kumimoji="1" lang="en-US" altLang="ja-JP"/>
+              <a:rPr lang="en-US" altLang="ja-JP"/>
               <a:t>5 </a:t>
             </a:r>
             <a:r>
-              <a:rPr kumimoji="1" lang="ja-JP" altLang="en-US"/>
+              <a:rPr lang="ja-JP" altLang="en-US"/>
               <a:t>レベル</a:t>
             </a:r>
-          </a:p>
-        </p:txBody>
-      </p:sp>
-      <p:sp>
-        <p:nvSpPr>
-          <p:cNvPr id="7" name="日付プレースホルダー 6">
-            <a:extLst>
-              <a:ext uri="{FF2B5EF4-FFF2-40B4-BE49-F238E27FC236}">
-                <a16:creationId xmlns:a16="http://schemas.microsoft.com/office/drawing/2014/main" id="{FA5144D1-CDBF-4195-AECA-AD06E108486E}"/>
-              </a:ext>
-            </a:extLst>
-          </p:cNvPr>
+            <a:endParaRPr lang="en-US" dirty="0"/>
+          </a:p>
+        </p:txBody>
+      </p:sp>
+      <p:sp>
+        <p:nvSpPr>
+          <p:cNvPr id="7" name="Date Placeholder 6"/>
           <p:cNvSpPr>
             <a:spLocks noGrp="1"/>
           </p:cNvSpPr>
@@ -2052,7 +1841,7 @@
           <a:p>
             <a:fld id="{BCC3470B-979D-4AC3-9CEF-E2615858CE2E}" type="datetimeFigureOut">
               <a:rPr kumimoji="1" lang="ja-JP" altLang="en-US" smtClean="0"/>
-              <a:t>2017/9/13</a:t>
+              <a:t>2023/8/25</a:t>
             </a:fld>
             <a:endParaRPr kumimoji="1" lang="ja-JP" altLang="en-US"/>
           </a:p>
@@ -2060,13 +1849,7 @@
       </p:sp>
       <p:sp>
         <p:nvSpPr>
-          <p:cNvPr id="8" name="フッター プレースホルダー 7">
-            <a:extLst>
-              <a:ext uri="{FF2B5EF4-FFF2-40B4-BE49-F238E27FC236}">
-                <a16:creationId xmlns:a16="http://schemas.microsoft.com/office/drawing/2014/main" id="{A4CC6E82-D470-49A1-B2E2-2F0CE2B1A445}"/>
-              </a:ext>
-            </a:extLst>
-          </p:cNvPr>
+          <p:cNvPr id="8" name="Footer Placeholder 7"/>
           <p:cNvSpPr>
             <a:spLocks noGrp="1"/>
           </p:cNvSpPr>
@@ -2085,13 +1868,7 @@
       </p:sp>
       <p:sp>
         <p:nvSpPr>
-          <p:cNvPr id="9" name="スライド番号プレースホルダー 8">
-            <a:extLst>
-              <a:ext uri="{FF2B5EF4-FFF2-40B4-BE49-F238E27FC236}">
-                <a16:creationId xmlns:a16="http://schemas.microsoft.com/office/drawing/2014/main" id="{62C52876-658A-42FB-9DD7-77BCB77F43CC}"/>
-              </a:ext>
-            </a:extLst>
-          </p:cNvPr>
+          <p:cNvPr id="9" name="Slide Number Placeholder 8"/>
           <p:cNvSpPr>
             <a:spLocks noGrp="1"/>
           </p:cNvSpPr>
@@ -2115,7 +1892,7 @@
     </p:spTree>
     <p:extLst>
       <p:ext uri="{BB962C8B-B14F-4D97-AF65-F5344CB8AC3E}">
-        <p14:creationId xmlns:p14="http://schemas.microsoft.com/office/powerpoint/2010/main" val="2498931311"/>
+        <p14:creationId xmlns:p14="http://schemas.microsoft.com/office/powerpoint/2010/main" val="4015522208"/>
       </p:ext>
     </p:extLst>
   </p:cSld>
@@ -2144,13 +1921,7 @@
       </p:grpSpPr>
       <p:sp>
         <p:nvSpPr>
-          <p:cNvPr id="2" name="タイトル 1">
-            <a:extLst>
-              <a:ext uri="{FF2B5EF4-FFF2-40B4-BE49-F238E27FC236}">
-                <a16:creationId xmlns:a16="http://schemas.microsoft.com/office/drawing/2014/main" id="{79FF38F5-536E-47BE-9249-EE31E17A586F}"/>
-              </a:ext>
-            </a:extLst>
-          </p:cNvPr>
+          <p:cNvPr id="2" name="Title 1"/>
           <p:cNvSpPr>
             <a:spLocks noGrp="1"/>
           </p:cNvSpPr>
@@ -2164,21 +1935,16 @@
           <a:lstStyle/>
           <a:p>
             <a:r>
-              <a:rPr kumimoji="1" lang="ja-JP" altLang="en-US"/>
+              <a:rPr lang="ja-JP" altLang="en-US"/>
               <a:t>マスター タイトルの書式設定</a:t>
             </a:r>
-          </a:p>
-        </p:txBody>
-      </p:sp>
-      <p:sp>
-        <p:nvSpPr>
-          <p:cNvPr id="3" name="日付プレースホルダー 2">
-            <a:extLst>
-              <a:ext uri="{FF2B5EF4-FFF2-40B4-BE49-F238E27FC236}">
-                <a16:creationId xmlns:a16="http://schemas.microsoft.com/office/drawing/2014/main" id="{07CB3045-FB54-46B7-B046-4F9A3B847F2B}"/>
-              </a:ext>
-            </a:extLst>
-          </p:cNvPr>
+            <a:endParaRPr lang="en-US" dirty="0"/>
+          </a:p>
+        </p:txBody>
+      </p:sp>
+      <p:sp>
+        <p:nvSpPr>
+          <p:cNvPr id="3" name="Date Placeholder 2"/>
           <p:cNvSpPr>
             <a:spLocks noGrp="1"/>
           </p:cNvSpPr>
@@ -2193,7 +1959,7 @@
           <a:p>
             <a:fld id="{BCC3470B-979D-4AC3-9CEF-E2615858CE2E}" type="datetimeFigureOut">
               <a:rPr kumimoji="1" lang="ja-JP" altLang="en-US" smtClean="0"/>
-              <a:t>2017/9/13</a:t>
+              <a:t>2023/8/25</a:t>
             </a:fld>
             <a:endParaRPr kumimoji="1" lang="ja-JP" altLang="en-US"/>
           </a:p>
@@ -2201,13 +1967,7 @@
       </p:sp>
       <p:sp>
         <p:nvSpPr>
-          <p:cNvPr id="4" name="フッター プレースホルダー 3">
-            <a:extLst>
-              <a:ext uri="{FF2B5EF4-FFF2-40B4-BE49-F238E27FC236}">
-                <a16:creationId xmlns:a16="http://schemas.microsoft.com/office/drawing/2014/main" id="{5ECED15D-9C74-469C-8E3C-B91843A74D4B}"/>
-              </a:ext>
-            </a:extLst>
-          </p:cNvPr>
+          <p:cNvPr id="4" name="Footer Placeholder 3"/>
           <p:cNvSpPr>
             <a:spLocks noGrp="1"/>
           </p:cNvSpPr>
@@ -2226,13 +1986,7 @@
       </p:sp>
       <p:sp>
         <p:nvSpPr>
-          <p:cNvPr id="5" name="スライド番号プレースホルダー 4">
-            <a:extLst>
-              <a:ext uri="{FF2B5EF4-FFF2-40B4-BE49-F238E27FC236}">
-                <a16:creationId xmlns:a16="http://schemas.microsoft.com/office/drawing/2014/main" id="{AAF8A85A-1042-46F4-93FA-E8F4AB4AB7F6}"/>
-              </a:ext>
-            </a:extLst>
-          </p:cNvPr>
+          <p:cNvPr id="5" name="Slide Number Placeholder 4"/>
           <p:cNvSpPr>
             <a:spLocks noGrp="1"/>
           </p:cNvSpPr>
@@ -2256,7 +2010,7 @@
     </p:spTree>
     <p:extLst>
       <p:ext uri="{BB962C8B-B14F-4D97-AF65-F5344CB8AC3E}">
-        <p14:creationId xmlns:p14="http://schemas.microsoft.com/office/powerpoint/2010/main" val="732835344"/>
+        <p14:creationId xmlns:p14="http://schemas.microsoft.com/office/powerpoint/2010/main" val="2360587943"/>
       </p:ext>
     </p:extLst>
   </p:cSld>
@@ -2285,13 +2039,7 @@
       </p:grpSpPr>
       <p:sp>
         <p:nvSpPr>
-          <p:cNvPr id="2" name="日付プレースホルダー 1">
-            <a:extLst>
-              <a:ext uri="{FF2B5EF4-FFF2-40B4-BE49-F238E27FC236}">
-                <a16:creationId xmlns:a16="http://schemas.microsoft.com/office/drawing/2014/main" id="{FCB3A632-2E6D-47AA-9D41-B542EB614177}"/>
-              </a:ext>
-            </a:extLst>
-          </p:cNvPr>
+          <p:cNvPr id="2" name="Date Placeholder 1"/>
           <p:cNvSpPr>
             <a:spLocks noGrp="1"/>
           </p:cNvSpPr>
@@ -2306,7 +2054,7 @@
           <a:p>
             <a:fld id="{BCC3470B-979D-4AC3-9CEF-E2615858CE2E}" type="datetimeFigureOut">
               <a:rPr kumimoji="1" lang="ja-JP" altLang="en-US" smtClean="0"/>
-              <a:t>2017/9/13</a:t>
+              <a:t>2023/8/25</a:t>
             </a:fld>
             <a:endParaRPr kumimoji="1" lang="ja-JP" altLang="en-US"/>
           </a:p>
@@ -2314,13 +2062,7 @@
       </p:sp>
       <p:sp>
         <p:nvSpPr>
-          <p:cNvPr id="3" name="フッター プレースホルダー 2">
-            <a:extLst>
-              <a:ext uri="{FF2B5EF4-FFF2-40B4-BE49-F238E27FC236}">
-                <a16:creationId xmlns:a16="http://schemas.microsoft.com/office/drawing/2014/main" id="{51DE58E0-D604-44D9-AB0A-579CF23A7F38}"/>
-              </a:ext>
-            </a:extLst>
-          </p:cNvPr>
+          <p:cNvPr id="3" name="Footer Placeholder 2"/>
           <p:cNvSpPr>
             <a:spLocks noGrp="1"/>
           </p:cNvSpPr>
@@ -2339,13 +2081,7 @@
       </p:sp>
       <p:sp>
         <p:nvSpPr>
-          <p:cNvPr id="4" name="スライド番号プレースホルダー 3">
-            <a:extLst>
-              <a:ext uri="{FF2B5EF4-FFF2-40B4-BE49-F238E27FC236}">
-                <a16:creationId xmlns:a16="http://schemas.microsoft.com/office/drawing/2014/main" id="{8E3B1122-36C1-4EF6-B192-4791749ADDC8}"/>
-              </a:ext>
-            </a:extLst>
-          </p:cNvPr>
+          <p:cNvPr id="4" name="Slide Number Placeholder 3"/>
           <p:cNvSpPr>
             <a:spLocks noGrp="1"/>
           </p:cNvSpPr>
@@ -2369,7 +2105,7 @@
     </p:spTree>
     <p:extLst>
       <p:ext uri="{BB962C8B-B14F-4D97-AF65-F5344CB8AC3E}">
-        <p14:creationId xmlns:p14="http://schemas.microsoft.com/office/powerpoint/2010/main" val="2554930808"/>
+        <p14:creationId xmlns:p14="http://schemas.microsoft.com/office/powerpoint/2010/main" val="710841308"/>
       </p:ext>
     </p:extLst>
   </p:cSld>
@@ -2398,13 +2134,7 @@
       </p:grpSpPr>
       <p:sp>
         <p:nvSpPr>
-          <p:cNvPr id="2" name="タイトル 1">
-            <a:extLst>
-              <a:ext uri="{FF2B5EF4-FFF2-40B4-BE49-F238E27FC236}">
-                <a16:creationId xmlns:a16="http://schemas.microsoft.com/office/drawing/2014/main" id="{32EB93E2-742C-40DA-A8F0-09D81B36FCED}"/>
-              </a:ext>
-            </a:extLst>
-          </p:cNvPr>
+          <p:cNvPr id="2" name="Title 1"/>
           <p:cNvSpPr>
             <a:spLocks noGrp="1"/>
           </p:cNvSpPr>
@@ -2414,8 +2144,8 @@
         </p:nvSpPr>
         <p:spPr>
           <a:xfrm>
-            <a:off x="629841" y="457200"/>
-            <a:ext cx="2949178" cy="1600200"/>
+            <a:off x="839788" y="457200"/>
+            <a:ext cx="3932237" cy="1600200"/>
           </a:xfrm>
         </p:spPr>
         <p:txBody>
@@ -2427,21 +2157,16 @@
           </a:lstStyle>
           <a:p>
             <a:r>
-              <a:rPr kumimoji="1" lang="ja-JP" altLang="en-US"/>
+              <a:rPr lang="ja-JP" altLang="en-US"/>
               <a:t>マスター タイトルの書式設定</a:t>
             </a:r>
-          </a:p>
-        </p:txBody>
-      </p:sp>
-      <p:sp>
-        <p:nvSpPr>
-          <p:cNvPr id="3" name="コンテンツ プレースホルダー 2">
-            <a:extLst>
-              <a:ext uri="{FF2B5EF4-FFF2-40B4-BE49-F238E27FC236}">
-                <a16:creationId xmlns:a16="http://schemas.microsoft.com/office/drawing/2014/main" id="{AC474D4D-1C0D-458D-9FF6-A1A57723BB58}"/>
-              </a:ext>
-            </a:extLst>
-          </p:cNvPr>
+            <a:endParaRPr lang="en-US" dirty="0"/>
+          </a:p>
+        </p:txBody>
+      </p:sp>
+      <p:sp>
+        <p:nvSpPr>
+          <p:cNvPr id="3" name="Content Placeholder 2"/>
           <p:cNvSpPr>
             <a:spLocks noGrp="1"/>
           </p:cNvSpPr>
@@ -2451,8 +2176,8 @@
         </p:nvSpPr>
         <p:spPr>
           <a:xfrm>
-            <a:off x="3887391" y="987426"/>
-            <a:ext cx="4629150" cy="4873625"/>
+            <a:off x="5183188" y="987425"/>
+            <a:ext cx="6172200" cy="4873625"/>
           </a:xfrm>
         </p:spPr>
         <p:txBody>
@@ -2489,81 +2214,76 @@
           <a:p>
             <a:pPr lvl="0"/>
             <a:r>
-              <a:rPr kumimoji="1" lang="ja-JP" altLang="en-US"/>
+              <a:rPr lang="ja-JP" altLang="en-US"/>
               <a:t>マスター テキストの書式設定</a:t>
             </a:r>
           </a:p>
           <a:p>
             <a:pPr lvl="1"/>
             <a:r>
-              <a:rPr kumimoji="1" lang="ja-JP" altLang="en-US"/>
+              <a:rPr lang="ja-JP" altLang="en-US"/>
               <a:t>第 </a:t>
             </a:r>
             <a:r>
-              <a:rPr kumimoji="1" lang="en-US" altLang="ja-JP"/>
+              <a:rPr lang="en-US" altLang="ja-JP"/>
               <a:t>2 </a:t>
             </a:r>
             <a:r>
-              <a:rPr kumimoji="1" lang="ja-JP" altLang="en-US"/>
+              <a:rPr lang="ja-JP" altLang="en-US"/>
               <a:t>レベル</a:t>
             </a:r>
           </a:p>
           <a:p>
             <a:pPr lvl="2"/>
             <a:r>
-              <a:rPr kumimoji="1" lang="ja-JP" altLang="en-US"/>
+              <a:rPr lang="ja-JP" altLang="en-US"/>
               <a:t>第 </a:t>
             </a:r>
             <a:r>
-              <a:rPr kumimoji="1" lang="en-US" altLang="ja-JP"/>
+              <a:rPr lang="en-US" altLang="ja-JP"/>
               <a:t>3 </a:t>
             </a:r>
             <a:r>
-              <a:rPr kumimoji="1" lang="ja-JP" altLang="en-US"/>
+              <a:rPr lang="ja-JP" altLang="en-US"/>
               <a:t>レベル</a:t>
             </a:r>
           </a:p>
           <a:p>
             <a:pPr lvl="3"/>
             <a:r>
-              <a:rPr kumimoji="1" lang="ja-JP" altLang="en-US"/>
+              <a:rPr lang="ja-JP" altLang="en-US"/>
               <a:t>第 </a:t>
             </a:r>
             <a:r>
-              <a:rPr kumimoji="1" lang="en-US" altLang="ja-JP"/>
+              <a:rPr lang="en-US" altLang="ja-JP"/>
               <a:t>4 </a:t>
             </a:r>
             <a:r>
-              <a:rPr kumimoji="1" lang="ja-JP" altLang="en-US"/>
+              <a:rPr lang="ja-JP" altLang="en-US"/>
               <a:t>レベル</a:t>
             </a:r>
           </a:p>
           <a:p>
             <a:pPr lvl="4"/>
             <a:r>
-              <a:rPr kumimoji="1" lang="ja-JP" altLang="en-US"/>
+              <a:rPr lang="ja-JP" altLang="en-US"/>
               <a:t>第 </a:t>
             </a:r>
             <a:r>
-              <a:rPr kumimoji="1" lang="en-US" altLang="ja-JP"/>
+              <a:rPr lang="en-US" altLang="ja-JP"/>
               <a:t>5 </a:t>
             </a:r>
             <a:r>
-              <a:rPr kumimoji="1" lang="ja-JP" altLang="en-US"/>
+              <a:rPr lang="ja-JP" altLang="en-US"/>
               <a:t>レベル</a:t>
             </a:r>
-          </a:p>
-        </p:txBody>
-      </p:sp>
-      <p:sp>
-        <p:nvSpPr>
-          <p:cNvPr id="4" name="テキスト プレースホルダー 3">
-            <a:extLst>
-              <a:ext uri="{FF2B5EF4-FFF2-40B4-BE49-F238E27FC236}">
-                <a16:creationId xmlns:a16="http://schemas.microsoft.com/office/drawing/2014/main" id="{D59A0723-E6D5-4A19-818C-2CC237DCE793}"/>
-              </a:ext>
-            </a:extLst>
-          </p:cNvPr>
+            <a:endParaRPr lang="en-US" dirty="0"/>
+          </a:p>
+        </p:txBody>
+      </p:sp>
+      <p:sp>
+        <p:nvSpPr>
+          <p:cNvPr id="4" name="Text Placeholder 3"/>
           <p:cNvSpPr>
             <a:spLocks noGrp="1"/>
           </p:cNvSpPr>
@@ -2573,8 +2293,8 @@
         </p:nvSpPr>
         <p:spPr>
           <a:xfrm>
-            <a:off x="629841" y="2057400"/>
-            <a:ext cx="2949178" cy="3811588"/>
+            <a:off x="839788" y="2057400"/>
+            <a:ext cx="3932237" cy="3811588"/>
           </a:xfrm>
         </p:spPr>
         <p:txBody>
@@ -2620,7 +2340,7 @@
           <a:p>
             <a:pPr lvl="0"/>
             <a:r>
-              <a:rPr kumimoji="1" lang="ja-JP" altLang="en-US"/>
+              <a:rPr lang="ja-JP" altLang="en-US"/>
               <a:t>マスター テキストの書式設定</a:t>
             </a:r>
           </a:p>
@@ -2628,13 +2348,7 @@
       </p:sp>
       <p:sp>
         <p:nvSpPr>
-          <p:cNvPr id="5" name="日付プレースホルダー 4">
-            <a:extLst>
-              <a:ext uri="{FF2B5EF4-FFF2-40B4-BE49-F238E27FC236}">
-                <a16:creationId xmlns:a16="http://schemas.microsoft.com/office/drawing/2014/main" id="{EC8AFEC2-77A9-4086-B939-E2C58F4BF6C5}"/>
-              </a:ext>
-            </a:extLst>
-          </p:cNvPr>
+          <p:cNvPr id="5" name="Date Placeholder 4"/>
           <p:cNvSpPr>
             <a:spLocks noGrp="1"/>
           </p:cNvSpPr>
@@ -2649,7 +2363,7 @@
           <a:p>
             <a:fld id="{BCC3470B-979D-4AC3-9CEF-E2615858CE2E}" type="datetimeFigureOut">
               <a:rPr kumimoji="1" lang="ja-JP" altLang="en-US" smtClean="0"/>
-              <a:t>2017/9/13</a:t>
+              <a:t>2023/8/25</a:t>
             </a:fld>
             <a:endParaRPr kumimoji="1" lang="ja-JP" altLang="en-US"/>
           </a:p>
@@ -2657,13 +2371,7 @@
       </p:sp>
       <p:sp>
         <p:nvSpPr>
-          <p:cNvPr id="6" name="フッター プレースホルダー 5">
-            <a:extLst>
-              <a:ext uri="{FF2B5EF4-FFF2-40B4-BE49-F238E27FC236}">
-                <a16:creationId xmlns:a16="http://schemas.microsoft.com/office/drawing/2014/main" id="{CCCE669C-F3A1-498F-87BB-AFC7E57A09BB}"/>
-              </a:ext>
-            </a:extLst>
-          </p:cNvPr>
+          <p:cNvPr id="6" name="Footer Placeholder 5"/>
           <p:cNvSpPr>
             <a:spLocks noGrp="1"/>
           </p:cNvSpPr>
@@ -2682,13 +2390,7 @@
       </p:sp>
       <p:sp>
         <p:nvSpPr>
-          <p:cNvPr id="7" name="スライド番号プレースホルダー 6">
-            <a:extLst>
-              <a:ext uri="{FF2B5EF4-FFF2-40B4-BE49-F238E27FC236}">
-                <a16:creationId xmlns:a16="http://schemas.microsoft.com/office/drawing/2014/main" id="{D25A9716-FF4B-4EE9-93B4-F37325C18E42}"/>
-              </a:ext>
-            </a:extLst>
-          </p:cNvPr>
+          <p:cNvPr id="7" name="Slide Number Placeholder 6"/>
           <p:cNvSpPr>
             <a:spLocks noGrp="1"/>
           </p:cNvSpPr>
@@ -2712,7 +2414,7 @@
     </p:spTree>
     <p:extLst>
       <p:ext uri="{BB962C8B-B14F-4D97-AF65-F5344CB8AC3E}">
-        <p14:creationId xmlns:p14="http://schemas.microsoft.com/office/powerpoint/2010/main" val="1651372392"/>
+        <p14:creationId xmlns:p14="http://schemas.microsoft.com/office/powerpoint/2010/main" val="1638429524"/>
       </p:ext>
     </p:extLst>
   </p:cSld>
@@ -2741,13 +2443,7 @@
       </p:grpSpPr>
       <p:sp>
         <p:nvSpPr>
-          <p:cNvPr id="2" name="タイトル 1">
-            <a:extLst>
-              <a:ext uri="{FF2B5EF4-FFF2-40B4-BE49-F238E27FC236}">
-                <a16:creationId xmlns:a16="http://schemas.microsoft.com/office/drawing/2014/main" id="{F6BE48DE-0EBA-4D97-9DBF-1EC753EBE759}"/>
-              </a:ext>
-            </a:extLst>
-          </p:cNvPr>
+          <p:cNvPr id="2" name="Title 1"/>
           <p:cNvSpPr>
             <a:spLocks noGrp="1"/>
           </p:cNvSpPr>
@@ -2757,8 +2453,8 @@
         </p:nvSpPr>
         <p:spPr>
           <a:xfrm>
-            <a:off x="629841" y="457200"/>
-            <a:ext cx="2949178" cy="1600200"/>
+            <a:off x="839788" y="457200"/>
+            <a:ext cx="3932237" cy="1600200"/>
           </a:xfrm>
         </p:spPr>
         <p:txBody>
@@ -2770,23 +2466,18 @@
           </a:lstStyle>
           <a:p>
             <a:r>
-              <a:rPr kumimoji="1" lang="ja-JP" altLang="en-US"/>
+              <a:rPr lang="ja-JP" altLang="en-US"/>
               <a:t>マスター タイトルの書式設定</a:t>
             </a:r>
-          </a:p>
-        </p:txBody>
-      </p:sp>
-      <p:sp>
-        <p:nvSpPr>
-          <p:cNvPr id="3" name="図プレースホルダー 2">
-            <a:extLst>
-              <a:ext uri="{FF2B5EF4-FFF2-40B4-BE49-F238E27FC236}">
-                <a16:creationId xmlns:a16="http://schemas.microsoft.com/office/drawing/2014/main" id="{2B35F2B9-EF3E-4AC9-8F35-B559A54EBBA6}"/>
-              </a:ext>
-            </a:extLst>
-          </p:cNvPr>
+            <a:endParaRPr lang="en-US" dirty="0"/>
+          </a:p>
+        </p:txBody>
+      </p:sp>
+      <p:sp>
+        <p:nvSpPr>
+          <p:cNvPr id="3" name="Picture Placeholder 2"/>
           <p:cNvSpPr>
-            <a:spLocks noGrp="1"/>
+            <a:spLocks noGrp="1" noChangeAspect="1"/>
           </p:cNvSpPr>
           <p:nvPr>
             <p:ph type="pic" idx="1"/>
@@ -2794,12 +2485,12 @@
         </p:nvSpPr>
         <p:spPr>
           <a:xfrm>
-            <a:off x="3887391" y="987426"/>
-            <a:ext cx="4629150" cy="4873625"/>
-          </a:xfrm>
-        </p:spPr>
-        <p:txBody>
-          <a:bodyPr/>
+            <a:off x="5183188" y="987425"/>
+            <a:ext cx="6172200" cy="4873625"/>
+          </a:xfrm>
+        </p:spPr>
+        <p:txBody>
+          <a:bodyPr anchor="t"/>
           <a:lstStyle>
             <a:lvl1pPr marL="0" indent="0">
               <a:buNone/>
@@ -2839,19 +2530,17 @@
             </a:lvl9pPr>
           </a:lstStyle>
           <a:p>
-            <a:endParaRPr kumimoji="1" lang="ja-JP" altLang="en-US"/>
-          </a:p>
-        </p:txBody>
-      </p:sp>
-      <p:sp>
-        <p:nvSpPr>
-          <p:cNvPr id="4" name="テキスト プレースホルダー 3">
-            <a:extLst>
-              <a:ext uri="{FF2B5EF4-FFF2-40B4-BE49-F238E27FC236}">
-                <a16:creationId xmlns:a16="http://schemas.microsoft.com/office/drawing/2014/main" id="{C7480445-5168-40B5-ABFE-461FF3C35C05}"/>
-              </a:ext>
-            </a:extLst>
-          </p:cNvPr>
+            <a:r>
+              <a:rPr lang="ja-JP" altLang="en-US"/>
+              <a:t>アイコンをクリックして図を追加</a:t>
+            </a:r>
+            <a:endParaRPr lang="en-US" dirty="0"/>
+          </a:p>
+        </p:txBody>
+      </p:sp>
+      <p:sp>
+        <p:nvSpPr>
+          <p:cNvPr id="4" name="Text Placeholder 3"/>
           <p:cNvSpPr>
             <a:spLocks noGrp="1"/>
           </p:cNvSpPr>
@@ -2861,8 +2550,8 @@
         </p:nvSpPr>
         <p:spPr>
           <a:xfrm>
-            <a:off x="629841" y="2057400"/>
-            <a:ext cx="2949178" cy="3811588"/>
+            <a:off x="839788" y="2057400"/>
+            <a:ext cx="3932237" cy="3811588"/>
           </a:xfrm>
         </p:spPr>
         <p:txBody>
@@ -2908,7 +2597,7 @@
           <a:p>
             <a:pPr lvl="0"/>
             <a:r>
-              <a:rPr kumimoji="1" lang="ja-JP" altLang="en-US"/>
+              <a:rPr lang="ja-JP" altLang="en-US"/>
               <a:t>マスター テキストの書式設定</a:t>
             </a:r>
           </a:p>
@@ -2916,13 +2605,7 @@
       </p:sp>
       <p:sp>
         <p:nvSpPr>
-          <p:cNvPr id="5" name="日付プレースホルダー 4">
-            <a:extLst>
-              <a:ext uri="{FF2B5EF4-FFF2-40B4-BE49-F238E27FC236}">
-                <a16:creationId xmlns:a16="http://schemas.microsoft.com/office/drawing/2014/main" id="{521ECF7E-BD91-4A78-BA11-C7AA653C7969}"/>
-              </a:ext>
-            </a:extLst>
-          </p:cNvPr>
+          <p:cNvPr id="5" name="Date Placeholder 4"/>
           <p:cNvSpPr>
             <a:spLocks noGrp="1"/>
           </p:cNvSpPr>
@@ -2937,7 +2620,7 @@
           <a:p>
             <a:fld id="{BCC3470B-979D-4AC3-9CEF-E2615858CE2E}" type="datetimeFigureOut">
               <a:rPr kumimoji="1" lang="ja-JP" altLang="en-US" smtClean="0"/>
-              <a:t>2017/9/13</a:t>
+              <a:t>2023/8/25</a:t>
             </a:fld>
             <a:endParaRPr kumimoji="1" lang="ja-JP" altLang="en-US"/>
           </a:p>
@@ -2945,13 +2628,7 @@
       </p:sp>
       <p:sp>
         <p:nvSpPr>
-          <p:cNvPr id="6" name="フッター プレースホルダー 5">
-            <a:extLst>
-              <a:ext uri="{FF2B5EF4-FFF2-40B4-BE49-F238E27FC236}">
-                <a16:creationId xmlns:a16="http://schemas.microsoft.com/office/drawing/2014/main" id="{837EC663-4A4A-43E3-884F-DFCBF1673EEA}"/>
-              </a:ext>
-            </a:extLst>
-          </p:cNvPr>
+          <p:cNvPr id="6" name="Footer Placeholder 5"/>
           <p:cNvSpPr>
             <a:spLocks noGrp="1"/>
           </p:cNvSpPr>
@@ -2970,13 +2647,7 @@
       </p:sp>
       <p:sp>
         <p:nvSpPr>
-          <p:cNvPr id="7" name="スライド番号プレースホルダー 6">
-            <a:extLst>
-              <a:ext uri="{FF2B5EF4-FFF2-40B4-BE49-F238E27FC236}">
-                <a16:creationId xmlns:a16="http://schemas.microsoft.com/office/drawing/2014/main" id="{C39F6F37-892C-4014-A0C6-77EF3492C846}"/>
-              </a:ext>
-            </a:extLst>
-          </p:cNvPr>
+          <p:cNvPr id="7" name="Slide Number Placeholder 6"/>
           <p:cNvSpPr>
             <a:spLocks noGrp="1"/>
           </p:cNvSpPr>
@@ -3000,7 +2671,7 @@
     </p:spTree>
     <p:extLst>
       <p:ext uri="{BB962C8B-B14F-4D97-AF65-F5344CB8AC3E}">
-        <p14:creationId xmlns:p14="http://schemas.microsoft.com/office/powerpoint/2010/main" val="764307389"/>
+        <p14:creationId xmlns:p14="http://schemas.microsoft.com/office/powerpoint/2010/main" val="214599773"/>
       </p:ext>
     </p:extLst>
   </p:cSld>
@@ -3034,13 +2705,7 @@
       </p:grpSpPr>
       <p:sp>
         <p:nvSpPr>
-          <p:cNvPr id="2" name="タイトル プレースホルダー 1">
-            <a:extLst>
-              <a:ext uri="{FF2B5EF4-FFF2-40B4-BE49-F238E27FC236}">
-                <a16:creationId xmlns:a16="http://schemas.microsoft.com/office/drawing/2014/main" id="{DB27D74D-F45C-4C91-B82A-E0A4952D99BC}"/>
-              </a:ext>
-            </a:extLst>
-          </p:cNvPr>
+          <p:cNvPr id="2" name="Title Placeholder 1"/>
           <p:cNvSpPr>
             <a:spLocks noGrp="1"/>
           </p:cNvSpPr>
@@ -3050,8 +2715,8 @@
         </p:nvSpPr>
         <p:spPr>
           <a:xfrm>
-            <a:off x="628650" y="365126"/>
-            <a:ext cx="7886700" cy="1325563"/>
+            <a:off x="838200" y="365125"/>
+            <a:ext cx="10515600" cy="1325563"/>
           </a:xfrm>
           <a:prstGeom prst="rect">
             <a:avLst/>
@@ -3064,21 +2729,16 @@
           <a:lstStyle/>
           <a:p>
             <a:r>
-              <a:rPr kumimoji="1" lang="ja-JP" altLang="en-US"/>
+              <a:rPr lang="ja-JP" altLang="en-US"/>
               <a:t>マスター タイトルの書式設定</a:t>
             </a:r>
-          </a:p>
-        </p:txBody>
-      </p:sp>
-      <p:sp>
-        <p:nvSpPr>
-          <p:cNvPr id="3" name="テキスト プレースホルダー 2">
-            <a:extLst>
-              <a:ext uri="{FF2B5EF4-FFF2-40B4-BE49-F238E27FC236}">
-                <a16:creationId xmlns:a16="http://schemas.microsoft.com/office/drawing/2014/main" id="{C0B8D245-CCE6-404F-82D7-72BA357D8D7E}"/>
-              </a:ext>
-            </a:extLst>
-          </p:cNvPr>
+            <a:endParaRPr lang="en-US" dirty="0"/>
+          </a:p>
+        </p:txBody>
+      </p:sp>
+      <p:sp>
+        <p:nvSpPr>
+          <p:cNvPr id="3" name="Text Placeholder 2"/>
           <p:cNvSpPr>
             <a:spLocks noGrp="1"/>
           </p:cNvSpPr>
@@ -3088,8 +2748,8 @@
         </p:nvSpPr>
         <p:spPr>
           <a:xfrm>
-            <a:off x="628650" y="1825625"/>
-            <a:ext cx="7886700" cy="4351338"/>
+            <a:off x="838200" y="1825625"/>
+            <a:ext cx="10515600" cy="4351338"/>
           </a:xfrm>
           <a:prstGeom prst="rect">
             <a:avLst/>
@@ -3103,81 +2763,76 @@
           <a:p>
             <a:pPr lvl="0"/>
             <a:r>
-              <a:rPr kumimoji="1" lang="ja-JP" altLang="en-US"/>
+              <a:rPr lang="ja-JP" altLang="en-US"/>
               <a:t>マスター テキストの書式設定</a:t>
             </a:r>
           </a:p>
           <a:p>
             <a:pPr lvl="1"/>
             <a:r>
-              <a:rPr kumimoji="1" lang="ja-JP" altLang="en-US"/>
+              <a:rPr lang="ja-JP" altLang="en-US"/>
               <a:t>第 </a:t>
             </a:r>
             <a:r>
-              <a:rPr kumimoji="1" lang="en-US" altLang="ja-JP"/>
+              <a:rPr lang="en-US" altLang="ja-JP"/>
               <a:t>2 </a:t>
             </a:r>
             <a:r>
-              <a:rPr kumimoji="1" lang="ja-JP" altLang="en-US"/>
+              <a:rPr lang="ja-JP" altLang="en-US"/>
               <a:t>レベル</a:t>
             </a:r>
           </a:p>
           <a:p>
             <a:pPr lvl="2"/>
             <a:r>
-              <a:rPr kumimoji="1" lang="ja-JP" altLang="en-US"/>
+              <a:rPr lang="ja-JP" altLang="en-US"/>
               <a:t>第 </a:t>
             </a:r>
             <a:r>
-              <a:rPr kumimoji="1" lang="en-US" altLang="ja-JP"/>
+              <a:rPr lang="en-US" altLang="ja-JP"/>
               <a:t>3 </a:t>
             </a:r>
             <a:r>
-              <a:rPr kumimoji="1" lang="ja-JP" altLang="en-US"/>
+              <a:rPr lang="ja-JP" altLang="en-US"/>
               <a:t>レベル</a:t>
             </a:r>
           </a:p>
           <a:p>
             <a:pPr lvl="3"/>
             <a:r>
-              <a:rPr kumimoji="1" lang="ja-JP" altLang="en-US"/>
+              <a:rPr lang="ja-JP" altLang="en-US"/>
               <a:t>第 </a:t>
             </a:r>
             <a:r>
-              <a:rPr kumimoji="1" lang="en-US" altLang="ja-JP"/>
+              <a:rPr lang="en-US" altLang="ja-JP"/>
               <a:t>4 </a:t>
             </a:r>
             <a:r>
-              <a:rPr kumimoji="1" lang="ja-JP" altLang="en-US"/>
+              <a:rPr lang="ja-JP" altLang="en-US"/>
               <a:t>レベル</a:t>
             </a:r>
           </a:p>
           <a:p>
             <a:pPr lvl="4"/>
             <a:r>
-              <a:rPr kumimoji="1" lang="ja-JP" altLang="en-US"/>
+              <a:rPr lang="ja-JP" altLang="en-US"/>
               <a:t>第 </a:t>
             </a:r>
             <a:r>
-              <a:rPr kumimoji="1" lang="en-US" altLang="ja-JP"/>
+              <a:rPr lang="en-US" altLang="ja-JP"/>
               <a:t>5 </a:t>
             </a:r>
             <a:r>
-              <a:rPr kumimoji="1" lang="ja-JP" altLang="en-US"/>
+              <a:rPr lang="ja-JP" altLang="en-US"/>
               <a:t>レベル</a:t>
             </a:r>
-          </a:p>
-        </p:txBody>
-      </p:sp>
-      <p:sp>
-        <p:nvSpPr>
-          <p:cNvPr id="4" name="日付プレースホルダー 3">
-            <a:extLst>
-              <a:ext uri="{FF2B5EF4-FFF2-40B4-BE49-F238E27FC236}">
-                <a16:creationId xmlns:a16="http://schemas.microsoft.com/office/drawing/2014/main" id="{70295F89-3A91-48EB-9192-772ADF1B5864}"/>
-              </a:ext>
-            </a:extLst>
-          </p:cNvPr>
+            <a:endParaRPr lang="en-US" dirty="0"/>
+          </a:p>
+        </p:txBody>
+      </p:sp>
+      <p:sp>
+        <p:nvSpPr>
+          <p:cNvPr id="4" name="Date Placeholder 3"/>
           <p:cNvSpPr>
             <a:spLocks noGrp="1"/>
           </p:cNvSpPr>
@@ -3187,8 +2842,8 @@
         </p:nvSpPr>
         <p:spPr>
           <a:xfrm>
-            <a:off x="628650" y="6356351"/>
-            <a:ext cx="2057400" cy="365125"/>
+            <a:off x="838200" y="6356350"/>
+            <a:ext cx="2743200" cy="365125"/>
           </a:xfrm>
           <a:prstGeom prst="rect">
             <a:avLst/>
@@ -3210,7 +2865,7 @@
           <a:p>
             <a:fld id="{BCC3470B-979D-4AC3-9CEF-E2615858CE2E}" type="datetimeFigureOut">
               <a:rPr kumimoji="1" lang="ja-JP" altLang="en-US" smtClean="0"/>
-              <a:t>2017/9/13</a:t>
+              <a:t>2023/8/25</a:t>
             </a:fld>
             <a:endParaRPr kumimoji="1" lang="ja-JP" altLang="en-US"/>
           </a:p>
@@ -3218,13 +2873,7 @@
       </p:sp>
       <p:sp>
         <p:nvSpPr>
-          <p:cNvPr id="5" name="フッター プレースホルダー 4">
-            <a:extLst>
-              <a:ext uri="{FF2B5EF4-FFF2-40B4-BE49-F238E27FC236}">
-                <a16:creationId xmlns:a16="http://schemas.microsoft.com/office/drawing/2014/main" id="{E47E0B0A-84E7-454B-8F60-7C126E1EDC76}"/>
-              </a:ext>
-            </a:extLst>
-          </p:cNvPr>
+          <p:cNvPr id="5" name="Footer Placeholder 4"/>
           <p:cNvSpPr>
             <a:spLocks noGrp="1"/>
           </p:cNvSpPr>
@@ -3234,8 +2883,8 @@
         </p:nvSpPr>
         <p:spPr>
           <a:xfrm>
-            <a:off x="3028950" y="6356351"/>
-            <a:ext cx="3086100" cy="365125"/>
+            <a:off x="4038600" y="6356350"/>
+            <a:ext cx="4114800" cy="365125"/>
           </a:xfrm>
           <a:prstGeom prst="rect">
             <a:avLst/>
@@ -3261,13 +2910,7 @@
       </p:sp>
       <p:sp>
         <p:nvSpPr>
-          <p:cNvPr id="6" name="スライド番号プレースホルダー 5">
-            <a:extLst>
-              <a:ext uri="{FF2B5EF4-FFF2-40B4-BE49-F238E27FC236}">
-                <a16:creationId xmlns:a16="http://schemas.microsoft.com/office/drawing/2014/main" id="{84A3534F-9767-433C-9943-7509C1C58129}"/>
-              </a:ext>
-            </a:extLst>
-          </p:cNvPr>
+          <p:cNvPr id="6" name="Slide Number Placeholder 5"/>
           <p:cNvSpPr>
             <a:spLocks noGrp="1"/>
           </p:cNvSpPr>
@@ -3277,8 +2920,8 @@
         </p:nvSpPr>
         <p:spPr>
           <a:xfrm>
-            <a:off x="6457950" y="6356351"/>
-            <a:ext cx="2057400" cy="365125"/>
+            <a:off x="8610600" y="6356350"/>
+            <a:ext cx="2743200" cy="365125"/>
           </a:xfrm>
           <a:prstGeom prst="rect">
             <a:avLst/>
@@ -3309,23 +2952,23 @@
     </p:spTree>
     <p:extLst>
       <p:ext uri="{BB962C8B-B14F-4D97-AF65-F5344CB8AC3E}">
-        <p14:creationId xmlns:p14="http://schemas.microsoft.com/office/powerpoint/2010/main" val="554696255"/>
+        <p14:creationId xmlns:p14="http://schemas.microsoft.com/office/powerpoint/2010/main" val="3872500665"/>
       </p:ext>
     </p:extLst>
   </p:cSld>
   <p:clrMap bg1="lt1" tx1="dk1" bg2="lt2" tx2="dk2" accent1="accent1" accent2="accent2" accent3="accent3" accent4="accent4" accent5="accent5" accent6="accent6" hlink="hlink" folHlink="folHlink"/>
   <p:sldLayoutIdLst>
-    <p:sldLayoutId id="2147483649" r:id="rId1"/>
-    <p:sldLayoutId id="2147483650" r:id="rId2"/>
-    <p:sldLayoutId id="2147483651" r:id="rId3"/>
-    <p:sldLayoutId id="2147483652" r:id="rId4"/>
-    <p:sldLayoutId id="2147483653" r:id="rId5"/>
-    <p:sldLayoutId id="2147483654" r:id="rId6"/>
-    <p:sldLayoutId id="2147483655" r:id="rId7"/>
-    <p:sldLayoutId id="2147483656" r:id="rId8"/>
-    <p:sldLayoutId id="2147483657" r:id="rId9"/>
-    <p:sldLayoutId id="2147483658" r:id="rId10"/>
-    <p:sldLayoutId id="2147483659" r:id="rId11"/>
+    <p:sldLayoutId id="2147483661" r:id="rId1"/>
+    <p:sldLayoutId id="2147483662" r:id="rId2"/>
+    <p:sldLayoutId id="2147483663" r:id="rId3"/>
+    <p:sldLayoutId id="2147483664" r:id="rId4"/>
+    <p:sldLayoutId id="2147483665" r:id="rId5"/>
+    <p:sldLayoutId id="2147483666" r:id="rId6"/>
+    <p:sldLayoutId id="2147483667" r:id="rId7"/>
+    <p:sldLayoutId id="2147483668" r:id="rId8"/>
+    <p:sldLayoutId id="2147483669" r:id="rId9"/>
+    <p:sldLayoutId id="2147483670" r:id="rId10"/>
+    <p:sldLayoutId id="2147483671" r:id="rId11"/>
   </p:sldLayoutIdLst>
   <p:txStyles>
     <p:titleStyle>
@@ -3337,7 +2980,7 @@
           <a:spcPct val="0"/>
         </a:spcBef>
         <a:buNone/>
-        <a:defRPr kumimoji="1" sz="4400" kern="1200">
+        <a:defRPr sz="4400" kern="1200">
           <a:solidFill>
             <a:schemeClr val="tx1"/>
           </a:solidFill>
@@ -3357,7 +3000,7 @@
         </a:spcBef>
         <a:buFont typeface="Arial" panose="020B0604020202020204" pitchFamily="34" charset="0"/>
         <a:buChar char="•"/>
-        <a:defRPr kumimoji="1" sz="2800" kern="1200">
+        <a:defRPr sz="2800" kern="1200">
           <a:solidFill>
             <a:schemeClr val="tx1"/>
           </a:solidFill>
@@ -3375,7 +3018,7 @@
         </a:spcBef>
         <a:buFont typeface="Arial" panose="020B0604020202020204" pitchFamily="34" charset="0"/>
         <a:buChar char="•"/>
-        <a:defRPr kumimoji="1" sz="2400" kern="1200">
+        <a:defRPr sz="2400" kern="1200">
           <a:solidFill>
             <a:schemeClr val="tx1"/>
           </a:solidFill>
@@ -3393,7 +3036,7 @@
         </a:spcBef>
         <a:buFont typeface="Arial" panose="020B0604020202020204" pitchFamily="34" charset="0"/>
         <a:buChar char="•"/>
-        <a:defRPr kumimoji="1" sz="2000" kern="1200">
+        <a:defRPr sz="2000" kern="1200">
           <a:solidFill>
             <a:schemeClr val="tx1"/>
           </a:solidFill>
@@ -3411,7 +3054,7 @@
         </a:spcBef>
         <a:buFont typeface="Arial" panose="020B0604020202020204" pitchFamily="34" charset="0"/>
         <a:buChar char="•"/>
-        <a:defRPr kumimoji="1" sz="1800" kern="1200">
+        <a:defRPr sz="1800" kern="1200">
           <a:solidFill>
             <a:schemeClr val="tx1"/>
           </a:solidFill>
@@ -3429,7 +3072,7 @@
         </a:spcBef>
         <a:buFont typeface="Arial" panose="020B0604020202020204" pitchFamily="34" charset="0"/>
         <a:buChar char="•"/>
-        <a:defRPr kumimoji="1" sz="1800" kern="1200">
+        <a:defRPr sz="1800" kern="1200">
           <a:solidFill>
             <a:schemeClr val="tx1"/>
           </a:solidFill>
@@ -3447,7 +3090,7 @@
         </a:spcBef>
         <a:buFont typeface="Arial" panose="020B0604020202020204" pitchFamily="34" charset="0"/>
         <a:buChar char="•"/>
-        <a:defRPr kumimoji="1" sz="1800" kern="1200">
+        <a:defRPr sz="1800" kern="1200">
           <a:solidFill>
             <a:schemeClr val="tx1"/>
           </a:solidFill>
@@ -3465,7 +3108,7 @@
         </a:spcBef>
         <a:buFont typeface="Arial" panose="020B0604020202020204" pitchFamily="34" charset="0"/>
         <a:buChar char="•"/>
-        <a:defRPr kumimoji="1" sz="1800" kern="1200">
+        <a:defRPr sz="1800" kern="1200">
           <a:solidFill>
             <a:schemeClr val="tx1"/>
           </a:solidFill>
@@ -3483,7 +3126,7 @@
         </a:spcBef>
         <a:buFont typeface="Arial" panose="020B0604020202020204" pitchFamily="34" charset="0"/>
         <a:buChar char="•"/>
-        <a:defRPr kumimoji="1" sz="1800" kern="1200">
+        <a:defRPr sz="1800" kern="1200">
           <a:solidFill>
             <a:schemeClr val="tx1"/>
           </a:solidFill>
@@ -3501,7 +3144,7 @@
         </a:spcBef>
         <a:buFont typeface="Arial" panose="020B0604020202020204" pitchFamily="34" charset="0"/>
         <a:buChar char="•"/>
-        <a:defRPr kumimoji="1" sz="1800" kern="1200">
+        <a:defRPr sz="1800" kern="1200">
           <a:solidFill>
             <a:schemeClr val="tx1"/>
           </a:solidFill>
@@ -3513,10 +3156,10 @@
     </p:bodyStyle>
     <p:otherStyle>
       <a:defPPr>
-        <a:defRPr lang="ja-JP"/>
+        <a:defRPr lang="en-US"/>
       </a:defPPr>
       <a:lvl1pPr marL="0" algn="l" defTabSz="914400" rtl="0" eaLnBrk="1" latinLnBrk="0" hangingPunct="1">
-        <a:defRPr kumimoji="1" sz="1800" kern="1200">
+        <a:defRPr sz="1800" kern="1200">
           <a:solidFill>
             <a:schemeClr val="tx1"/>
           </a:solidFill>
@@ -3526,7 +3169,7 @@
         </a:defRPr>
       </a:lvl1pPr>
       <a:lvl2pPr marL="457200" algn="l" defTabSz="914400" rtl="0" eaLnBrk="1" latinLnBrk="0" hangingPunct="1">
-        <a:defRPr kumimoji="1" sz="1800" kern="1200">
+        <a:defRPr sz="1800" kern="1200">
           <a:solidFill>
             <a:schemeClr val="tx1"/>
           </a:solidFill>
@@ -3536,7 +3179,7 @@
         </a:defRPr>
       </a:lvl2pPr>
       <a:lvl3pPr marL="914400" algn="l" defTabSz="914400" rtl="0" eaLnBrk="1" latinLnBrk="0" hangingPunct="1">
-        <a:defRPr kumimoji="1" sz="1800" kern="1200">
+        <a:defRPr sz="1800" kern="1200">
           <a:solidFill>
             <a:schemeClr val="tx1"/>
           </a:solidFill>
@@ -3546,7 +3189,7 @@
         </a:defRPr>
       </a:lvl3pPr>
       <a:lvl4pPr marL="1371600" algn="l" defTabSz="914400" rtl="0" eaLnBrk="1" latinLnBrk="0" hangingPunct="1">
-        <a:defRPr kumimoji="1" sz="1800" kern="1200">
+        <a:defRPr sz="1800" kern="1200">
           <a:solidFill>
             <a:schemeClr val="tx1"/>
           </a:solidFill>
@@ -3556,7 +3199,7 @@
         </a:defRPr>
       </a:lvl4pPr>
       <a:lvl5pPr marL="1828800" algn="l" defTabSz="914400" rtl="0" eaLnBrk="1" latinLnBrk="0" hangingPunct="1">
-        <a:defRPr kumimoji="1" sz="1800" kern="1200">
+        <a:defRPr sz="1800" kern="1200">
           <a:solidFill>
             <a:schemeClr val="tx1"/>
           </a:solidFill>
@@ -3566,7 +3209,7 @@
         </a:defRPr>
       </a:lvl5pPr>
       <a:lvl6pPr marL="2286000" algn="l" defTabSz="914400" rtl="0" eaLnBrk="1" latinLnBrk="0" hangingPunct="1">
-        <a:defRPr kumimoji="1" sz="1800" kern="1200">
+        <a:defRPr sz="1800" kern="1200">
           <a:solidFill>
             <a:schemeClr val="tx1"/>
           </a:solidFill>
@@ -3576,7 +3219,7 @@
         </a:defRPr>
       </a:lvl6pPr>
       <a:lvl7pPr marL="2743200" algn="l" defTabSz="914400" rtl="0" eaLnBrk="1" latinLnBrk="0" hangingPunct="1">
-        <a:defRPr kumimoji="1" sz="1800" kern="1200">
+        <a:defRPr sz="1800" kern="1200">
           <a:solidFill>
             <a:schemeClr val="tx1"/>
           </a:solidFill>
@@ -3586,7 +3229,7 @@
         </a:defRPr>
       </a:lvl7pPr>
       <a:lvl8pPr marL="3200400" algn="l" defTabSz="914400" rtl="0" eaLnBrk="1" latinLnBrk="0" hangingPunct="1">
-        <a:defRPr kumimoji="1" sz="1800" kern="1200">
+        <a:defRPr sz="1800" kern="1200">
           <a:solidFill>
             <a:schemeClr val="tx1"/>
           </a:solidFill>
@@ -3596,7 +3239,7 @@
         </a:defRPr>
       </a:lvl8pPr>
       <a:lvl9pPr marL="3657600" algn="l" defTabSz="914400" rtl="0" eaLnBrk="1" latinLnBrk="0" hangingPunct="1">
-        <a:defRPr kumimoji="1" sz="1800" kern="1200">
+        <a:defRPr sz="1800" kern="1200">
           <a:solidFill>
             <a:schemeClr val="tx1"/>
           </a:solidFill>
@@ -3632,7 +3275,7 @@
           <p:cNvPr id="2" name="タイトル 1">
             <a:extLst>
               <a:ext uri="{FF2B5EF4-FFF2-40B4-BE49-F238E27FC236}">
-                <a16:creationId xmlns:a16="http://schemas.microsoft.com/office/drawing/2014/main" id="{8298A825-905D-4132-B862-80D9B4B306E1}"/>
+                <a16:creationId xmlns:a16="http://schemas.microsoft.com/office/drawing/2014/main" id="{F9A1451B-504E-4EAC-B7E4-07A4B7A2A9F5}"/>
               </a:ext>
             </a:extLst>
           </p:cNvPr>
@@ -3645,8 +3288,8 @@
         </p:nvSpPr>
         <p:spPr>
           <a:xfrm>
-            <a:off x="628649" y="365126"/>
-            <a:ext cx="7983199" cy="1325563"/>
+            <a:off x="384657" y="347011"/>
+            <a:ext cx="10515600" cy="829494"/>
           </a:xfrm>
         </p:spPr>
         <p:txBody>
@@ -3656,7 +3299,7 @@
           <a:lstStyle/>
           <a:p>
             <a:r>
-              <a:rPr lang="en-US" altLang="ja-JP" sz="3600">
+              <a:rPr lang="en-US" altLang="ja-JP" sz="4000" dirty="0">
                 <a:solidFill>
                   <a:schemeClr val="accent1"/>
                 </a:solidFill>
@@ -3666,7 +3309,7 @@
               <a:t>13. </a:t>
             </a:r>
             <a:r>
-              <a:rPr lang="ja-JP" altLang="en-US" sz="3600">
+              <a:rPr lang="ja-JP" altLang="en-US" sz="4000" dirty="0">
                 <a:solidFill>
                   <a:schemeClr val="accent1"/>
                 </a:solidFill>
@@ -3675,22 +3318,149 @@
               </a:rPr>
               <a:t>音声対話システムの実現に向けて</a:t>
             </a:r>
-            <a:endParaRPr kumimoji="1" lang="ja-JP" altLang="en-US" sz="3600">
-              <a:solidFill>
-                <a:schemeClr val="accent1"/>
-              </a:solidFill>
-              <a:latin typeface="メイリオ" panose="020B0604030504040204" pitchFamily="50" charset="-128"/>
-              <a:ea typeface="メイリオ" panose="020B0604030504040204" pitchFamily="50" charset="-128"/>
-            </a:endParaRPr>
-          </a:p>
-        </p:txBody>
-      </p:sp>
-      <p:sp>
-        <p:nvSpPr>
-          <p:cNvPr id="3" name="コンテンツ プレースホルダー 2">
+          </a:p>
+        </p:txBody>
+      </p:sp>
+      <p:sp>
+        <p:nvSpPr>
+          <p:cNvPr id="5" name="テキスト ボックス 4">
             <a:extLst>
               <a:ext uri="{FF2B5EF4-FFF2-40B4-BE49-F238E27FC236}">
-                <a16:creationId xmlns:a16="http://schemas.microsoft.com/office/drawing/2014/main" id="{CB6B2919-82DB-4A8C-9AE3-C7F9D2339555}"/>
+                <a16:creationId xmlns:a16="http://schemas.microsoft.com/office/drawing/2014/main" id="{E979BD5E-4176-A88C-DBED-0029D8B05292}"/>
+              </a:ext>
+            </a:extLst>
+          </p:cNvPr>
+          <p:cNvSpPr txBox="1"/>
+          <p:nvPr/>
+        </p:nvSpPr>
+        <p:spPr>
+          <a:xfrm>
+            <a:off x="7453506" y="5211575"/>
+            <a:ext cx="4559053" cy="1077218"/>
+          </a:xfrm>
+          <a:prstGeom prst="rect">
+            <a:avLst/>
+          </a:prstGeom>
+          <a:noFill/>
+        </p:spPr>
+        <p:txBody>
+          <a:bodyPr wrap="square" rtlCol="0">
+            <a:spAutoFit/>
+          </a:bodyPr>
+          <a:lstStyle/>
+          <a:p>
+            <a:pPr marL="285750" indent="-285750">
+              <a:spcBef>
+                <a:spcPts val="600"/>
+              </a:spcBef>
+              <a:buFont typeface="Arial" panose="020B0604020202020204" pitchFamily="34" charset="0"/>
+              <a:buChar char="•"/>
+            </a:pPr>
+            <a:r>
+              <a:rPr lang="ja-JP" altLang="en-US" dirty="0"/>
+              <a:t>荒木雅弘</a:t>
+            </a:r>
+            <a:r>
+              <a:rPr lang="en-US" altLang="ja-JP" dirty="0"/>
+              <a:t> :『</a:t>
+            </a:r>
+            <a:r>
+              <a:rPr lang="ja-JP" altLang="en-US" dirty="0"/>
+              <a:t>イラストで学ぶ音声認識</a:t>
+            </a:r>
+            <a:r>
+              <a:rPr lang="en-US" altLang="ja-JP" dirty="0"/>
+              <a:t>』</a:t>
+            </a:r>
+          </a:p>
+          <a:p>
+            <a:pPr>
+              <a:spcBef>
+                <a:spcPts val="600"/>
+              </a:spcBef>
+            </a:pPr>
+            <a:r>
+              <a:rPr lang="ja-JP" altLang="en-US" dirty="0"/>
+              <a:t>　（講談社</a:t>
+            </a:r>
+            <a:r>
+              <a:rPr lang="en-US" altLang="ja-JP" dirty="0"/>
+              <a:t>,</a:t>
+            </a:r>
+            <a:r>
+              <a:rPr lang="ja-JP" altLang="en-US" dirty="0"/>
+              <a:t> </a:t>
+            </a:r>
+            <a:r>
+              <a:rPr lang="en-US" altLang="ja-JP" dirty="0"/>
+              <a:t>2015</a:t>
+            </a:r>
+            <a:r>
+              <a:rPr lang="ja-JP" altLang="en-US" dirty="0"/>
+              <a:t>年）</a:t>
+            </a:r>
+            <a:endParaRPr lang="en-US" altLang="ja-JP" dirty="0"/>
+          </a:p>
+          <a:p>
+            <a:pPr marL="285750" indent="-285750">
+              <a:spcBef>
+                <a:spcPts val="600"/>
+              </a:spcBef>
+              <a:buFont typeface="Arial" panose="020B0604020202020204" pitchFamily="34" charset="0"/>
+              <a:buChar char="•"/>
+            </a:pPr>
+            <a:r>
+              <a:rPr lang="ja-JP" altLang="en-US" dirty="0">
+                <a:hlinkClick r:id="rId2"/>
+              </a:rPr>
+              <a:t>サポートページ</a:t>
+            </a:r>
+            <a:endParaRPr lang="en-US" dirty="0"/>
+          </a:p>
+        </p:txBody>
+      </p:sp>
+      <p:pic>
+        <p:nvPicPr>
+          <p:cNvPr id="3" name="図 2">
+            <a:extLst>
+              <a:ext uri="{FF2B5EF4-FFF2-40B4-BE49-F238E27FC236}">
+                <a16:creationId xmlns:a16="http://schemas.microsoft.com/office/drawing/2014/main" id="{F7698FEA-6294-08A1-296D-5D1B60E2FCC4}"/>
+              </a:ext>
+            </a:extLst>
+          </p:cNvPr>
+          <p:cNvPicPr>
+            <a:picLocks noChangeAspect="1"/>
+          </p:cNvPicPr>
+          <p:nvPr/>
+        </p:nvPicPr>
+        <p:blipFill>
+          <a:blip r:embed="rId3">
+            <a:extLst>
+              <a:ext uri="{28A0092B-C50C-407E-A947-70E740481C1C}">
+                <a14:useLocalDpi xmlns:a14="http://schemas.microsoft.com/office/drawing/2010/main" val="0"/>
+              </a:ext>
+            </a:extLst>
+          </a:blip>
+          <a:stretch>
+            <a:fillRect/>
+          </a:stretch>
+        </p:blipFill>
+        <p:spPr>
+          <a:xfrm>
+            <a:off x="8366615" y="1053081"/>
+            <a:ext cx="2725188" cy="3867171"/>
+          </a:xfrm>
+          <a:prstGeom prst="rect">
+            <a:avLst/>
+          </a:prstGeom>
+        </p:spPr>
+      </p:pic>
+      <p:sp>
+        <p:nvSpPr>
+          <p:cNvPr id="7" name="コンテンツ プレースホルダー 2">
+            <a:extLst>
+              <a:ext uri="{FF2B5EF4-FFF2-40B4-BE49-F238E27FC236}">
+                <a16:creationId xmlns:a16="http://schemas.microsoft.com/office/drawing/2014/main" id="{1BBBF547-AFA4-E491-EC8F-36D566715F6A}"/>
               </a:ext>
             </a:extLst>
           </p:cNvPr>
@@ -3701,29 +3471,36 @@
             <p:ph idx="1"/>
           </p:nvPr>
         </p:nvSpPr>
-        <p:spPr/>
-        <p:txBody>
-          <a:bodyPr/>
+        <p:spPr>
+          <a:xfrm>
+            <a:off x="384657" y="4630522"/>
+            <a:ext cx="6934427" cy="1938528"/>
+          </a:xfrm>
+        </p:spPr>
+        <p:txBody>
+          <a:bodyPr>
+            <a:normAutofit/>
+          </a:bodyPr>
           <a:lstStyle/>
           <a:p>
             <a:pPr marL="0" indent="0">
               <a:buNone/>
             </a:pPr>
             <a:r>
-              <a:rPr kumimoji="1" lang="en-US" altLang="ja-JP">
+              <a:rPr kumimoji="1" lang="en-US" altLang="ja-JP" sz="2400" dirty="0">
                 <a:latin typeface="メイリオ" panose="020B0604030504040204" pitchFamily="50" charset="-128"/>
                 <a:ea typeface="メイリオ" panose="020B0604030504040204" pitchFamily="50" charset="-128"/>
               </a:rPr>
               <a:t>13.1 </a:t>
             </a:r>
             <a:r>
-              <a:rPr kumimoji="1" lang="ja-JP" altLang="en-US">
+              <a:rPr kumimoji="1" lang="ja-JP" altLang="en-US" sz="2400" dirty="0">
                 <a:latin typeface="メイリオ" panose="020B0604030504040204" pitchFamily="50" charset="-128"/>
                 <a:ea typeface="メイリオ" panose="020B0604030504040204" pitchFamily="50" charset="-128"/>
               </a:rPr>
               <a:t>音声対話システムの開発方法論</a:t>
             </a:r>
-            <a:endParaRPr kumimoji="1" lang="en-US" altLang="ja-JP">
+            <a:endParaRPr kumimoji="1" lang="en-US" altLang="ja-JP" sz="2400" dirty="0">
               <a:latin typeface="メイリオ" panose="020B0604030504040204" pitchFamily="50" charset="-128"/>
               <a:ea typeface="メイリオ" panose="020B0604030504040204" pitchFamily="50" charset="-128"/>
             </a:endParaRPr>
@@ -3733,20 +3510,20 @@
               <a:buNone/>
             </a:pPr>
             <a:r>
-              <a:rPr kumimoji="1" lang="en-US" altLang="ja-JP">
+              <a:rPr kumimoji="1" lang="en-US" altLang="ja-JP" sz="2400" dirty="0">
                 <a:latin typeface="メイリオ" panose="020B0604030504040204" pitchFamily="50" charset="-128"/>
                 <a:ea typeface="メイリオ" panose="020B0604030504040204" pitchFamily="50" charset="-128"/>
               </a:rPr>
               <a:t>13.2 </a:t>
             </a:r>
             <a:r>
-              <a:rPr kumimoji="1" lang="ja-JP" altLang="en-US">
+              <a:rPr kumimoji="1" lang="ja-JP" altLang="en-US" sz="2400" dirty="0">
                 <a:latin typeface="メイリオ" panose="020B0604030504040204" pitchFamily="50" charset="-128"/>
                 <a:ea typeface="メイリオ" panose="020B0604030504040204" pitchFamily="50" charset="-128"/>
               </a:rPr>
               <a:t>規則による対話管理</a:t>
             </a:r>
-            <a:endParaRPr kumimoji="1" lang="en-US" altLang="ja-JP">
+            <a:endParaRPr kumimoji="1" lang="en-US" altLang="ja-JP" sz="2400" dirty="0">
               <a:latin typeface="メイリオ" panose="020B0604030504040204" pitchFamily="50" charset="-128"/>
               <a:ea typeface="メイリオ" panose="020B0604030504040204" pitchFamily="50" charset="-128"/>
             </a:endParaRPr>
@@ -3756,20 +3533,20 @@
               <a:buNone/>
             </a:pPr>
             <a:r>
-              <a:rPr kumimoji="1" lang="en-US" altLang="ja-JP">
+              <a:rPr kumimoji="1" lang="en-US" altLang="ja-JP" sz="2400" dirty="0">
                 <a:latin typeface="メイリオ" panose="020B0604030504040204" pitchFamily="50" charset="-128"/>
                 <a:ea typeface="メイリオ" panose="020B0604030504040204" pitchFamily="50" charset="-128"/>
               </a:rPr>
               <a:t>13.3 </a:t>
             </a:r>
             <a:r>
-              <a:rPr kumimoji="1" lang="ja-JP" altLang="en-US">
+              <a:rPr kumimoji="1" lang="ja-JP" altLang="en-US" sz="2400" dirty="0">
                 <a:latin typeface="メイリオ" panose="020B0604030504040204" pitchFamily="50" charset="-128"/>
                 <a:ea typeface="メイリオ" panose="020B0604030504040204" pitchFamily="50" charset="-128"/>
               </a:rPr>
               <a:t>対話管理への統計的アプローチ</a:t>
             </a:r>
-            <a:endParaRPr kumimoji="1" lang="en-US" altLang="ja-JP">
+            <a:endParaRPr kumimoji="1" lang="en-US" altLang="ja-JP" sz="2400" dirty="0">
               <a:latin typeface="メイリオ" panose="020B0604030504040204" pitchFamily="50" charset="-128"/>
               <a:ea typeface="メイリオ" panose="020B0604030504040204" pitchFamily="50" charset="-128"/>
             </a:endParaRPr>
@@ -3779,7 +3556,7 @@
               <a:buNone/>
             </a:pPr>
             <a:r>
-              <a:rPr kumimoji="1" lang="ja-JP" altLang="en-US">
+              <a:rPr kumimoji="1" lang="ja-JP" altLang="en-US" sz="2400" dirty="0">
                 <a:latin typeface="メイリオ" panose="020B0604030504040204" pitchFamily="50" charset="-128"/>
                 <a:ea typeface="メイリオ" panose="020B0604030504040204" pitchFamily="50" charset="-128"/>
               </a:rPr>
@@ -3788,10 +3565,46 @@
           </a:p>
         </p:txBody>
       </p:sp>
+      <p:pic>
+        <p:nvPicPr>
+          <p:cNvPr id="6" name="図 5">
+            <a:extLst>
+              <a:ext uri="{FF2B5EF4-FFF2-40B4-BE49-F238E27FC236}">
+                <a16:creationId xmlns:a16="http://schemas.microsoft.com/office/drawing/2014/main" id="{114D7925-86F3-397F-DB9D-E71991E931BF}"/>
+              </a:ext>
+            </a:extLst>
+          </p:cNvPr>
+          <p:cNvPicPr>
+            <a:picLocks noChangeAspect="1"/>
+          </p:cNvPicPr>
+          <p:nvPr/>
+        </p:nvPicPr>
+        <p:blipFill>
+          <a:blip r:embed="rId4">
+            <a:extLst>
+              <a:ext uri="{28A0092B-C50C-407E-A947-70E740481C1C}">
+                <a14:useLocalDpi xmlns:a14="http://schemas.microsoft.com/office/drawing/2010/main" val="0"/>
+              </a:ext>
+            </a:extLst>
+          </a:blip>
+          <a:stretch>
+            <a:fillRect/>
+          </a:stretch>
+        </p:blipFill>
+        <p:spPr>
+          <a:xfrm>
+            <a:off x="1346253" y="1053081"/>
+            <a:ext cx="5469023" cy="3439763"/>
+          </a:xfrm>
+          <a:prstGeom prst="rect">
+            <a:avLst/>
+          </a:prstGeom>
+        </p:spPr>
+      </p:pic>
     </p:spTree>
     <p:extLst>
       <p:ext uri="{BB962C8B-B14F-4D97-AF65-F5344CB8AC3E}">
-        <p14:creationId xmlns:p14="http://schemas.microsoft.com/office/powerpoint/2010/main" val="2131082046"/>
+        <p14:creationId xmlns:p14="http://schemas.microsoft.com/office/powerpoint/2010/main" val="144594472"/>
       </p:ext>
     </p:extLst>
   </p:cSld>
@@ -3836,7 +3649,7 @@
         </p:nvSpPr>
         <p:spPr>
           <a:xfrm>
-            <a:off x="628650" y="365126"/>
+            <a:off x="509696" y="342226"/>
             <a:ext cx="7886700" cy="764645"/>
           </a:xfrm>
         </p:spPr>
@@ -3847,7 +3660,7 @@
           <a:lstStyle/>
           <a:p>
             <a:r>
-              <a:rPr lang="ja-JP" altLang="en-US" sz="3200">
+              <a:rPr lang="ja-JP" altLang="en-US" sz="3200" dirty="0">
                 <a:solidFill>
                   <a:schemeClr val="accent1"/>
                 </a:solidFill>
@@ -3856,13 +3669,6 @@
               </a:rPr>
               <a:t>ニューラルネットワークによる対話管理</a:t>
             </a:r>
-            <a:endParaRPr kumimoji="1" lang="ja-JP" altLang="en-US" sz="3200">
-              <a:solidFill>
-                <a:schemeClr val="accent1"/>
-              </a:solidFill>
-              <a:latin typeface="メイリオ" panose="020B0604030504040204" pitchFamily="50" charset="-128"/>
-              <a:ea typeface="メイリオ" panose="020B0604030504040204" pitchFamily="50" charset="-128"/>
-            </a:endParaRPr>
           </a:p>
         </p:txBody>
       </p:sp>
@@ -3884,8 +3690,8 @@
         </p:nvSpPr>
         <p:spPr>
           <a:xfrm>
-            <a:off x="582128" y="1129771"/>
-            <a:ext cx="8236408" cy="4573015"/>
+            <a:off x="680314" y="1129772"/>
+            <a:ext cx="9662222" cy="4573015"/>
           </a:xfrm>
         </p:spPr>
         <p:txBody>
@@ -3898,27 +3704,27 @@
               </a:lnSpc>
             </a:pPr>
             <a:r>
-              <a:rPr kumimoji="1" lang="en-US" altLang="ja-JP">
+              <a:rPr kumimoji="1" lang="en-US" altLang="ja-JP" dirty="0">
                 <a:latin typeface="メイリオ" panose="020B0604030504040204" pitchFamily="50" charset="-128"/>
                 <a:ea typeface="メイリオ" panose="020B0604030504040204" pitchFamily="50" charset="-128"/>
               </a:rPr>
               <a:t>RNN</a:t>
             </a:r>
             <a:r>
-              <a:rPr kumimoji="1" lang="ja-JP" altLang="en-US">
+              <a:rPr kumimoji="1" lang="ja-JP" altLang="en-US" dirty="0">
                 <a:latin typeface="メイリオ" panose="020B0604030504040204" pitchFamily="50" charset="-128"/>
                 <a:ea typeface="メイリオ" panose="020B0604030504040204" pitchFamily="50" charset="-128"/>
               </a:rPr>
               <a:t>ベース言語モデルからの応答生成 </a:t>
             </a:r>
             <a:r>
-              <a:rPr kumimoji="1" lang="en-US" altLang="ja-JP" sz="1800">
+              <a:rPr lang="en-US" altLang="ja-JP" sz="1800" dirty="0">
                 <a:latin typeface="メイリオ" panose="020B0604030504040204" pitchFamily="50" charset="-128"/>
                 <a:ea typeface="メイリオ" panose="020B0604030504040204" pitchFamily="50" charset="-128"/>
               </a:rPr>
               <a:t>[Wen+ 2015]</a:t>
             </a:r>
-            <a:endParaRPr kumimoji="1" lang="en-US" altLang="ja-JP">
+            <a:endParaRPr kumimoji="1" lang="en-US" altLang="ja-JP" dirty="0">
               <a:latin typeface="メイリオ" panose="020B0604030504040204" pitchFamily="50" charset="-128"/>
               <a:ea typeface="メイリオ" panose="020B0604030504040204" pitchFamily="50" charset="-128"/>
             </a:endParaRPr>
@@ -3939,7 +3745,7 @@
         </p:nvGrpSpPr>
         <p:grpSpPr>
           <a:xfrm>
-            <a:off x="1469554" y="2420888"/>
+            <a:off x="2993554" y="2420888"/>
             <a:ext cx="5266732" cy="2448272"/>
             <a:chOff x="853440" y="3284984"/>
             <a:chExt cx="5266732" cy="2448272"/>
@@ -3979,36 +3785,15 @@
             <a:bodyPr rtlCol="0" anchor="ctr"/>
             <a:lstStyle/>
             <a:p>
-              <a:pPr marL="0" marR="0" lvl="0" indent="0" algn="ctr" defTabSz="914400" eaLnBrk="1" fontAlgn="auto" latinLnBrk="0" hangingPunct="1">
-                <a:lnSpc>
-                  <a:spcPct val="100000"/>
-                </a:lnSpc>
-                <a:spcBef>
-                  <a:spcPts val="0"/>
-                </a:spcBef>
-                <a:spcAft>
-                  <a:spcPts val="0"/>
-                </a:spcAft>
-                <a:buClrTx/>
-                <a:buSzTx/>
-                <a:buFontTx/>
-                <a:buNone/>
-                <a:tabLst/>
+              <a:pPr algn="ctr">
                 <a:defRPr/>
               </a:pPr>
-              <a:endParaRPr kumimoji="0" lang="ja-JP" altLang="en-US" sz="1800" b="0" i="0" u="none" strike="noStrike" kern="0" cap="none" spc="0" normalizeH="0" baseline="0" noProof="0">
-                <a:ln>
-                  <a:noFill/>
-                </a:ln>
+              <a:endParaRPr kumimoji="0" lang="ja-JP" altLang="en-US" kern="0">
                 <a:solidFill>
                   <a:prstClr val="black"/>
                 </a:solidFill>
-                <a:effectLst/>
-                <a:uLnTx/>
-                <a:uFillTx/>
                 <a:latin typeface="Segoe UI"/>
                 <a:ea typeface="メイリオ"/>
-                <a:cs typeface="+mn-cs"/>
               </a:endParaRPr>
             </a:p>
           </p:txBody>
@@ -4046,36 +3831,15 @@
             <a:bodyPr rtlCol="0" anchor="ctr"/>
             <a:lstStyle/>
             <a:p>
-              <a:pPr marL="0" marR="0" lvl="0" indent="0" algn="ctr" defTabSz="914400" eaLnBrk="1" fontAlgn="auto" latinLnBrk="0" hangingPunct="1">
-                <a:lnSpc>
-                  <a:spcPct val="100000"/>
-                </a:lnSpc>
-                <a:spcBef>
-                  <a:spcPts val="0"/>
-                </a:spcBef>
-                <a:spcAft>
-                  <a:spcPts val="0"/>
-                </a:spcAft>
-                <a:buClrTx/>
-                <a:buSzTx/>
-                <a:buFontTx/>
-                <a:buNone/>
-                <a:tabLst/>
+              <a:pPr algn="ctr">
                 <a:defRPr/>
               </a:pPr>
-              <a:endParaRPr kumimoji="0" lang="ja-JP" altLang="en-US" sz="1800" b="0" i="0" u="none" strike="noStrike" kern="0" cap="none" spc="0" normalizeH="0" baseline="0" noProof="0">
-                <a:ln>
-                  <a:noFill/>
-                </a:ln>
+              <a:endParaRPr kumimoji="0" lang="ja-JP" altLang="en-US" kern="0">
                 <a:solidFill>
                   <a:prstClr val="white"/>
                 </a:solidFill>
-                <a:effectLst/>
-                <a:uLnTx/>
-                <a:uFillTx/>
                 <a:latin typeface="Segoe UI"/>
                 <a:ea typeface="メイリオ"/>
-                <a:cs typeface="+mn-cs"/>
               </a:endParaRPr>
             </a:p>
           </p:txBody>
@@ -4180,36 +3944,15 @@
             <a:bodyPr rtlCol="0" anchor="ctr"/>
             <a:lstStyle/>
             <a:p>
-              <a:pPr marL="0" marR="0" lvl="0" indent="0" algn="ctr" defTabSz="914400" eaLnBrk="1" fontAlgn="auto" latinLnBrk="0" hangingPunct="1">
-                <a:lnSpc>
-                  <a:spcPct val="100000"/>
-                </a:lnSpc>
-                <a:spcBef>
-                  <a:spcPts val="0"/>
-                </a:spcBef>
-                <a:spcAft>
-                  <a:spcPts val="0"/>
-                </a:spcAft>
-                <a:buClrTx/>
-                <a:buSzTx/>
-                <a:buFontTx/>
-                <a:buNone/>
-                <a:tabLst/>
+              <a:pPr algn="ctr">
                 <a:defRPr/>
               </a:pPr>
-              <a:endParaRPr kumimoji="0" lang="ja-JP" altLang="en-US" sz="1800" b="0" i="0" u="none" strike="noStrike" kern="0" cap="none" spc="0" normalizeH="0" baseline="0" noProof="0">
-                <a:ln>
-                  <a:noFill/>
-                </a:ln>
+              <a:endParaRPr kumimoji="0" lang="ja-JP" altLang="en-US" kern="0">
                 <a:solidFill>
                   <a:prstClr val="black"/>
                 </a:solidFill>
-                <a:effectLst/>
-                <a:uLnTx/>
-                <a:uFillTx/>
                 <a:latin typeface="Segoe UI"/>
                 <a:ea typeface="メイリオ"/>
-                <a:cs typeface="+mn-cs"/>
               </a:endParaRPr>
             </a:p>
           </p:txBody>
@@ -4254,36 +3997,15 @@
             </a:bodyPr>
             <a:lstStyle/>
             <a:p>
-              <a:pPr marL="0" marR="0" lvl="0" indent="0" algn="ctr" defTabSz="914400" eaLnBrk="1" fontAlgn="auto" latinLnBrk="0" hangingPunct="1">
-                <a:lnSpc>
-                  <a:spcPct val="100000"/>
-                </a:lnSpc>
-                <a:spcBef>
-                  <a:spcPts val="0"/>
-                </a:spcBef>
-                <a:spcAft>
-                  <a:spcPts val="0"/>
-                </a:spcAft>
-                <a:buClrTx/>
-                <a:buSzTx/>
-                <a:buFontTx/>
-                <a:buNone/>
-                <a:tabLst/>
+              <a:pPr algn="ctr">
                 <a:defRPr/>
               </a:pPr>
-              <a:endParaRPr kumimoji="0" lang="ja-JP" altLang="en-US" sz="1800" b="0" i="0" u="none" strike="noStrike" kern="0" cap="none" spc="0" normalizeH="0" baseline="0" noProof="0">
-                <a:ln>
-                  <a:noFill/>
-                </a:ln>
+              <a:endParaRPr kumimoji="0" lang="ja-JP" altLang="en-US" kern="0">
                 <a:solidFill>
                   <a:prstClr val="white"/>
                 </a:solidFill>
-                <a:effectLst/>
-                <a:uLnTx/>
-                <a:uFillTx/>
                 <a:latin typeface="Segoe UI"/>
                 <a:ea typeface="メイリオ"/>
-                <a:cs typeface="+mn-cs"/>
               </a:endParaRPr>
             </a:p>
           </p:txBody>
@@ -4321,36 +4043,15 @@
             <a:bodyPr rtlCol="0" anchor="ctr"/>
             <a:lstStyle/>
             <a:p>
-              <a:pPr marL="0" marR="0" lvl="0" indent="0" algn="ctr" defTabSz="914400" eaLnBrk="1" fontAlgn="auto" latinLnBrk="0" hangingPunct="1">
-                <a:lnSpc>
-                  <a:spcPct val="100000"/>
-                </a:lnSpc>
-                <a:spcBef>
-                  <a:spcPts val="0"/>
-                </a:spcBef>
-                <a:spcAft>
-                  <a:spcPts val="0"/>
-                </a:spcAft>
-                <a:buClrTx/>
-                <a:buSzTx/>
-                <a:buFontTx/>
-                <a:buNone/>
-                <a:tabLst/>
+              <a:pPr algn="ctr">
                 <a:defRPr/>
               </a:pPr>
-              <a:endParaRPr kumimoji="0" lang="ja-JP" altLang="en-US" sz="1800" b="0" i="0" u="none" strike="noStrike" kern="0" cap="none" spc="0" normalizeH="0" baseline="0" noProof="0">
-                <a:ln>
-                  <a:noFill/>
-                </a:ln>
+              <a:endParaRPr kumimoji="0" lang="ja-JP" altLang="en-US" kern="0">
                 <a:solidFill>
                   <a:prstClr val="white"/>
                 </a:solidFill>
-                <a:effectLst/>
-                <a:uLnTx/>
-                <a:uFillTx/>
                 <a:latin typeface="Segoe UI"/>
                 <a:ea typeface="メイリオ"/>
-                <a:cs typeface="+mn-cs"/>
               </a:endParaRPr>
             </a:p>
           </p:txBody>
@@ -4455,36 +4156,15 @@
             <a:bodyPr rtlCol="0" anchor="ctr"/>
             <a:lstStyle/>
             <a:p>
-              <a:pPr marL="0" marR="0" lvl="0" indent="0" algn="ctr" defTabSz="914400" eaLnBrk="1" fontAlgn="auto" latinLnBrk="0" hangingPunct="1">
-                <a:lnSpc>
-                  <a:spcPct val="100000"/>
-                </a:lnSpc>
-                <a:spcBef>
-                  <a:spcPts val="0"/>
-                </a:spcBef>
-                <a:spcAft>
-                  <a:spcPts val="0"/>
-                </a:spcAft>
-                <a:buClrTx/>
-                <a:buSzTx/>
-                <a:buFontTx/>
-                <a:buNone/>
-                <a:tabLst/>
+              <a:pPr algn="ctr">
                 <a:defRPr/>
               </a:pPr>
-              <a:endParaRPr kumimoji="0" lang="ja-JP" altLang="en-US" sz="1800" b="0" i="0" u="none" strike="noStrike" kern="0" cap="none" spc="0" normalizeH="0" baseline="0" noProof="0">
-                <a:ln>
-                  <a:noFill/>
-                </a:ln>
+              <a:endParaRPr kumimoji="0" lang="ja-JP" altLang="en-US" kern="0">
                 <a:solidFill>
                   <a:prstClr val="black"/>
                 </a:solidFill>
-                <a:effectLst/>
-                <a:uLnTx/>
-                <a:uFillTx/>
                 <a:latin typeface="Segoe UI"/>
                 <a:ea typeface="メイリオ"/>
-                <a:cs typeface="+mn-cs"/>
               </a:endParaRPr>
             </a:p>
           </p:txBody>
@@ -4529,36 +4209,15 @@
             </a:bodyPr>
             <a:lstStyle/>
             <a:p>
-              <a:pPr marL="0" marR="0" lvl="0" indent="0" algn="ctr" defTabSz="914400" eaLnBrk="1" fontAlgn="auto" latinLnBrk="0" hangingPunct="1">
-                <a:lnSpc>
-                  <a:spcPct val="100000"/>
-                </a:lnSpc>
-                <a:spcBef>
-                  <a:spcPts val="0"/>
-                </a:spcBef>
-                <a:spcAft>
-                  <a:spcPts val="0"/>
-                </a:spcAft>
-                <a:buClrTx/>
-                <a:buSzTx/>
-                <a:buFontTx/>
-                <a:buNone/>
-                <a:tabLst/>
+              <a:pPr algn="ctr">
                 <a:defRPr/>
               </a:pPr>
-              <a:endParaRPr kumimoji="0" lang="ja-JP" altLang="en-US" sz="1800" b="0" i="0" u="none" strike="noStrike" kern="0" cap="none" spc="0" normalizeH="0" baseline="0" noProof="0">
-                <a:ln>
-                  <a:noFill/>
-                </a:ln>
+              <a:endParaRPr kumimoji="0" lang="ja-JP" altLang="en-US" kern="0">
                 <a:solidFill>
                   <a:prstClr val="white"/>
                 </a:solidFill>
-                <a:effectLst/>
-                <a:uLnTx/>
-                <a:uFillTx/>
                 <a:latin typeface="Segoe UI"/>
                 <a:ea typeface="メイリオ"/>
-                <a:cs typeface="+mn-cs"/>
               </a:endParaRPr>
             </a:p>
           </p:txBody>
@@ -4596,36 +4255,15 @@
             <a:bodyPr rtlCol="0" anchor="ctr"/>
             <a:lstStyle/>
             <a:p>
-              <a:pPr marL="0" marR="0" lvl="0" indent="0" algn="ctr" defTabSz="914400" eaLnBrk="1" fontAlgn="auto" latinLnBrk="0" hangingPunct="1">
-                <a:lnSpc>
-                  <a:spcPct val="100000"/>
-                </a:lnSpc>
-                <a:spcBef>
-                  <a:spcPts val="0"/>
-                </a:spcBef>
-                <a:spcAft>
-                  <a:spcPts val="0"/>
-                </a:spcAft>
-                <a:buClrTx/>
-                <a:buSzTx/>
-                <a:buFontTx/>
-                <a:buNone/>
-                <a:tabLst/>
+              <a:pPr algn="ctr">
                 <a:defRPr/>
               </a:pPr>
-              <a:endParaRPr kumimoji="0" lang="ja-JP" altLang="en-US" sz="1800" b="0" i="0" u="none" strike="noStrike" kern="0" cap="none" spc="0" normalizeH="0" baseline="0" noProof="0">
-                <a:ln>
-                  <a:noFill/>
-                </a:ln>
+              <a:endParaRPr kumimoji="0" lang="ja-JP" altLang="en-US" kern="0">
                 <a:solidFill>
                   <a:prstClr val="white"/>
                 </a:solidFill>
-                <a:effectLst/>
-                <a:uLnTx/>
-                <a:uFillTx/>
                 <a:latin typeface="Segoe UI"/>
                 <a:ea typeface="メイリオ"/>
-                <a:cs typeface="+mn-cs"/>
               </a:endParaRPr>
             </a:p>
           </p:txBody>
@@ -4730,36 +4368,15 @@
             <a:bodyPr rtlCol="0" anchor="ctr"/>
             <a:lstStyle/>
             <a:p>
-              <a:pPr marL="0" marR="0" lvl="0" indent="0" algn="ctr" defTabSz="914400" eaLnBrk="1" fontAlgn="auto" latinLnBrk="0" hangingPunct="1">
-                <a:lnSpc>
-                  <a:spcPct val="100000"/>
-                </a:lnSpc>
-                <a:spcBef>
-                  <a:spcPts val="0"/>
-                </a:spcBef>
-                <a:spcAft>
-                  <a:spcPts val="0"/>
-                </a:spcAft>
-                <a:buClrTx/>
-                <a:buSzTx/>
-                <a:buFontTx/>
-                <a:buNone/>
-                <a:tabLst/>
+              <a:pPr algn="ctr">
                 <a:defRPr/>
               </a:pPr>
-              <a:endParaRPr kumimoji="0" lang="ja-JP" altLang="en-US" sz="1800" b="0" i="0" u="none" strike="noStrike" kern="0" cap="none" spc="0" normalizeH="0" baseline="0" noProof="0">
-                <a:ln>
-                  <a:noFill/>
-                </a:ln>
+              <a:endParaRPr kumimoji="0" lang="ja-JP" altLang="en-US" kern="0">
                 <a:solidFill>
                   <a:prstClr val="black"/>
                 </a:solidFill>
-                <a:effectLst/>
-                <a:uLnTx/>
-                <a:uFillTx/>
                 <a:latin typeface="Segoe UI"/>
                 <a:ea typeface="メイリオ"/>
-                <a:cs typeface="+mn-cs"/>
               </a:endParaRPr>
             </a:p>
           </p:txBody>
@@ -4804,36 +4421,15 @@
             </a:bodyPr>
             <a:lstStyle/>
             <a:p>
-              <a:pPr marL="0" marR="0" lvl="0" indent="0" algn="ctr" defTabSz="914400" eaLnBrk="1" fontAlgn="auto" latinLnBrk="0" hangingPunct="1">
-                <a:lnSpc>
-                  <a:spcPct val="100000"/>
-                </a:lnSpc>
-                <a:spcBef>
-                  <a:spcPts val="0"/>
-                </a:spcBef>
-                <a:spcAft>
-                  <a:spcPts val="0"/>
-                </a:spcAft>
-                <a:buClrTx/>
-                <a:buSzTx/>
-                <a:buFontTx/>
-                <a:buNone/>
-                <a:tabLst/>
+              <a:pPr algn="ctr">
                 <a:defRPr/>
               </a:pPr>
-              <a:endParaRPr kumimoji="0" lang="ja-JP" altLang="en-US" sz="1800" b="0" i="0" u="none" strike="noStrike" kern="0" cap="none" spc="0" normalizeH="0" baseline="0" noProof="0">
-                <a:ln>
-                  <a:noFill/>
-                </a:ln>
+              <a:endParaRPr kumimoji="0" lang="ja-JP" altLang="en-US" kern="0">
                 <a:solidFill>
                   <a:prstClr val="white"/>
                 </a:solidFill>
-                <a:effectLst/>
-                <a:uLnTx/>
-                <a:uFillTx/>
                 <a:latin typeface="Segoe UI"/>
                 <a:ea typeface="メイリオ"/>
-                <a:cs typeface="+mn-cs"/>
               </a:endParaRPr>
             </a:p>
           </p:txBody>
@@ -4871,36 +4467,15 @@
             <a:bodyPr rtlCol="0" anchor="ctr"/>
             <a:lstStyle/>
             <a:p>
-              <a:pPr marL="0" marR="0" lvl="0" indent="0" algn="ctr" defTabSz="914400" eaLnBrk="1" fontAlgn="auto" latinLnBrk="0" hangingPunct="1">
-                <a:lnSpc>
-                  <a:spcPct val="100000"/>
-                </a:lnSpc>
-                <a:spcBef>
-                  <a:spcPts val="0"/>
-                </a:spcBef>
-                <a:spcAft>
-                  <a:spcPts val="0"/>
-                </a:spcAft>
-                <a:buClrTx/>
-                <a:buSzTx/>
-                <a:buFontTx/>
-                <a:buNone/>
-                <a:tabLst/>
+              <a:pPr algn="ctr">
                 <a:defRPr/>
               </a:pPr>
-              <a:endParaRPr kumimoji="0" lang="ja-JP" altLang="en-US" sz="1800" b="0" i="0" u="none" strike="noStrike" kern="0" cap="none" spc="0" normalizeH="0" baseline="0" noProof="0">
-                <a:ln>
-                  <a:noFill/>
-                </a:ln>
+              <a:endParaRPr kumimoji="0" lang="ja-JP" altLang="en-US" kern="0">
                 <a:solidFill>
                   <a:prstClr val="white"/>
                 </a:solidFill>
-                <a:effectLst/>
-                <a:uLnTx/>
-                <a:uFillTx/>
                 <a:latin typeface="Segoe UI"/>
                 <a:ea typeface="メイリオ"/>
-                <a:cs typeface="+mn-cs"/>
               </a:endParaRPr>
             </a:p>
           </p:txBody>
@@ -5006,36 +4581,15 @@
             <a:bodyPr rtlCol="0" anchor="ctr"/>
             <a:lstStyle/>
             <a:p>
-              <a:pPr marL="0" marR="0" lvl="0" indent="0" algn="ctr" defTabSz="914400" eaLnBrk="1" fontAlgn="auto" latinLnBrk="0" hangingPunct="1">
-                <a:lnSpc>
-                  <a:spcPct val="100000"/>
-                </a:lnSpc>
-                <a:spcBef>
-                  <a:spcPts val="0"/>
-                </a:spcBef>
-                <a:spcAft>
-                  <a:spcPts val="0"/>
-                </a:spcAft>
-                <a:buClrTx/>
-                <a:buSzTx/>
-                <a:buFontTx/>
-                <a:buNone/>
-                <a:tabLst/>
+              <a:pPr algn="ctr">
                 <a:defRPr/>
               </a:pPr>
-              <a:endParaRPr kumimoji="0" lang="ja-JP" altLang="en-US" sz="1800" b="0" i="0" u="none" strike="noStrike" kern="0" cap="none" spc="0" normalizeH="0" baseline="0" noProof="0">
-                <a:ln>
-                  <a:noFill/>
-                </a:ln>
+              <a:endParaRPr kumimoji="0" lang="ja-JP" altLang="en-US" kern="0">
                 <a:solidFill>
                   <a:prstClr val="white"/>
                 </a:solidFill>
-                <a:effectLst/>
-                <a:uLnTx/>
-                <a:uFillTx/>
                 <a:latin typeface="Segoe UI"/>
                 <a:ea typeface="メイリオ"/>
-                <a:cs typeface="+mn-cs"/>
               </a:endParaRPr>
             </a:p>
           </p:txBody>
@@ -5073,36 +4627,15 @@
             <a:bodyPr rtlCol="0" anchor="ctr"/>
             <a:lstStyle/>
             <a:p>
-              <a:pPr marL="0" marR="0" lvl="0" indent="0" algn="ctr" defTabSz="914400" eaLnBrk="1" fontAlgn="auto" latinLnBrk="0" hangingPunct="1">
-                <a:lnSpc>
-                  <a:spcPct val="100000"/>
-                </a:lnSpc>
-                <a:spcBef>
-                  <a:spcPts val="0"/>
-                </a:spcBef>
-                <a:spcAft>
-                  <a:spcPts val="0"/>
-                </a:spcAft>
-                <a:buClrTx/>
-                <a:buSzTx/>
-                <a:buFontTx/>
-                <a:buNone/>
-                <a:tabLst/>
+              <a:pPr algn="ctr">
                 <a:defRPr/>
               </a:pPr>
-              <a:endParaRPr kumimoji="0" lang="ja-JP" altLang="en-US" sz="1800" b="0" i="0" u="none" strike="noStrike" kern="0" cap="none" spc="0" normalizeH="0" baseline="0" noProof="0">
-                <a:ln>
-                  <a:noFill/>
-                </a:ln>
+              <a:endParaRPr kumimoji="0" lang="ja-JP" altLang="en-US" kern="0">
                 <a:solidFill>
                   <a:prstClr val="white"/>
                 </a:solidFill>
-                <a:effectLst/>
-                <a:uLnTx/>
-                <a:uFillTx/>
                 <a:latin typeface="Segoe UI"/>
                 <a:ea typeface="メイリオ"/>
-                <a:cs typeface="+mn-cs"/>
               </a:endParaRPr>
             </a:p>
           </p:txBody>
@@ -5206,36 +4739,15 @@
             <a:bodyPr rtlCol="0" anchor="ctr"/>
             <a:lstStyle/>
             <a:p>
-              <a:pPr marL="0" marR="0" lvl="0" indent="0" algn="ctr" defTabSz="914400" eaLnBrk="1" fontAlgn="auto" latinLnBrk="0" hangingPunct="1">
-                <a:lnSpc>
-                  <a:spcPct val="100000"/>
-                </a:lnSpc>
-                <a:spcBef>
-                  <a:spcPts val="0"/>
-                </a:spcBef>
-                <a:spcAft>
-                  <a:spcPts val="0"/>
-                </a:spcAft>
-                <a:buClrTx/>
-                <a:buSzTx/>
-                <a:buFontTx/>
-                <a:buNone/>
-                <a:tabLst/>
+              <a:pPr algn="ctr">
                 <a:defRPr/>
               </a:pPr>
-              <a:endParaRPr kumimoji="0" lang="ja-JP" altLang="en-US" sz="1800" b="0" i="0" u="none" strike="noStrike" kern="0" cap="none" spc="0" normalizeH="0" baseline="0" noProof="0">
-                <a:ln>
-                  <a:noFill/>
-                </a:ln>
+              <a:endParaRPr kumimoji="0" lang="ja-JP" altLang="en-US" kern="0">
                 <a:solidFill>
                   <a:prstClr val="white"/>
                 </a:solidFill>
-                <a:effectLst/>
-                <a:uLnTx/>
-                <a:uFillTx/>
                 <a:latin typeface="Segoe UI"/>
                 <a:ea typeface="メイリオ"/>
-                <a:cs typeface="+mn-cs"/>
               </a:endParaRPr>
             </a:p>
           </p:txBody>
@@ -5288,7 +4800,7 @@
         </p:nvSpPr>
         <p:spPr>
           <a:xfrm>
-            <a:off x="611560" y="1916832"/>
+            <a:off x="2135561" y="1916832"/>
             <a:ext cx="5144165" cy="369332"/>
           </a:xfrm>
           <a:prstGeom prst="rect">
@@ -5303,7 +4815,7 @@
           <a:lstStyle/>
           <a:p>
             <a:r>
-              <a:rPr lang="ja-JP" altLang="en-US">
+              <a:rPr lang="ja-JP" altLang="en-US" dirty="0">
                 <a:solidFill>
                   <a:prstClr val="black"/>
                 </a:solidFill>
@@ -5313,14 +4825,34 @@
               <a:t>入力：</a:t>
             </a:r>
             <a:r>
-              <a:rPr lang="en-US" altLang="ja-JP">
+              <a:rPr lang="en-US" altLang="ja-JP" dirty="0">
                 <a:solidFill>
                   <a:prstClr val="black"/>
                 </a:solidFill>
                 <a:latin typeface="Segoe UI"/>
                 <a:ea typeface="メイリオ"/>
               </a:rPr>
-              <a:t>inform(name=Seven_Days, food=Chinese)</a:t>
+              <a:t>inform(name=</a:t>
+            </a:r>
+            <a:r>
+              <a:rPr lang="en-US" altLang="ja-JP" dirty="0" err="1">
+                <a:solidFill>
+                  <a:prstClr val="black"/>
+                </a:solidFill>
+                <a:latin typeface="Segoe UI"/>
+                <a:ea typeface="メイリオ"/>
+              </a:rPr>
+              <a:t>Seven_Days</a:t>
+            </a:r>
+            <a:r>
+              <a:rPr lang="en-US" altLang="ja-JP" dirty="0">
+                <a:solidFill>
+                  <a:prstClr val="black"/>
+                </a:solidFill>
+                <a:latin typeface="Segoe UI"/>
+                <a:ea typeface="メイリオ"/>
+              </a:rPr>
+              <a:t>, food=Chinese)</a:t>
             </a:r>
           </a:p>
         </p:txBody>
@@ -5339,7 +4871,7 @@
         </p:nvSpPr>
         <p:spPr>
           <a:xfrm>
-            <a:off x="683568" y="2636912"/>
+            <a:off x="2207569" y="2636912"/>
             <a:ext cx="3376245" cy="400110"/>
           </a:xfrm>
           <a:prstGeom prst="rect">
@@ -5380,7 +4912,7 @@
         </p:nvSpPr>
         <p:spPr>
           <a:xfrm>
-            <a:off x="2051720" y="2348880"/>
+            <a:off x="3575720" y="2348880"/>
             <a:ext cx="504056" cy="288032"/>
           </a:xfrm>
           <a:prstGeom prst="downArrow">
@@ -5403,36 +4935,15 @@
           <a:bodyPr rtlCol="0" anchor="ctr"/>
           <a:lstStyle/>
           <a:p>
-            <a:pPr marL="0" marR="0" lvl="0" indent="0" algn="ctr" defTabSz="914400" eaLnBrk="1" fontAlgn="auto" latinLnBrk="0" hangingPunct="1">
-              <a:lnSpc>
-                <a:spcPct val="100000"/>
-              </a:lnSpc>
-              <a:spcBef>
-                <a:spcPts val="0"/>
-              </a:spcBef>
-              <a:spcAft>
-                <a:spcPts val="0"/>
-              </a:spcAft>
-              <a:buClrTx/>
-              <a:buSzTx/>
-              <a:buFontTx/>
-              <a:buNone/>
-              <a:tabLst/>
+            <a:pPr algn="ctr">
               <a:defRPr/>
             </a:pPr>
-            <a:endParaRPr kumimoji="0" lang="ja-JP" altLang="en-US" sz="1800" b="0" i="0" u="none" strike="noStrike" kern="0" cap="none" spc="0" normalizeH="0" baseline="0" noProof="0">
-              <a:ln>
-                <a:noFill/>
-              </a:ln>
+            <a:endParaRPr kumimoji="0" lang="ja-JP" altLang="en-US" kern="0">
               <a:solidFill>
                 <a:prstClr val="white"/>
               </a:solidFill>
-              <a:effectLst/>
-              <a:uLnTx/>
-              <a:uFillTx/>
               <a:latin typeface="Segoe UI"/>
               <a:ea typeface="メイリオ"/>
-              <a:cs typeface="+mn-cs"/>
             </a:endParaRPr>
           </a:p>
         </p:txBody>
@@ -5451,7 +4962,7 @@
         </p:nvSpPr>
         <p:spPr>
           <a:xfrm>
-            <a:off x="2567823" y="2276872"/>
+            <a:off x="4091824" y="2276872"/>
             <a:ext cx="3026791" cy="369332"/>
           </a:xfrm>
           <a:prstGeom prst="rect">
@@ -5502,7 +5013,7 @@
         </p:nvSpPr>
         <p:spPr>
           <a:xfrm>
-            <a:off x="1800636" y="4958533"/>
+            <a:off x="3324636" y="4958534"/>
             <a:ext cx="5114862" cy="584775"/>
           </a:xfrm>
           <a:prstGeom prst="rect">
@@ -5575,7 +5086,7 @@
         </p:nvSpPr>
         <p:spPr>
           <a:xfrm>
-            <a:off x="4788024" y="2900034"/>
+            <a:off x="6312025" y="2900034"/>
             <a:ext cx="203657" cy="208996"/>
           </a:xfrm>
           <a:prstGeom prst="flowChartSummingJunction">
@@ -5596,36 +5107,15 @@
           <a:bodyPr rtlCol="0" anchor="ctr"/>
           <a:lstStyle/>
           <a:p>
-            <a:pPr marL="0" marR="0" lvl="0" indent="0" algn="ctr" defTabSz="914400" eaLnBrk="1" fontAlgn="auto" latinLnBrk="0" hangingPunct="1">
-              <a:lnSpc>
-                <a:spcPct val="100000"/>
-              </a:lnSpc>
-              <a:spcBef>
-                <a:spcPts val="0"/>
-              </a:spcBef>
-              <a:spcAft>
-                <a:spcPts val="0"/>
-              </a:spcAft>
-              <a:buClrTx/>
-              <a:buSzTx/>
-              <a:buFontTx/>
-              <a:buNone/>
-              <a:tabLst/>
+            <a:pPr algn="ctr">
               <a:defRPr/>
             </a:pPr>
-            <a:endParaRPr kumimoji="0" lang="ja-JP" altLang="en-US" sz="1800" b="0" i="0" u="none" strike="noStrike" kern="0" cap="none" spc="0" normalizeH="0" baseline="0" noProof="0">
-              <a:ln>
-                <a:noFill/>
-              </a:ln>
+            <a:endParaRPr kumimoji="0" lang="ja-JP" altLang="en-US" kern="0">
               <a:solidFill>
                 <a:prstClr val="white"/>
               </a:solidFill>
-              <a:effectLst/>
-              <a:uLnTx/>
-              <a:uFillTx/>
               <a:latin typeface="Segoe UI"/>
               <a:ea typeface="メイリオ"/>
-              <a:cs typeface="+mn-cs"/>
             </a:endParaRPr>
           </a:p>
         </p:txBody>
@@ -5644,7 +5134,7 @@
         </p:nvSpPr>
         <p:spPr>
           <a:xfrm>
-            <a:off x="4937719" y="2852936"/>
+            <a:off x="6461720" y="2852937"/>
             <a:ext cx="3954929" cy="307777"/>
           </a:xfrm>
           <a:prstGeom prst="rect">
@@ -5685,7 +5175,7 @@
         </p:nvSpPr>
         <p:spPr>
           <a:xfrm flipV="1">
-            <a:off x="1469554" y="5046907"/>
+            <a:off x="2993554" y="5046907"/>
             <a:ext cx="281930" cy="408026"/>
           </a:xfrm>
           <a:prstGeom prst="curvedRightArrow">
@@ -5708,36 +5198,15 @@
           <a:bodyPr rtlCol="0" anchor="ctr"/>
           <a:lstStyle/>
           <a:p>
-            <a:pPr marL="0" marR="0" lvl="0" indent="0" algn="ctr" defTabSz="914400" eaLnBrk="1" fontAlgn="auto" latinLnBrk="0" hangingPunct="1">
-              <a:lnSpc>
-                <a:spcPct val="100000"/>
-              </a:lnSpc>
-              <a:spcBef>
-                <a:spcPts val="0"/>
-              </a:spcBef>
-              <a:spcAft>
-                <a:spcPts val="0"/>
-              </a:spcAft>
-              <a:buClrTx/>
-              <a:buSzTx/>
-              <a:buFontTx/>
-              <a:buNone/>
-              <a:tabLst/>
+            <a:pPr algn="ctr">
               <a:defRPr/>
             </a:pPr>
-            <a:endParaRPr kumimoji="0" lang="ja-JP" altLang="en-US" sz="1800" b="0" i="0" u="none" strike="noStrike" kern="0" cap="none" spc="0" normalizeH="0" baseline="0" noProof="0">
-              <a:ln>
-                <a:noFill/>
-              </a:ln>
+            <a:endParaRPr kumimoji="0" lang="ja-JP" altLang="en-US" kern="0">
               <a:solidFill>
                 <a:prstClr val="black"/>
               </a:solidFill>
-              <a:effectLst/>
-              <a:uLnTx/>
-              <a:uFillTx/>
               <a:latin typeface="Segoe UI"/>
               <a:ea typeface="メイリオ"/>
-              <a:cs typeface="+mn-cs"/>
             </a:endParaRPr>
           </a:p>
         </p:txBody>
@@ -5756,7 +5225,7 @@
         </p:nvSpPr>
         <p:spPr>
           <a:xfrm>
-            <a:off x="235906" y="5453654"/>
+            <a:off x="1759907" y="5453654"/>
             <a:ext cx="1826141" cy="338554"/>
           </a:xfrm>
           <a:prstGeom prst="rect">
@@ -5829,7 +5298,12 @@
             <p:ph type="title"/>
           </p:nvPr>
         </p:nvSpPr>
-        <p:spPr/>
+        <p:spPr>
+          <a:xfrm>
+            <a:off x="691896" y="291973"/>
+            <a:ext cx="10515600" cy="893089"/>
+          </a:xfrm>
+        </p:spPr>
         <p:txBody>
           <a:bodyPr>
             <a:normAutofit/>
@@ -5837,7 +5311,7 @@
           <a:lstStyle/>
           <a:p>
             <a:r>
-              <a:rPr lang="en-US" altLang="ja-JP" sz="3600">
+              <a:rPr lang="en-US" altLang="ja-JP" sz="3600" dirty="0">
                 <a:solidFill>
                   <a:schemeClr val="accent1"/>
                 </a:solidFill>
@@ -5847,7 +5321,7 @@
               <a:t>13.1 </a:t>
             </a:r>
             <a:r>
-              <a:rPr lang="ja-JP" altLang="en-US" sz="3600">
+              <a:rPr lang="ja-JP" altLang="en-US" sz="3600" dirty="0">
                 <a:solidFill>
                   <a:schemeClr val="accent1"/>
                 </a:solidFill>
@@ -5856,13 +5330,6 @@
               </a:rPr>
               <a:t>音声対話システムの開発方法論</a:t>
             </a:r>
-            <a:endParaRPr kumimoji="1" lang="ja-JP" altLang="en-US" sz="3600">
-              <a:solidFill>
-                <a:schemeClr val="accent1"/>
-              </a:solidFill>
-              <a:latin typeface="メイリオ" panose="020B0604030504040204" pitchFamily="50" charset="-128"/>
-              <a:ea typeface="メイリオ" panose="020B0604030504040204" pitchFamily="50" charset="-128"/>
-            </a:endParaRPr>
           </a:p>
         </p:txBody>
       </p:sp>
@@ -5894,7 +5361,7 @@
         </p:blipFill>
         <p:spPr>
           <a:xfrm>
-            <a:off x="871602" y="1595066"/>
+            <a:off x="1876224" y="1251251"/>
             <a:ext cx="7748089" cy="4873190"/>
           </a:xfrm>
           <a:prstGeom prst="rect">
@@ -5948,7 +5415,12 @@
             <p:ph type="title"/>
           </p:nvPr>
         </p:nvSpPr>
-        <p:spPr/>
+        <p:spPr>
+          <a:xfrm>
+            <a:off x="669950" y="350495"/>
+            <a:ext cx="10515600" cy="841883"/>
+          </a:xfrm>
+        </p:spPr>
         <p:txBody>
           <a:bodyPr>
             <a:normAutofit/>
@@ -5956,7 +5428,7 @@
           <a:lstStyle/>
           <a:p>
             <a:r>
-              <a:rPr lang="en-US" altLang="ja-JP" sz="3600">
+              <a:rPr lang="en-US" altLang="ja-JP" sz="3600" dirty="0">
                 <a:solidFill>
                   <a:schemeClr val="accent1"/>
                 </a:solidFill>
@@ -5966,7 +5438,7 @@
               <a:t>13.1 </a:t>
             </a:r>
             <a:r>
-              <a:rPr lang="ja-JP" altLang="en-US" sz="3600">
+              <a:rPr lang="ja-JP" altLang="en-US" sz="3600" dirty="0">
                 <a:solidFill>
                   <a:schemeClr val="accent1"/>
                 </a:solidFill>
@@ -5975,13 +5447,6 @@
               </a:rPr>
               <a:t>音声対話システムの開発方法論</a:t>
             </a:r>
-            <a:endParaRPr kumimoji="1" lang="ja-JP" altLang="en-US" sz="3600">
-              <a:solidFill>
-                <a:schemeClr val="accent1"/>
-              </a:solidFill>
-              <a:latin typeface="メイリオ" panose="020B0604030504040204" pitchFamily="50" charset="-128"/>
-              <a:ea typeface="メイリオ" panose="020B0604030504040204" pitchFamily="50" charset="-128"/>
-            </a:endParaRPr>
           </a:p>
         </p:txBody>
       </p:sp>
@@ -6001,7 +5466,12 @@
             <p:ph idx="1"/>
           </p:nvPr>
         </p:nvSpPr>
-        <p:spPr/>
+        <p:spPr>
+          <a:xfrm>
+            <a:off x="838200" y="1353312"/>
+            <a:ext cx="10515600" cy="4823651"/>
+          </a:xfrm>
+        </p:spPr>
         <p:txBody>
           <a:bodyPr/>
           <a:lstStyle/>
@@ -6010,15 +5480,21 @@
               <a:lnSpc>
                 <a:spcPct val="100000"/>
               </a:lnSpc>
+              <a:spcBef>
+                <a:spcPts val="600"/>
+              </a:spcBef>
+              <a:spcAft>
+                <a:spcPts val="600"/>
+              </a:spcAft>
             </a:pPr>
             <a:r>
-              <a:rPr kumimoji="1" lang="ja-JP" altLang="en-US">
+              <a:rPr kumimoji="1" lang="ja-JP" altLang="en-US" dirty="0">
                 <a:latin typeface="メイリオ" panose="020B0604030504040204" pitchFamily="50" charset="-128"/>
                 <a:ea typeface="メイリオ" panose="020B0604030504040204" pitchFamily="50" charset="-128"/>
               </a:rPr>
               <a:t>発話理解</a:t>
             </a:r>
-            <a:endParaRPr kumimoji="1" lang="en-US" altLang="ja-JP">
+            <a:endParaRPr kumimoji="1" lang="en-US" altLang="ja-JP" dirty="0">
               <a:latin typeface="メイリオ" panose="020B0604030504040204" pitchFamily="50" charset="-128"/>
               <a:ea typeface="メイリオ" panose="020B0604030504040204" pitchFamily="50" charset="-128"/>
             </a:endParaRPr>
@@ -6028,29 +5504,35 @@
               <a:lnSpc>
                 <a:spcPct val="100000"/>
               </a:lnSpc>
+              <a:spcBef>
+                <a:spcPts val="600"/>
+              </a:spcBef>
+              <a:spcAft>
+                <a:spcPts val="600"/>
+              </a:spcAft>
             </a:pPr>
             <a:r>
-              <a:rPr kumimoji="1" lang="ja-JP" altLang="en-US">
+              <a:rPr kumimoji="1" lang="ja-JP" altLang="en-US" dirty="0">
                 <a:latin typeface="メイリオ" panose="020B0604030504040204" pitchFamily="50" charset="-128"/>
                 <a:ea typeface="メイリオ" panose="020B0604030504040204" pitchFamily="50" charset="-128"/>
               </a:rPr>
               <a:t>ユーザの発話音声を入力し、音声認識後、発話理解結果（発話タイプ＋「スロット名＝値」の系列）を</a:t>
             </a:r>
             <a:r>
-              <a:rPr kumimoji="1" lang="en-US" altLang="ja-JP">
+              <a:rPr kumimoji="1" lang="en-US" altLang="ja-JP" dirty="0">
                 <a:latin typeface="メイリオ" panose="020B0604030504040204" pitchFamily="50" charset="-128"/>
                 <a:ea typeface="メイリオ" panose="020B0604030504040204" pitchFamily="50" charset="-128"/>
               </a:rPr>
               <a:t>n-best</a:t>
             </a:r>
             <a:r>
-              <a:rPr kumimoji="1" lang="ja-JP" altLang="en-US">
+              <a:rPr kumimoji="1" lang="ja-JP" altLang="en-US" dirty="0">
                 <a:latin typeface="メイリオ" panose="020B0604030504040204" pitchFamily="50" charset="-128"/>
                 <a:ea typeface="メイリオ" panose="020B0604030504040204" pitchFamily="50" charset="-128"/>
               </a:rPr>
               <a:t>で出力</a:t>
             </a:r>
-            <a:endParaRPr kumimoji="1" lang="en-US" altLang="ja-JP">
+            <a:endParaRPr kumimoji="1" lang="en-US" altLang="ja-JP" dirty="0">
               <a:latin typeface="メイリオ" panose="020B0604030504040204" pitchFamily="50" charset="-128"/>
               <a:ea typeface="メイリオ" panose="020B0604030504040204" pitchFamily="50" charset="-128"/>
             </a:endParaRPr>
@@ -6060,15 +5542,21 @@
               <a:lnSpc>
                 <a:spcPct val="100000"/>
               </a:lnSpc>
+              <a:spcBef>
+                <a:spcPts val="600"/>
+              </a:spcBef>
+              <a:spcAft>
+                <a:spcPts val="600"/>
+              </a:spcAft>
             </a:pPr>
             <a:r>
-              <a:rPr kumimoji="1" lang="ja-JP" altLang="en-US">
+              <a:rPr kumimoji="1" lang="ja-JP" altLang="en-US" dirty="0">
                 <a:latin typeface="メイリオ" panose="020B0604030504040204" pitchFamily="50" charset="-128"/>
                 <a:ea typeface="メイリオ" panose="020B0604030504040204" pitchFamily="50" charset="-128"/>
               </a:rPr>
               <a:t>対話管理</a:t>
             </a:r>
-            <a:endParaRPr kumimoji="1" lang="en-US" altLang="ja-JP">
+            <a:endParaRPr kumimoji="1" lang="en-US" altLang="ja-JP" dirty="0">
               <a:latin typeface="メイリオ" panose="020B0604030504040204" pitchFamily="50" charset="-128"/>
               <a:ea typeface="メイリオ" panose="020B0604030504040204" pitchFamily="50" charset="-128"/>
             </a:endParaRPr>
@@ -6078,15 +5566,21 @@
               <a:lnSpc>
                 <a:spcPct val="100000"/>
               </a:lnSpc>
+              <a:spcBef>
+                <a:spcPts val="600"/>
+              </a:spcBef>
+              <a:spcAft>
+                <a:spcPts val="600"/>
+              </a:spcAft>
             </a:pPr>
             <a:r>
-              <a:rPr kumimoji="1" lang="ja-JP" altLang="en-US">
+              <a:rPr kumimoji="1" lang="ja-JP" altLang="en-US" dirty="0">
                 <a:latin typeface="メイリオ" panose="020B0604030504040204" pitchFamily="50" charset="-128"/>
                 <a:ea typeface="メイリオ" panose="020B0604030504040204" pitchFamily="50" charset="-128"/>
               </a:rPr>
               <a:t>発話理解結果を入力とし、システムの意図を生成</a:t>
             </a:r>
-            <a:endParaRPr kumimoji="1" lang="en-US" altLang="ja-JP">
+            <a:endParaRPr kumimoji="1" lang="en-US" altLang="ja-JP" dirty="0">
               <a:latin typeface="メイリオ" panose="020B0604030504040204" pitchFamily="50" charset="-128"/>
               <a:ea typeface="メイリオ" panose="020B0604030504040204" pitchFamily="50" charset="-128"/>
             </a:endParaRPr>
@@ -6096,15 +5590,21 @@
               <a:lnSpc>
                 <a:spcPct val="100000"/>
               </a:lnSpc>
+              <a:spcBef>
+                <a:spcPts val="600"/>
+              </a:spcBef>
+              <a:spcAft>
+                <a:spcPts val="600"/>
+              </a:spcAft>
             </a:pPr>
             <a:r>
-              <a:rPr kumimoji="1" lang="ja-JP" altLang="en-US">
+              <a:rPr kumimoji="1" lang="ja-JP" altLang="en-US" dirty="0">
                 <a:latin typeface="メイリオ" panose="020B0604030504040204" pitchFamily="50" charset="-128"/>
                 <a:ea typeface="メイリオ" panose="020B0604030504040204" pitchFamily="50" charset="-128"/>
               </a:rPr>
               <a:t>応答生成</a:t>
             </a:r>
-            <a:endParaRPr kumimoji="1" lang="en-US" altLang="ja-JP">
+            <a:endParaRPr kumimoji="1" lang="en-US" altLang="ja-JP" dirty="0">
               <a:latin typeface="メイリオ" panose="020B0604030504040204" pitchFamily="50" charset="-128"/>
               <a:ea typeface="メイリオ" panose="020B0604030504040204" pitchFamily="50" charset="-128"/>
             </a:endParaRPr>
@@ -6114,9 +5614,15 @@
               <a:lnSpc>
                 <a:spcPct val="100000"/>
               </a:lnSpc>
+              <a:spcBef>
+                <a:spcPts val="600"/>
+              </a:spcBef>
+              <a:spcAft>
+                <a:spcPts val="600"/>
+              </a:spcAft>
             </a:pPr>
             <a:r>
-              <a:rPr kumimoji="1" lang="ja-JP" altLang="en-US">
+              <a:rPr kumimoji="1" lang="ja-JP" altLang="en-US" dirty="0">
                 <a:latin typeface="メイリオ" panose="020B0604030504040204" pitchFamily="50" charset="-128"/>
                 <a:ea typeface="メイリオ" panose="020B0604030504040204" pitchFamily="50" charset="-128"/>
               </a:rPr>
@@ -6171,7 +5677,12 @@
             <p:ph type="title"/>
           </p:nvPr>
         </p:nvSpPr>
-        <p:spPr/>
+        <p:spPr>
+          <a:xfrm>
+            <a:off x="838200" y="365125"/>
+            <a:ext cx="10515600" cy="819937"/>
+          </a:xfrm>
+        </p:spPr>
         <p:txBody>
           <a:bodyPr>
             <a:normAutofit/>
@@ -6179,7 +5690,7 @@
           <a:lstStyle/>
           <a:p>
             <a:r>
-              <a:rPr lang="en-US" altLang="ja-JP">
+              <a:rPr lang="en-US" altLang="ja-JP" dirty="0">
                 <a:solidFill>
                   <a:schemeClr val="accent1"/>
                 </a:solidFill>
@@ -6189,7 +5700,7 @@
               <a:t>13.2 </a:t>
             </a:r>
             <a:r>
-              <a:rPr lang="ja-JP" altLang="en-US">
+              <a:rPr lang="ja-JP" altLang="en-US" dirty="0">
                 <a:solidFill>
                   <a:schemeClr val="accent1"/>
                 </a:solidFill>
@@ -6198,7 +5709,7 @@
               </a:rPr>
               <a:t>規則による対話管理</a:t>
             </a:r>
-            <a:endParaRPr kumimoji="1" lang="ja-JP" altLang="en-US">
+            <a:endParaRPr kumimoji="1" lang="ja-JP" altLang="en-US" dirty="0">
               <a:solidFill>
                 <a:schemeClr val="accent1"/>
               </a:solidFill>
@@ -6226,8 +5737,8 @@
         </p:nvSpPr>
         <p:spPr>
           <a:xfrm>
-            <a:off x="561194" y="1394085"/>
-            <a:ext cx="7886700" cy="4490570"/>
+            <a:off x="1104595" y="1394085"/>
+            <a:ext cx="9831629" cy="4490570"/>
           </a:xfrm>
         </p:spPr>
         <p:txBody>
@@ -6238,15 +5749,21 @@
               <a:lnSpc>
                 <a:spcPct val="100000"/>
               </a:lnSpc>
+              <a:spcBef>
+                <a:spcPts val="600"/>
+              </a:spcBef>
+              <a:spcAft>
+                <a:spcPts val="600"/>
+              </a:spcAft>
             </a:pPr>
             <a:r>
-              <a:rPr kumimoji="1" lang="ja-JP" altLang="en-US">
+              <a:rPr kumimoji="1" lang="ja-JP" altLang="en-US" dirty="0">
                 <a:latin typeface="メイリオ" panose="020B0604030504040204" pitchFamily="50" charset="-128"/>
                 <a:ea typeface="メイリオ" panose="020B0604030504040204" pitchFamily="50" charset="-128"/>
               </a:rPr>
               <a:t>対話管理オートマトンの定義</a:t>
             </a:r>
-            <a:endParaRPr kumimoji="1" lang="en-US" altLang="ja-JP">
+            <a:endParaRPr kumimoji="1" lang="en-US" altLang="ja-JP" dirty="0">
               <a:latin typeface="メイリオ" panose="020B0604030504040204" pitchFamily="50" charset="-128"/>
               <a:ea typeface="メイリオ" panose="020B0604030504040204" pitchFamily="50" charset="-128"/>
             </a:endParaRPr>
@@ -6256,15 +5773,21 @@
               <a:lnSpc>
                 <a:spcPct val="100000"/>
               </a:lnSpc>
+              <a:spcBef>
+                <a:spcPts val="600"/>
+              </a:spcBef>
+              <a:spcAft>
+                <a:spcPts val="600"/>
+              </a:spcAft>
             </a:pPr>
             <a:r>
-              <a:rPr kumimoji="1" lang="ja-JP" altLang="en-US">
+              <a:rPr kumimoji="1" lang="ja-JP" altLang="en-US" dirty="0">
                 <a:latin typeface="メイリオ" panose="020B0604030504040204" pitchFamily="50" charset="-128"/>
                 <a:ea typeface="メイリオ" panose="020B0604030504040204" pitchFamily="50" charset="-128"/>
               </a:rPr>
               <a:t>状態：対話の進展状況を表し、各状態でシステム応答を定義</a:t>
             </a:r>
-            <a:endParaRPr kumimoji="1" lang="en-US" altLang="ja-JP">
+            <a:endParaRPr kumimoji="1" lang="en-US" altLang="ja-JP" dirty="0">
               <a:latin typeface="メイリオ" panose="020B0604030504040204" pitchFamily="50" charset="-128"/>
               <a:ea typeface="メイリオ" panose="020B0604030504040204" pitchFamily="50" charset="-128"/>
             </a:endParaRPr>
@@ -6274,9 +5797,15 @@
               <a:lnSpc>
                 <a:spcPct val="100000"/>
               </a:lnSpc>
+              <a:spcBef>
+                <a:spcPts val="600"/>
+              </a:spcBef>
+              <a:spcAft>
+                <a:spcPts val="600"/>
+              </a:spcAft>
             </a:pPr>
             <a:r>
-              <a:rPr kumimoji="1" lang="ja-JP" altLang="en-US">
+              <a:rPr kumimoji="1" lang="ja-JP" altLang="en-US" dirty="0">
                 <a:latin typeface="メイリオ" panose="020B0604030504040204" pitchFamily="50" charset="-128"/>
                 <a:ea typeface="メイリオ" panose="020B0604030504040204" pitchFamily="50" charset="-128"/>
               </a:rPr>
@@ -6313,7 +5842,7 @@
         </p:blipFill>
         <p:spPr>
           <a:xfrm>
-            <a:off x="1898012" y="3133992"/>
+            <a:off x="3422013" y="3133993"/>
             <a:ext cx="4942067" cy="3529135"/>
           </a:xfrm>
           <a:prstGeom prst="rect">
@@ -6367,7 +5896,12 @@
             <p:ph type="title"/>
           </p:nvPr>
         </p:nvSpPr>
-        <p:spPr/>
+        <p:spPr>
+          <a:xfrm>
+            <a:off x="838200" y="365125"/>
+            <a:ext cx="10515600" cy="717525"/>
+          </a:xfrm>
+        </p:spPr>
         <p:txBody>
           <a:bodyPr>
             <a:normAutofit/>
@@ -6375,7 +5909,7 @@
           <a:lstStyle/>
           <a:p>
             <a:r>
-              <a:rPr lang="en-US" altLang="ja-JP" sz="3600">
+              <a:rPr lang="en-US" altLang="ja-JP" sz="3600" dirty="0">
                 <a:solidFill>
                   <a:schemeClr val="accent1"/>
                 </a:solidFill>
@@ -6385,7 +5919,7 @@
               <a:t>13.3 </a:t>
             </a:r>
             <a:r>
-              <a:rPr lang="ja-JP" altLang="en-US" sz="3600">
+              <a:rPr lang="ja-JP" altLang="en-US" sz="3600" dirty="0">
                 <a:solidFill>
                   <a:schemeClr val="accent1"/>
                 </a:solidFill>
@@ -6394,13 +5928,6 @@
               </a:rPr>
               <a:t>対話管理への統計的アプローチ</a:t>
             </a:r>
-            <a:endParaRPr kumimoji="1" lang="ja-JP" altLang="en-US" sz="3600">
-              <a:solidFill>
-                <a:schemeClr val="accent1"/>
-              </a:solidFill>
-              <a:latin typeface="メイリオ" panose="020B0604030504040204" pitchFamily="50" charset="-128"/>
-              <a:ea typeface="メイリオ" panose="020B0604030504040204" pitchFamily="50" charset="-128"/>
-            </a:endParaRPr>
           </a:p>
         </p:txBody>
       </p:sp>
@@ -6422,8 +5949,8 @@
         </p:nvSpPr>
         <p:spPr>
           <a:xfrm>
-            <a:off x="628649" y="1825625"/>
-            <a:ext cx="8065645" cy="4351338"/>
+            <a:off x="952957" y="1253331"/>
+            <a:ext cx="10400843" cy="4351338"/>
           </a:xfrm>
         </p:spPr>
         <p:txBody>
@@ -6434,15 +5961,21 @@
               <a:lnSpc>
                 <a:spcPct val="100000"/>
               </a:lnSpc>
+              <a:spcBef>
+                <a:spcPts val="600"/>
+              </a:spcBef>
+              <a:spcAft>
+                <a:spcPts val="600"/>
+              </a:spcAft>
             </a:pPr>
             <a:r>
-              <a:rPr kumimoji="1" lang="ja-JP" altLang="en-US">
+              <a:rPr kumimoji="1" lang="ja-JP" altLang="en-US" dirty="0">
                 <a:latin typeface="メイリオ" panose="020B0604030504040204" pitchFamily="50" charset="-128"/>
                 <a:ea typeface="メイリオ" panose="020B0604030504040204" pitchFamily="50" charset="-128"/>
               </a:rPr>
               <a:t>統計的アプローチのモチベーション</a:t>
             </a:r>
-            <a:endParaRPr kumimoji="1" lang="en-US" altLang="ja-JP">
+            <a:endParaRPr kumimoji="1" lang="en-US" altLang="ja-JP" dirty="0">
               <a:latin typeface="メイリオ" panose="020B0604030504040204" pitchFamily="50" charset="-128"/>
               <a:ea typeface="メイリオ" panose="020B0604030504040204" pitchFamily="50" charset="-128"/>
             </a:endParaRPr>
@@ -6452,15 +5985,21 @@
               <a:lnSpc>
                 <a:spcPct val="100000"/>
               </a:lnSpc>
+              <a:spcBef>
+                <a:spcPts val="600"/>
+              </a:spcBef>
+              <a:spcAft>
+                <a:spcPts val="600"/>
+              </a:spcAft>
             </a:pPr>
             <a:r>
-              <a:rPr kumimoji="1" lang="ja-JP" altLang="en-US">
+              <a:rPr kumimoji="1" lang="ja-JP" altLang="en-US" dirty="0">
                 <a:latin typeface="メイリオ" panose="020B0604030504040204" pitchFamily="50" charset="-128"/>
                 <a:ea typeface="メイリオ" panose="020B0604030504040204" pitchFamily="50" charset="-128"/>
               </a:rPr>
               <a:t>音声の誤認識に基づく不確実性の扱い</a:t>
             </a:r>
-            <a:endParaRPr kumimoji="1" lang="en-US" altLang="ja-JP">
+            <a:endParaRPr kumimoji="1" lang="en-US" altLang="ja-JP" dirty="0">
               <a:latin typeface="メイリオ" panose="020B0604030504040204" pitchFamily="50" charset="-128"/>
               <a:ea typeface="メイリオ" panose="020B0604030504040204" pitchFamily="50" charset="-128"/>
             </a:endParaRPr>
@@ -6470,15 +6009,21 @@
               <a:lnSpc>
                 <a:spcPct val="100000"/>
               </a:lnSpc>
+              <a:spcBef>
+                <a:spcPts val="600"/>
+              </a:spcBef>
+              <a:spcAft>
+                <a:spcPts val="600"/>
+              </a:spcAft>
             </a:pPr>
             <a:r>
-              <a:rPr kumimoji="1" lang="ja-JP" altLang="en-US">
+              <a:rPr kumimoji="1" lang="ja-JP" altLang="en-US" dirty="0">
                 <a:latin typeface="メイリオ" panose="020B0604030504040204" pitchFamily="50" charset="-128"/>
                 <a:ea typeface="メイリオ" panose="020B0604030504040204" pitchFamily="50" charset="-128"/>
               </a:rPr>
               <a:t>人手による状態遷移記述の難しさへの対処</a:t>
             </a:r>
-            <a:endParaRPr kumimoji="1" lang="en-US" altLang="ja-JP">
+            <a:endParaRPr kumimoji="1" lang="en-US" altLang="ja-JP" dirty="0">
               <a:latin typeface="メイリオ" panose="020B0604030504040204" pitchFamily="50" charset="-128"/>
               <a:ea typeface="メイリオ" panose="020B0604030504040204" pitchFamily="50" charset="-128"/>
             </a:endParaRPr>
@@ -6488,22 +6033,28 @@
               <a:lnSpc>
                 <a:spcPct val="100000"/>
               </a:lnSpc>
+              <a:spcBef>
+                <a:spcPts val="600"/>
+              </a:spcBef>
+              <a:spcAft>
+                <a:spcPts val="600"/>
+              </a:spcAft>
             </a:pPr>
             <a:r>
-              <a:rPr kumimoji="1" lang="ja-JP" altLang="en-US">
+              <a:rPr kumimoji="1" lang="ja-JP" altLang="en-US" dirty="0">
                 <a:latin typeface="メイリオ" panose="020B0604030504040204" pitchFamily="50" charset="-128"/>
                 <a:ea typeface="メイリオ" panose="020B0604030504040204" pitchFamily="50" charset="-128"/>
               </a:rPr>
               <a:t>信念ネットワークによる対話モデル </a:t>
             </a:r>
             <a:r>
-              <a:rPr kumimoji="1" lang="en-US" altLang="ja-JP" sz="1800">
+              <a:rPr lang="en-US" altLang="ja-JP" sz="1800" dirty="0">
                 <a:latin typeface="メイリオ" panose="020B0604030504040204" pitchFamily="50" charset="-128"/>
                 <a:ea typeface="メイリオ" panose="020B0604030504040204" pitchFamily="50" charset="-128"/>
               </a:rPr>
               <a:t>[Meng+, 2003]</a:t>
             </a:r>
-            <a:endParaRPr kumimoji="1" lang="en-US" altLang="ja-JP" sz="3200">
+            <a:endParaRPr lang="en-US" altLang="ja-JP" sz="3200" dirty="0">
               <a:latin typeface="メイリオ" panose="020B0604030504040204" pitchFamily="50" charset="-128"/>
               <a:ea typeface="メイリオ" panose="020B0604030504040204" pitchFamily="50" charset="-128"/>
             </a:endParaRPr>
@@ -6513,15 +6064,21 @@
               <a:lnSpc>
                 <a:spcPct val="100000"/>
               </a:lnSpc>
+              <a:spcBef>
+                <a:spcPts val="600"/>
+              </a:spcBef>
+              <a:spcAft>
+                <a:spcPts val="600"/>
+              </a:spcAft>
             </a:pPr>
             <a:r>
-              <a:rPr kumimoji="1" lang="ja-JP" altLang="en-US">
+              <a:rPr kumimoji="1" lang="ja-JP" altLang="en-US" dirty="0">
                 <a:latin typeface="メイリオ" panose="020B0604030504040204" pitchFamily="50" charset="-128"/>
                 <a:ea typeface="メイリオ" panose="020B0604030504040204" pitchFamily="50" charset="-128"/>
               </a:rPr>
               <a:t>入力の不確実性への対処として、タスク中のスロット値の確からしさを確率変数として捉える</a:t>
             </a:r>
-            <a:endParaRPr kumimoji="1" lang="en-US" altLang="ja-JP">
+            <a:endParaRPr kumimoji="1" lang="en-US" altLang="ja-JP" dirty="0">
               <a:latin typeface="メイリオ" panose="020B0604030504040204" pitchFamily="50" charset="-128"/>
               <a:ea typeface="メイリオ" panose="020B0604030504040204" pitchFamily="50" charset="-128"/>
             </a:endParaRPr>
@@ -6531,15 +6088,21 @@
               <a:lnSpc>
                 <a:spcPct val="100000"/>
               </a:lnSpc>
+              <a:spcBef>
+                <a:spcPts val="600"/>
+              </a:spcBef>
+              <a:spcAft>
+                <a:spcPts val="600"/>
+              </a:spcAft>
             </a:pPr>
             <a:r>
-              <a:rPr kumimoji="1" lang="ja-JP" altLang="en-US">
+              <a:rPr kumimoji="1" lang="ja-JP" altLang="en-US" dirty="0">
                 <a:latin typeface="メイリオ" panose="020B0604030504040204" pitchFamily="50" charset="-128"/>
                 <a:ea typeface="メイリオ" panose="020B0604030504040204" pitchFamily="50" charset="-128"/>
               </a:rPr>
               <a:t>確率変数の集合から、システムの行為へのマッピングをコーパスから学習</a:t>
             </a:r>
-            <a:endParaRPr kumimoji="1" lang="en-US" altLang="ja-JP">
+            <a:endParaRPr kumimoji="1" lang="en-US" altLang="ja-JP" dirty="0">
               <a:latin typeface="メイリオ" panose="020B0604030504040204" pitchFamily="50" charset="-128"/>
               <a:ea typeface="メイリオ" panose="020B0604030504040204" pitchFamily="50" charset="-128"/>
             </a:endParaRPr>
@@ -6592,7 +6155,12 @@
             <p:ph type="title"/>
           </p:nvPr>
         </p:nvSpPr>
-        <p:spPr/>
+        <p:spPr>
+          <a:xfrm>
+            <a:off x="838200" y="365126"/>
+            <a:ext cx="10515600" cy="834568"/>
+          </a:xfrm>
+        </p:spPr>
         <p:txBody>
           <a:bodyPr>
             <a:normAutofit/>
@@ -6600,7 +6168,7 @@
           <a:lstStyle/>
           <a:p>
             <a:r>
-              <a:rPr lang="en-US" altLang="ja-JP" sz="3600">
+              <a:rPr lang="en-US" altLang="ja-JP" sz="3600" dirty="0">
                 <a:solidFill>
                   <a:schemeClr val="accent1"/>
                 </a:solidFill>
@@ -6610,7 +6178,7 @@
               <a:t>13.3 </a:t>
             </a:r>
             <a:r>
-              <a:rPr lang="ja-JP" altLang="en-US" sz="3600">
+              <a:rPr lang="ja-JP" altLang="en-US" sz="3600" dirty="0">
                 <a:solidFill>
                   <a:schemeClr val="accent1"/>
                 </a:solidFill>
@@ -6619,13 +6187,6 @@
               </a:rPr>
               <a:t>対話管理への統計的アプローチ</a:t>
             </a:r>
-            <a:endParaRPr kumimoji="1" lang="ja-JP" altLang="en-US" sz="3600">
-              <a:solidFill>
-                <a:schemeClr val="accent1"/>
-              </a:solidFill>
-              <a:latin typeface="メイリオ" panose="020B0604030504040204" pitchFamily="50" charset="-128"/>
-              <a:ea typeface="メイリオ" panose="020B0604030504040204" pitchFamily="50" charset="-128"/>
-            </a:endParaRPr>
           </a:p>
         </p:txBody>
       </p:sp>
@@ -6647,8 +6208,8 @@
         </p:nvSpPr>
         <p:spPr>
           <a:xfrm>
-            <a:off x="628650" y="1514007"/>
-            <a:ext cx="7886700" cy="4662956"/>
+            <a:off x="1026109" y="1199694"/>
+            <a:ext cx="10136886" cy="4662956"/>
           </a:xfrm>
         </p:spPr>
         <p:txBody>
@@ -6659,22 +6220,28 @@
               <a:lnSpc>
                 <a:spcPct val="100000"/>
               </a:lnSpc>
+              <a:spcBef>
+                <a:spcPts val="600"/>
+              </a:spcBef>
+              <a:spcAft>
+                <a:spcPts val="600"/>
+              </a:spcAft>
             </a:pPr>
             <a:r>
-              <a:rPr kumimoji="1" lang="en-US" altLang="ja-JP">
+              <a:rPr kumimoji="1" lang="en-US" altLang="ja-JP" dirty="0">
                 <a:latin typeface="メイリオ" panose="020B0604030504040204" pitchFamily="50" charset="-128"/>
                 <a:ea typeface="メイリオ" panose="020B0604030504040204" pitchFamily="50" charset="-128"/>
               </a:rPr>
               <a:t>MDP </a:t>
             </a:r>
             <a:r>
-              <a:rPr kumimoji="1" lang="ja-JP" altLang="en-US">
+              <a:rPr kumimoji="1" lang="ja-JP" altLang="en-US" dirty="0">
                 <a:latin typeface="メイリオ" panose="020B0604030504040204" pitchFamily="50" charset="-128"/>
                 <a:ea typeface="メイリオ" panose="020B0604030504040204" pitchFamily="50" charset="-128"/>
               </a:rPr>
               <a:t>による対話管理</a:t>
             </a:r>
-            <a:endParaRPr kumimoji="1" lang="en-US" altLang="ja-JP">
+            <a:endParaRPr kumimoji="1" lang="en-US" altLang="ja-JP" dirty="0">
               <a:latin typeface="メイリオ" panose="020B0604030504040204" pitchFamily="50" charset="-128"/>
               <a:ea typeface="メイリオ" panose="020B0604030504040204" pitchFamily="50" charset="-128"/>
             </a:endParaRPr>
@@ -6684,15 +6251,21 @@
               <a:lnSpc>
                 <a:spcPct val="100000"/>
               </a:lnSpc>
+              <a:spcBef>
+                <a:spcPts val="600"/>
+              </a:spcBef>
+              <a:spcAft>
+                <a:spcPts val="600"/>
+              </a:spcAft>
             </a:pPr>
             <a:r>
-              <a:rPr lang="ja-JP" altLang="en-US">
+              <a:rPr lang="ja-JP" altLang="en-US" dirty="0">
                 <a:latin typeface="メイリオ" panose="020B0604030504040204" pitchFamily="50" charset="-128"/>
                 <a:ea typeface="メイリオ" panose="020B0604030504040204" pitchFamily="50" charset="-128"/>
               </a:rPr>
               <a:t>対話をマルコフ決定過程として定式化</a:t>
             </a:r>
-            <a:endParaRPr lang="en-US" altLang="ja-JP">
+            <a:endParaRPr lang="en-US" altLang="ja-JP" dirty="0">
               <a:latin typeface="メイリオ" panose="020B0604030504040204" pitchFamily="50" charset="-128"/>
               <a:ea typeface="メイリオ" panose="020B0604030504040204" pitchFamily="50" charset="-128"/>
             </a:endParaRPr>
@@ -6702,65 +6275,71 @@
               <a:lnSpc>
                 <a:spcPct val="100000"/>
               </a:lnSpc>
+              <a:spcBef>
+                <a:spcPts val="600"/>
+              </a:spcBef>
+              <a:spcAft>
+                <a:spcPts val="600"/>
+              </a:spcAft>
             </a:pPr>
             <a:r>
-              <a:rPr lang="ja-JP" altLang="en-US">
+              <a:rPr lang="ja-JP" altLang="en-US" dirty="0">
                 <a:latin typeface="メイリオ" panose="020B0604030504040204" pitchFamily="50" charset="-128"/>
                 <a:ea typeface="メイリオ" panose="020B0604030504040204" pitchFamily="50" charset="-128"/>
               </a:rPr>
               <a:t>時刻</a:t>
             </a:r>
             <a:r>
-              <a:rPr lang="ja-JP" altLang="en-US" i="1">
+              <a:rPr lang="ja-JP" altLang="en-US" i="1" dirty="0">
                 <a:latin typeface="Century Schoolbook" panose="02040604050505020304" pitchFamily="18" charset="0"/>
                 <a:ea typeface="メイリオ" panose="020B0604030504040204" pitchFamily="50" charset="-128"/>
               </a:rPr>
               <a:t> </a:t>
             </a:r>
             <a:r>
-              <a:rPr lang="en-US" altLang="ja-JP" i="1">
+              <a:rPr lang="en-US" altLang="ja-JP" i="1" dirty="0">
                 <a:latin typeface="Century Schoolbook" panose="02040604050505020304" pitchFamily="18" charset="0"/>
                 <a:ea typeface="メイリオ" panose="020B0604030504040204" pitchFamily="50" charset="-128"/>
               </a:rPr>
               <a:t>t </a:t>
             </a:r>
             <a:r>
-              <a:rPr lang="ja-JP" altLang="en-US">
+              <a:rPr lang="ja-JP" altLang="en-US" dirty="0">
                 <a:latin typeface="メイリオ" panose="020B0604030504040204" pitchFamily="50" charset="-128"/>
                 <a:ea typeface="メイリオ" panose="020B0604030504040204" pitchFamily="50" charset="-128"/>
               </a:rPr>
               <a:t>におけるシステムの状態</a:t>
             </a:r>
             <a:r>
-              <a:rPr lang="en-US" altLang="ja-JP">
+              <a:rPr lang="en-US" altLang="ja-JP" dirty="0">
                 <a:latin typeface="メイリオ" panose="020B0604030504040204" pitchFamily="50" charset="-128"/>
                 <a:ea typeface="メイリオ" panose="020B0604030504040204" pitchFamily="50" charset="-128"/>
               </a:rPr>
               <a:t>: </a:t>
             </a:r>
             <a:r>
-              <a:rPr lang="en-US" altLang="ja-JP" i="1">
+              <a:rPr lang="en-US" altLang="ja-JP" i="1" dirty="0" err="1">
                 <a:latin typeface="Century Schoolbook" panose="02040604050505020304" pitchFamily="18" charset="0"/>
                 <a:ea typeface="メイリオ" panose="020B0604030504040204" pitchFamily="50" charset="-128"/>
               </a:rPr>
               <a:t>s</a:t>
             </a:r>
             <a:r>
-              <a:rPr lang="en-US" altLang="ja-JP" i="1" baseline="-25000">
+              <a:rPr lang="en-US" altLang="ja-JP" i="1" baseline="-25000" dirty="0" err="1">
                 <a:latin typeface="Century Schoolbook" panose="02040604050505020304" pitchFamily="18" charset="0"/>
                 <a:ea typeface="メイリオ" panose="020B0604030504040204" pitchFamily="50" charset="-128"/>
               </a:rPr>
               <a:t>t</a:t>
             </a:r>
             <a:r>
-              <a:rPr lang="ja-JP" altLang="en-US">
+              <a:rPr lang="ja-JP" altLang="en-US" dirty="0">
                 <a:latin typeface="Century Schoolbook" panose="02040604050505020304" pitchFamily="18" charset="0"/>
                 <a:ea typeface="メイリオ" panose="020B0604030504040204" pitchFamily="50" charset="-128"/>
               </a:rPr>
               <a:t> ∈ </a:t>
             </a:r>
             <a:r>
-              <a:rPr lang="en-US" altLang="ja-JP" i="1">
+              <a:rPr lang="en-US" altLang="ja-JP" i="1" dirty="0">
                 <a:latin typeface="Century Schoolbook" panose="02040604050505020304" pitchFamily="18" charset="0"/>
                 <a:ea typeface="メイリオ" panose="020B0604030504040204" pitchFamily="50" charset="-128"/>
               </a:rPr>
@@ -6772,65 +6351,71 @@
               <a:lnSpc>
                 <a:spcPct val="100000"/>
               </a:lnSpc>
+              <a:spcBef>
+                <a:spcPts val="600"/>
+              </a:spcBef>
+              <a:spcAft>
+                <a:spcPts val="600"/>
+              </a:spcAft>
             </a:pPr>
             <a:r>
-              <a:rPr lang="ja-JP" altLang="en-US">
+              <a:rPr lang="ja-JP" altLang="en-US" dirty="0">
                 <a:latin typeface="メイリオ" panose="020B0604030504040204" pitchFamily="50" charset="-128"/>
                 <a:ea typeface="メイリオ" panose="020B0604030504040204" pitchFamily="50" charset="-128"/>
               </a:rPr>
               <a:t>時刻</a:t>
             </a:r>
             <a:r>
-              <a:rPr lang="ja-JP" altLang="en-US" i="1">
+              <a:rPr lang="ja-JP" altLang="en-US" i="1" dirty="0">
                 <a:latin typeface="Century Schoolbook" panose="02040604050505020304" pitchFamily="18" charset="0"/>
                 <a:ea typeface="メイリオ" panose="020B0604030504040204" pitchFamily="50" charset="-128"/>
               </a:rPr>
               <a:t> </a:t>
             </a:r>
             <a:r>
-              <a:rPr lang="en-US" altLang="ja-JP" i="1">
+              <a:rPr lang="en-US" altLang="ja-JP" i="1" dirty="0">
                 <a:latin typeface="Century Schoolbook" panose="02040604050505020304" pitchFamily="18" charset="0"/>
                 <a:ea typeface="メイリオ" panose="020B0604030504040204" pitchFamily="50" charset="-128"/>
               </a:rPr>
               <a:t>t </a:t>
             </a:r>
             <a:r>
-              <a:rPr lang="ja-JP" altLang="en-US">
+              <a:rPr lang="ja-JP" altLang="en-US" dirty="0">
                 <a:latin typeface="メイリオ" panose="020B0604030504040204" pitchFamily="50" charset="-128"/>
                 <a:ea typeface="メイリオ" panose="020B0604030504040204" pitchFamily="50" charset="-128"/>
               </a:rPr>
               <a:t>におけるシステムの行為</a:t>
             </a:r>
             <a:r>
-              <a:rPr lang="en-US" altLang="ja-JP">
+              <a:rPr lang="en-US" altLang="ja-JP" dirty="0">
                 <a:latin typeface="メイリオ" panose="020B0604030504040204" pitchFamily="50" charset="-128"/>
                 <a:ea typeface="メイリオ" panose="020B0604030504040204" pitchFamily="50" charset="-128"/>
               </a:rPr>
               <a:t>: </a:t>
             </a:r>
             <a:r>
-              <a:rPr lang="en-US" altLang="ja-JP" i="1">
+              <a:rPr lang="en-US" altLang="ja-JP" i="1" dirty="0">
                 <a:latin typeface="Century Schoolbook" panose="02040604050505020304" pitchFamily="18" charset="0"/>
                 <a:ea typeface="メイリオ" panose="020B0604030504040204" pitchFamily="50" charset="-128"/>
               </a:rPr>
               <a:t>a</a:t>
             </a:r>
             <a:r>
-              <a:rPr lang="en-US" altLang="ja-JP" i="1" baseline="-25000">
+              <a:rPr lang="en-US" altLang="ja-JP" i="1" baseline="-25000" dirty="0">
                 <a:latin typeface="Century Schoolbook" panose="02040604050505020304" pitchFamily="18" charset="0"/>
                 <a:ea typeface="メイリオ" panose="020B0604030504040204" pitchFamily="50" charset="-128"/>
               </a:rPr>
               <a:t>t</a:t>
             </a:r>
             <a:r>
-              <a:rPr lang="ja-JP" altLang="en-US">
+              <a:rPr lang="ja-JP" altLang="en-US" dirty="0">
                 <a:latin typeface="Century Schoolbook" panose="02040604050505020304" pitchFamily="18" charset="0"/>
                 <a:ea typeface="メイリオ" panose="020B0604030504040204" pitchFamily="50" charset="-128"/>
               </a:rPr>
               <a:t> ∈ </a:t>
             </a:r>
             <a:r>
-              <a:rPr lang="en-US" altLang="ja-JP" i="1">
+              <a:rPr lang="en-US" altLang="ja-JP" i="1" dirty="0">
                 <a:latin typeface="Century Schoolbook" panose="02040604050505020304" pitchFamily="18" charset="0"/>
                 <a:ea typeface="メイリオ" panose="020B0604030504040204" pitchFamily="50" charset="-128"/>
               </a:rPr>
@@ -6842,114 +6427,120 @@
               <a:lnSpc>
                 <a:spcPct val="100000"/>
               </a:lnSpc>
+              <a:spcBef>
+                <a:spcPts val="600"/>
+              </a:spcBef>
+              <a:spcAft>
+                <a:spcPts val="600"/>
+              </a:spcAft>
             </a:pPr>
             <a:r>
-              <a:rPr lang="ja-JP" altLang="en-US">
+              <a:rPr lang="ja-JP" altLang="en-US" dirty="0">
                 <a:latin typeface="メイリオ" panose="020B0604030504040204" pitchFamily="50" charset="-128"/>
                 <a:ea typeface="メイリオ" panose="020B0604030504040204" pitchFamily="50" charset="-128"/>
               </a:rPr>
               <a:t>報酬</a:t>
             </a:r>
             <a:r>
-              <a:rPr lang="en-US" altLang="ja-JP">
+              <a:rPr lang="en-US" altLang="ja-JP" dirty="0">
                 <a:latin typeface="メイリオ" panose="020B0604030504040204" pitchFamily="50" charset="-128"/>
                 <a:ea typeface="メイリオ" panose="020B0604030504040204" pitchFamily="50" charset="-128"/>
               </a:rPr>
               <a:t>:  </a:t>
             </a:r>
             <a:r>
-              <a:rPr lang="en-US" altLang="ja-JP" i="1">
+              <a:rPr lang="en-US" altLang="ja-JP" i="1" dirty="0">
                 <a:latin typeface="Century Schoolbook" panose="02040604050505020304" pitchFamily="18" charset="0"/>
                 <a:ea typeface="メイリオ" panose="020B0604030504040204" pitchFamily="50" charset="-128"/>
               </a:rPr>
               <a:t>r</a:t>
             </a:r>
             <a:r>
-              <a:rPr lang="en-US" altLang="ja-JP" i="1" baseline="-25000">
+              <a:rPr lang="en-US" altLang="ja-JP" i="1" baseline="-25000" dirty="0">
                 <a:latin typeface="Century Schoolbook" panose="02040604050505020304" pitchFamily="18" charset="0"/>
                 <a:ea typeface="メイリオ" panose="020B0604030504040204" pitchFamily="50" charset="-128"/>
               </a:rPr>
               <a:t>t</a:t>
             </a:r>
             <a:r>
-              <a:rPr lang="ja-JP" altLang="en-US">
+              <a:rPr lang="ja-JP" altLang="en-US" dirty="0">
                 <a:latin typeface="Century Schoolbook" panose="02040604050505020304" pitchFamily="18" charset="0"/>
                 <a:ea typeface="メイリオ" panose="020B0604030504040204" pitchFamily="50" charset="-128"/>
               </a:rPr>
               <a:t> </a:t>
             </a:r>
             <a:r>
-              <a:rPr lang="en-US" altLang="ja-JP">
+              <a:rPr lang="en-US" altLang="ja-JP" dirty="0">
                 <a:latin typeface="Century Schoolbook" panose="02040604050505020304" pitchFamily="18" charset="0"/>
                 <a:ea typeface="メイリオ" panose="020B0604030504040204" pitchFamily="50" charset="-128"/>
               </a:rPr>
               <a:t>= </a:t>
             </a:r>
             <a:r>
-              <a:rPr lang="en-US" altLang="ja-JP" i="1">
+              <a:rPr lang="en-US" altLang="ja-JP" i="1" dirty="0">
                 <a:latin typeface="Century Schoolbook" panose="02040604050505020304" pitchFamily="18" charset="0"/>
                 <a:ea typeface="メイリオ" panose="020B0604030504040204" pitchFamily="50" charset="-128"/>
               </a:rPr>
               <a:t>r</a:t>
             </a:r>
             <a:r>
-              <a:rPr lang="en-US" altLang="ja-JP">
+              <a:rPr lang="en-US" altLang="ja-JP" dirty="0">
                 <a:latin typeface="Century Schoolbook" panose="02040604050505020304" pitchFamily="18" charset="0"/>
                 <a:ea typeface="メイリオ" panose="020B0604030504040204" pitchFamily="50" charset="-128"/>
               </a:rPr>
               <a:t>(</a:t>
             </a:r>
             <a:r>
-              <a:rPr lang="en-US" altLang="ja-JP" i="1">
+              <a:rPr lang="en-US" altLang="ja-JP" i="1" dirty="0" err="1">
                 <a:latin typeface="Century Schoolbook" panose="02040604050505020304" pitchFamily="18" charset="0"/>
                 <a:ea typeface="メイリオ" panose="020B0604030504040204" pitchFamily="50" charset="-128"/>
               </a:rPr>
               <a:t>s</a:t>
             </a:r>
             <a:r>
-              <a:rPr lang="en-US" altLang="ja-JP" i="1" baseline="-25000">
+              <a:rPr lang="en-US" altLang="ja-JP" i="1" baseline="-25000" dirty="0" err="1">
                 <a:latin typeface="Century Schoolbook" panose="02040604050505020304" pitchFamily="18" charset="0"/>
                 <a:ea typeface="メイリオ" panose="020B0604030504040204" pitchFamily="50" charset="-128"/>
               </a:rPr>
               <a:t>t</a:t>
             </a:r>
             <a:r>
-              <a:rPr lang="en-US" altLang="ja-JP">
+              <a:rPr lang="en-US" altLang="ja-JP" dirty="0">
                 <a:latin typeface="Century Schoolbook" panose="02040604050505020304" pitchFamily="18" charset="0"/>
                 <a:ea typeface="メイリオ" panose="020B0604030504040204" pitchFamily="50" charset="-128"/>
               </a:rPr>
               <a:t>, </a:t>
             </a:r>
             <a:r>
-              <a:rPr lang="en-US" altLang="ja-JP" i="1">
+              <a:rPr lang="en-US" altLang="ja-JP" i="1" dirty="0">
                 <a:latin typeface="Century Schoolbook" panose="02040604050505020304" pitchFamily="18" charset="0"/>
                 <a:ea typeface="メイリオ" panose="020B0604030504040204" pitchFamily="50" charset="-128"/>
               </a:rPr>
               <a:t>a</a:t>
             </a:r>
             <a:r>
-              <a:rPr lang="en-US" altLang="ja-JP" i="1" baseline="-25000">
+              <a:rPr lang="en-US" altLang="ja-JP" i="1" baseline="-25000" dirty="0">
                 <a:latin typeface="Century Schoolbook" panose="02040604050505020304" pitchFamily="18" charset="0"/>
                 <a:ea typeface="メイリオ" panose="020B0604030504040204" pitchFamily="50" charset="-128"/>
               </a:rPr>
               <a:t>t</a:t>
             </a:r>
             <a:r>
-              <a:rPr lang="en-US" altLang="ja-JP">
+              <a:rPr lang="en-US" altLang="ja-JP" dirty="0">
                 <a:latin typeface="Century Schoolbook" panose="02040604050505020304" pitchFamily="18" charset="0"/>
                 <a:ea typeface="メイリオ" panose="020B0604030504040204" pitchFamily="50" charset="-128"/>
               </a:rPr>
               <a:t>)</a:t>
             </a:r>
             <a:r>
-              <a:rPr lang="ja-JP" altLang="en-US">
+              <a:rPr lang="ja-JP" altLang="en-US" dirty="0">
                 <a:latin typeface="Century Schoolbook" panose="02040604050505020304" pitchFamily="18" charset="0"/>
                 <a:ea typeface="メイリオ" panose="020B0604030504040204" pitchFamily="50" charset="-128"/>
               </a:rPr>
               <a:t> ∈ </a:t>
             </a:r>
             <a:r>
-              <a:rPr lang="en-US" altLang="ja-JP" i="1">
+              <a:rPr lang="en-US" altLang="ja-JP" i="1" dirty="0">
                 <a:latin typeface="Century Schoolbook" panose="02040604050505020304" pitchFamily="18" charset="0"/>
                 <a:ea typeface="メイリオ" panose="020B0604030504040204" pitchFamily="50" charset="-128"/>
               </a:rPr>
@@ -6961,93 +6552,99 @@
               <a:lnSpc>
                 <a:spcPct val="100000"/>
               </a:lnSpc>
+              <a:spcBef>
+                <a:spcPts val="600"/>
+              </a:spcBef>
+              <a:spcAft>
+                <a:spcPts val="600"/>
+              </a:spcAft>
             </a:pPr>
             <a:r>
-              <a:rPr lang="ja-JP" altLang="en-US">
+              <a:rPr lang="ja-JP" altLang="en-US" dirty="0">
                 <a:latin typeface="メイリオ" panose="020B0604030504040204" pitchFamily="50" charset="-128"/>
                 <a:ea typeface="メイリオ" panose="020B0604030504040204" pitchFamily="50" charset="-128"/>
               </a:rPr>
               <a:t>状態遷移確率</a:t>
             </a:r>
             <a:r>
-              <a:rPr lang="en-US" altLang="ja-JP">
+              <a:rPr lang="en-US" altLang="ja-JP" dirty="0">
                 <a:latin typeface="メイリオ" panose="020B0604030504040204" pitchFamily="50" charset="-128"/>
                 <a:ea typeface="メイリオ" panose="020B0604030504040204" pitchFamily="50" charset="-128"/>
               </a:rPr>
               <a:t>:  </a:t>
             </a:r>
             <a:r>
-              <a:rPr lang="en-US" altLang="ja-JP" i="1">
+              <a:rPr lang="en-US" altLang="ja-JP" i="1" dirty="0">
                 <a:latin typeface="Century Schoolbook" panose="02040604050505020304" pitchFamily="18" charset="0"/>
                 <a:ea typeface="メイリオ" panose="020B0604030504040204" pitchFamily="50" charset="-128"/>
               </a:rPr>
               <a:t>p</a:t>
             </a:r>
             <a:r>
-              <a:rPr lang="en-US" altLang="ja-JP">
+              <a:rPr lang="en-US" altLang="ja-JP" dirty="0">
                 <a:latin typeface="Century Schoolbook" panose="02040604050505020304" pitchFamily="18" charset="0"/>
                 <a:ea typeface="メイリオ" panose="020B0604030504040204" pitchFamily="50" charset="-128"/>
               </a:rPr>
               <a:t>(</a:t>
             </a:r>
             <a:r>
-              <a:rPr lang="en-US" altLang="ja-JP" i="1">
+              <a:rPr lang="en-US" altLang="ja-JP" i="1" dirty="0">
                 <a:latin typeface="Century Schoolbook" panose="02040604050505020304" pitchFamily="18" charset="0"/>
                 <a:ea typeface="メイリオ" panose="020B0604030504040204" pitchFamily="50" charset="-128"/>
               </a:rPr>
               <a:t>s</a:t>
             </a:r>
             <a:r>
-              <a:rPr lang="en-US" altLang="ja-JP" i="1" baseline="-25000">
+              <a:rPr lang="en-US" altLang="ja-JP" i="1" baseline="-25000" dirty="0">
                 <a:latin typeface="Century Schoolbook" panose="02040604050505020304" pitchFamily="18" charset="0"/>
                 <a:ea typeface="メイリオ" panose="020B0604030504040204" pitchFamily="50" charset="-128"/>
               </a:rPr>
               <a:t>t+1</a:t>
             </a:r>
             <a:r>
-              <a:rPr lang="en-US" altLang="ja-JP">
+              <a:rPr lang="en-US" altLang="ja-JP" dirty="0">
                 <a:latin typeface="Century Schoolbook" panose="02040604050505020304" pitchFamily="18" charset="0"/>
                 <a:ea typeface="メイリオ" panose="020B0604030504040204" pitchFamily="50" charset="-128"/>
               </a:rPr>
               <a:t> | </a:t>
             </a:r>
             <a:r>
-              <a:rPr lang="en-US" altLang="ja-JP" i="1">
+              <a:rPr lang="en-US" altLang="ja-JP" i="1" dirty="0" err="1">
                 <a:latin typeface="Century Schoolbook" panose="02040604050505020304" pitchFamily="18" charset="0"/>
                 <a:ea typeface="メイリオ" panose="020B0604030504040204" pitchFamily="50" charset="-128"/>
               </a:rPr>
               <a:t>s</a:t>
             </a:r>
             <a:r>
-              <a:rPr lang="en-US" altLang="ja-JP" i="1" baseline="-25000">
+              <a:rPr lang="en-US" altLang="ja-JP" i="1" baseline="-25000" dirty="0" err="1">
                 <a:latin typeface="Century Schoolbook" panose="02040604050505020304" pitchFamily="18" charset="0"/>
                 <a:ea typeface="メイリオ" panose="020B0604030504040204" pitchFamily="50" charset="-128"/>
               </a:rPr>
               <a:t>t</a:t>
             </a:r>
             <a:r>
-              <a:rPr lang="en-US" altLang="ja-JP">
+              <a:rPr lang="en-US" altLang="ja-JP" dirty="0">
                 <a:latin typeface="Century Schoolbook" panose="02040604050505020304" pitchFamily="18" charset="0"/>
                 <a:ea typeface="メイリオ" panose="020B0604030504040204" pitchFamily="50" charset="-128"/>
               </a:rPr>
               <a:t>, </a:t>
             </a:r>
             <a:r>
-              <a:rPr lang="en-US" altLang="ja-JP" i="1">
+              <a:rPr lang="en-US" altLang="ja-JP" i="1" dirty="0">
                 <a:latin typeface="Century Schoolbook" panose="02040604050505020304" pitchFamily="18" charset="0"/>
                 <a:ea typeface="メイリオ" panose="020B0604030504040204" pitchFamily="50" charset="-128"/>
               </a:rPr>
               <a:t>a</a:t>
             </a:r>
             <a:r>
-              <a:rPr lang="en-US" altLang="ja-JP" i="1" baseline="-25000">
+              <a:rPr lang="en-US" altLang="ja-JP" i="1" baseline="-25000" dirty="0">
                 <a:latin typeface="Century Schoolbook" panose="02040604050505020304" pitchFamily="18" charset="0"/>
                 <a:ea typeface="メイリオ" panose="020B0604030504040204" pitchFamily="50" charset="-128"/>
               </a:rPr>
               <a:t>t</a:t>
             </a:r>
             <a:r>
-              <a:rPr lang="en-US" altLang="ja-JP">
+              <a:rPr lang="en-US" altLang="ja-JP" dirty="0">
                 <a:latin typeface="Century Schoolbook" panose="02040604050505020304" pitchFamily="18" charset="0"/>
                 <a:ea typeface="メイリオ" panose="020B0604030504040204" pitchFamily="50" charset="-128"/>
               </a:rPr>
@@ -7059,15 +6656,21 @@
               <a:lnSpc>
                 <a:spcPct val="100000"/>
               </a:lnSpc>
+              <a:spcBef>
+                <a:spcPts val="600"/>
+              </a:spcBef>
+              <a:spcAft>
+                <a:spcPts val="600"/>
+              </a:spcAft>
             </a:pPr>
             <a:r>
-              <a:rPr lang="ja-JP" altLang="en-US">
+              <a:rPr lang="ja-JP" altLang="en-US" dirty="0">
                 <a:latin typeface="メイリオ" panose="020B0604030504040204" pitchFamily="50" charset="-128"/>
                 <a:ea typeface="メイリオ" panose="020B0604030504040204" pitchFamily="50" charset="-128"/>
               </a:rPr>
               <a:t>強化学習によって最適政策（期待報酬を最大とする状態から行為へのマッピング）の学習をおこなう</a:t>
             </a:r>
-            <a:endParaRPr lang="en-US" altLang="ja-JP">
+            <a:endParaRPr lang="en-US" altLang="ja-JP" dirty="0">
               <a:latin typeface="Century Schoolbook" panose="02040604050505020304" pitchFamily="18" charset="0"/>
               <a:ea typeface="メイリオ" panose="020B0604030504040204" pitchFamily="50" charset="-128"/>
             </a:endParaRPr>
@@ -7120,7 +6723,12 @@
             <p:ph type="title"/>
           </p:nvPr>
         </p:nvSpPr>
-        <p:spPr/>
+        <p:spPr>
+          <a:xfrm>
+            <a:off x="838200" y="365125"/>
+            <a:ext cx="10515600" cy="900405"/>
+          </a:xfrm>
+        </p:spPr>
         <p:txBody>
           <a:bodyPr>
             <a:normAutofit/>
@@ -7128,7 +6736,7 @@
           <a:lstStyle/>
           <a:p>
             <a:r>
-              <a:rPr lang="en-US" altLang="ja-JP" sz="3600">
+              <a:rPr lang="en-US" altLang="ja-JP" sz="3600" dirty="0">
                 <a:solidFill>
                   <a:schemeClr val="accent1"/>
                 </a:solidFill>
@@ -7138,7 +6746,7 @@
               <a:t>13.3 </a:t>
             </a:r>
             <a:r>
-              <a:rPr lang="ja-JP" altLang="en-US" sz="3600">
+              <a:rPr lang="ja-JP" altLang="en-US" sz="3600" dirty="0">
                 <a:solidFill>
                   <a:schemeClr val="accent1"/>
                 </a:solidFill>
@@ -7147,13 +6755,6 @@
               </a:rPr>
               <a:t>対話管理への統計的アプローチ</a:t>
             </a:r>
-            <a:endParaRPr kumimoji="1" lang="ja-JP" altLang="en-US" sz="3600">
-              <a:solidFill>
-                <a:schemeClr val="accent1"/>
-              </a:solidFill>
-              <a:latin typeface="メイリオ" panose="020B0604030504040204" pitchFamily="50" charset="-128"/>
-              <a:ea typeface="メイリオ" panose="020B0604030504040204" pitchFamily="50" charset="-128"/>
-            </a:endParaRPr>
           </a:p>
         </p:txBody>
       </p:sp>
@@ -7185,7 +6786,7 @@
         </p:blipFill>
         <p:spPr>
           <a:xfrm>
-            <a:off x="2368295" y="1346566"/>
+            <a:off x="3892296" y="1346567"/>
             <a:ext cx="3732701" cy="5328005"/>
           </a:xfrm>
           <a:prstGeom prst="rect">
@@ -7239,7 +6840,12 @@
             <p:ph type="title"/>
           </p:nvPr>
         </p:nvSpPr>
-        <p:spPr/>
+        <p:spPr>
+          <a:xfrm>
+            <a:off x="838200" y="365125"/>
+            <a:ext cx="10515600" cy="746785"/>
+          </a:xfrm>
+        </p:spPr>
         <p:txBody>
           <a:bodyPr>
             <a:normAutofit/>
@@ -7247,7 +6853,7 @@
           <a:lstStyle/>
           <a:p>
             <a:r>
-              <a:rPr lang="en-US" altLang="ja-JP" sz="3600">
+              <a:rPr lang="en-US" altLang="ja-JP" sz="3600" dirty="0">
                 <a:solidFill>
                   <a:schemeClr val="accent1"/>
                 </a:solidFill>
@@ -7257,7 +6863,7 @@
               <a:t>13.3 </a:t>
             </a:r>
             <a:r>
-              <a:rPr lang="ja-JP" altLang="en-US" sz="3600">
+              <a:rPr lang="ja-JP" altLang="en-US" sz="3600" dirty="0">
                 <a:solidFill>
                   <a:schemeClr val="accent1"/>
                 </a:solidFill>
@@ -7266,13 +6872,6 @@
               </a:rPr>
               <a:t>対話管理への統計的アプローチ</a:t>
             </a:r>
-            <a:endParaRPr kumimoji="1" lang="ja-JP" altLang="en-US" sz="3600">
-              <a:solidFill>
-                <a:schemeClr val="accent1"/>
-              </a:solidFill>
-              <a:latin typeface="メイリオ" panose="020B0604030504040204" pitchFamily="50" charset="-128"/>
-              <a:ea typeface="メイリオ" panose="020B0604030504040204" pitchFamily="50" charset="-128"/>
-            </a:endParaRPr>
           </a:p>
         </p:txBody>
       </p:sp>
@@ -7294,8 +6893,8 @@
         </p:nvSpPr>
         <p:spPr>
           <a:xfrm>
-            <a:off x="628650" y="1603948"/>
-            <a:ext cx="7886700" cy="4573015"/>
+            <a:off x="1143152" y="1194298"/>
+            <a:ext cx="10392917" cy="4573015"/>
           </a:xfrm>
         </p:spPr>
         <p:txBody>
@@ -7306,22 +6905,28 @@
               <a:lnSpc>
                 <a:spcPct val="100000"/>
               </a:lnSpc>
+              <a:spcBef>
+                <a:spcPts val="600"/>
+              </a:spcBef>
+              <a:spcAft>
+                <a:spcPts val="600"/>
+              </a:spcAft>
             </a:pPr>
             <a:r>
-              <a:rPr kumimoji="1" lang="en-US" altLang="ja-JP">
+              <a:rPr kumimoji="1" lang="en-US" altLang="ja-JP" dirty="0">
                 <a:latin typeface="メイリオ" panose="020B0604030504040204" pitchFamily="50" charset="-128"/>
                 <a:ea typeface="メイリオ" panose="020B0604030504040204" pitchFamily="50" charset="-128"/>
               </a:rPr>
               <a:t>POMDP</a:t>
             </a:r>
             <a:r>
-              <a:rPr kumimoji="1" lang="ja-JP" altLang="en-US">
+              <a:rPr kumimoji="1" lang="ja-JP" altLang="en-US" dirty="0">
                 <a:latin typeface="メイリオ" panose="020B0604030504040204" pitchFamily="50" charset="-128"/>
                 <a:ea typeface="メイリオ" panose="020B0604030504040204" pitchFamily="50" charset="-128"/>
               </a:rPr>
               <a:t>による対話管理</a:t>
             </a:r>
-            <a:endParaRPr kumimoji="1" lang="en-US" altLang="ja-JP">
+            <a:endParaRPr kumimoji="1" lang="en-US" altLang="ja-JP" dirty="0">
               <a:latin typeface="メイリオ" panose="020B0604030504040204" pitchFamily="50" charset="-128"/>
               <a:ea typeface="メイリオ" panose="020B0604030504040204" pitchFamily="50" charset="-128"/>
             </a:endParaRPr>
@@ -7331,15 +6936,21 @@
               <a:lnSpc>
                 <a:spcPct val="100000"/>
               </a:lnSpc>
+              <a:spcBef>
+                <a:spcPts val="600"/>
+              </a:spcBef>
+              <a:spcAft>
+                <a:spcPts val="600"/>
+              </a:spcAft>
             </a:pPr>
             <a:r>
-              <a:rPr kumimoji="1" lang="ja-JP" altLang="en-US">
+              <a:rPr kumimoji="1" lang="ja-JP" altLang="en-US" dirty="0">
                 <a:latin typeface="メイリオ" panose="020B0604030504040204" pitchFamily="50" charset="-128"/>
                 <a:ea typeface="メイリオ" panose="020B0604030504040204" pitchFamily="50" charset="-128"/>
               </a:rPr>
               <a:t>現在の状態を、取り得るすべての状態の確率分布（信念）として表現</a:t>
             </a:r>
-            <a:endParaRPr kumimoji="1" lang="en-US" altLang="ja-JP">
+            <a:endParaRPr kumimoji="1" lang="en-US" altLang="ja-JP" dirty="0">
               <a:latin typeface="メイリオ" panose="020B0604030504040204" pitchFamily="50" charset="-128"/>
               <a:ea typeface="メイリオ" panose="020B0604030504040204" pitchFamily="50" charset="-128"/>
             </a:endParaRPr>
@@ -7349,15 +6960,21 @@
               <a:lnSpc>
                 <a:spcPct val="100000"/>
               </a:lnSpc>
+              <a:spcBef>
+                <a:spcPts val="600"/>
+              </a:spcBef>
+              <a:spcAft>
+                <a:spcPts val="600"/>
+              </a:spcAft>
             </a:pPr>
             <a:r>
-              <a:rPr kumimoji="1" lang="ja-JP" altLang="en-US">
+              <a:rPr kumimoji="1" lang="ja-JP" altLang="en-US" dirty="0">
                 <a:latin typeface="メイリオ" panose="020B0604030504040204" pitchFamily="50" charset="-128"/>
                 <a:ea typeface="メイリオ" panose="020B0604030504040204" pitchFamily="50" charset="-128"/>
               </a:rPr>
               <a:t>信念の表現</a:t>
             </a:r>
-            <a:endParaRPr kumimoji="1" lang="en-US" altLang="ja-JP">
+            <a:endParaRPr kumimoji="1" lang="en-US" altLang="ja-JP" dirty="0">
               <a:latin typeface="メイリオ" panose="020B0604030504040204" pitchFamily="50" charset="-128"/>
               <a:ea typeface="メイリオ" panose="020B0604030504040204" pitchFamily="50" charset="-128"/>
             </a:endParaRPr>
@@ -7367,9 +6984,15 @@
               <a:lnSpc>
                 <a:spcPct val="100000"/>
               </a:lnSpc>
+              <a:spcBef>
+                <a:spcPts val="600"/>
+              </a:spcBef>
+              <a:spcAft>
+                <a:spcPts val="600"/>
+              </a:spcAft>
               <a:buNone/>
             </a:pPr>
-            <a:endParaRPr kumimoji="1" lang="en-US" altLang="ja-JP">
+            <a:endParaRPr kumimoji="1" lang="en-US" altLang="ja-JP" dirty="0">
               <a:latin typeface="メイリオ" panose="020B0604030504040204" pitchFamily="50" charset="-128"/>
               <a:ea typeface="メイリオ" panose="020B0604030504040204" pitchFamily="50" charset="-128"/>
             </a:endParaRPr>
@@ -7379,15 +7002,21 @@
               <a:lnSpc>
                 <a:spcPct val="100000"/>
               </a:lnSpc>
+              <a:spcBef>
+                <a:spcPts val="600"/>
+              </a:spcBef>
+              <a:spcAft>
+                <a:spcPts val="600"/>
+              </a:spcAft>
             </a:pPr>
             <a:r>
-              <a:rPr kumimoji="1" lang="ja-JP" altLang="en-US">
+              <a:rPr kumimoji="1" lang="ja-JP" altLang="en-US" dirty="0">
                 <a:latin typeface="メイリオ" panose="020B0604030504040204" pitchFamily="50" charset="-128"/>
                 <a:ea typeface="メイリオ" panose="020B0604030504040204" pitchFamily="50" charset="-128"/>
               </a:rPr>
               <a:t>信念と行為のマッピングを強化学習</a:t>
             </a:r>
-            <a:endParaRPr kumimoji="1" lang="en-US" altLang="ja-JP">
+            <a:endParaRPr kumimoji="1" lang="en-US" altLang="ja-JP" dirty="0">
               <a:latin typeface="メイリオ" panose="020B0604030504040204" pitchFamily="50" charset="-128"/>
               <a:ea typeface="メイリオ" panose="020B0604030504040204" pitchFamily="50" charset="-128"/>
             </a:endParaRPr>
@@ -7397,9 +7026,15 @@
               <a:lnSpc>
                 <a:spcPct val="100000"/>
               </a:lnSpc>
+              <a:spcBef>
+                <a:spcPts val="600"/>
+              </a:spcBef>
+              <a:spcAft>
+                <a:spcPts val="600"/>
+              </a:spcAft>
             </a:pPr>
             <a:r>
-              <a:rPr kumimoji="1" lang="ja-JP" altLang="en-US">
+              <a:rPr kumimoji="1" lang="ja-JP" altLang="en-US" dirty="0">
                 <a:latin typeface="メイリオ" panose="020B0604030504040204" pitchFamily="50" charset="-128"/>
                 <a:ea typeface="メイリオ" panose="020B0604030504040204" pitchFamily="50" charset="-128"/>
               </a:rPr>
@@ -7430,7 +7065,7 @@
         </p:blipFill>
         <p:spPr>
           <a:xfrm>
-            <a:off x="3474505" y="2846800"/>
+            <a:off x="4170832" y="2345680"/>
             <a:ext cx="1925168" cy="354930"/>
           </a:xfrm>
           <a:prstGeom prst="rect">
@@ -7452,7 +7087,7 @@
         </p:nvSpPr>
         <p:spPr>
           <a:xfrm>
-            <a:off x="5883640" y="2839599"/>
+            <a:off x="6478612" y="2331278"/>
             <a:ext cx="2036135" cy="369332"/>
           </a:xfrm>
           <a:prstGeom prst="rect">
@@ -7467,36 +7102,35 @@
           <a:lstStyle/>
           <a:p>
             <a:r>
-              <a:rPr lang="en-US" altLang="ja-JP" b="1" i="1">
+              <a:rPr lang="en-US" altLang="ja-JP" b="1" i="1" dirty="0" err="1">
                 <a:latin typeface="Century Schoolbook" panose="02040604050505020304" pitchFamily="18" charset="0"/>
               </a:rPr>
               <a:t>o</a:t>
             </a:r>
             <a:r>
-              <a:rPr lang="en-US" altLang="ja-JP" i="1" baseline="-25000">
+              <a:rPr lang="en-US" altLang="ja-JP" i="1" baseline="-25000" dirty="0" err="1">
                 <a:latin typeface="Century Schoolbook" panose="02040604050505020304" pitchFamily="18" charset="0"/>
               </a:rPr>
               <a:t>t</a:t>
             </a:r>
             <a:r>
-              <a:rPr lang="en-US" altLang="ja-JP"/>
+              <a:rPr lang="en-US" altLang="ja-JP" dirty="0"/>
               <a:t> : </a:t>
             </a:r>
             <a:r>
-              <a:rPr lang="ja-JP" altLang="en-US"/>
+              <a:rPr lang="ja-JP" altLang="en-US" dirty="0"/>
               <a:t>時刻</a:t>
             </a:r>
             <a:r>
-              <a:rPr lang="en-US" altLang="ja-JP" i="1">
+              <a:rPr lang="en-US" altLang="ja-JP" i="1" dirty="0">
                 <a:latin typeface="Century Schoolbook" panose="02040604050505020304" pitchFamily="18" charset="0"/>
               </a:rPr>
               <a:t>t</a:t>
             </a:r>
             <a:r>
-              <a:rPr lang="ja-JP" altLang="en-US"/>
+              <a:rPr lang="ja-JP" altLang="en-US" dirty="0"/>
               <a:t>での観測</a:t>
             </a:r>
-            <a:endParaRPr kumimoji="1" lang="ja-JP" altLang="en-US"/>
           </a:p>
         </p:txBody>
       </p:sp>
@@ -7548,7 +7182,7 @@
         </p:nvSpPr>
         <p:spPr>
           <a:xfrm>
-            <a:off x="628650" y="365126"/>
+            <a:off x="492801" y="390568"/>
             <a:ext cx="7886700" cy="764645"/>
           </a:xfrm>
         </p:spPr>
@@ -7559,7 +7193,7 @@
           <a:lstStyle/>
           <a:p>
             <a:r>
-              <a:rPr lang="ja-JP" altLang="en-US" sz="3200">
+              <a:rPr lang="ja-JP" altLang="en-US" sz="3200" dirty="0">
                 <a:solidFill>
                   <a:schemeClr val="accent1"/>
                 </a:solidFill>
@@ -7568,13 +7202,6 @@
               </a:rPr>
               <a:t>ニューラルネットワークによる対話管理</a:t>
             </a:r>
-            <a:endParaRPr kumimoji="1" lang="ja-JP" altLang="en-US" sz="3200">
-              <a:solidFill>
-                <a:schemeClr val="accent1"/>
-              </a:solidFill>
-              <a:latin typeface="メイリオ" panose="020B0604030504040204" pitchFamily="50" charset="-128"/>
-              <a:ea typeface="メイリオ" panose="020B0604030504040204" pitchFamily="50" charset="-128"/>
-            </a:endParaRPr>
           </a:p>
         </p:txBody>
       </p:sp>
@@ -7596,8 +7223,8 @@
         </p:nvSpPr>
         <p:spPr>
           <a:xfrm>
-            <a:off x="582128" y="1129771"/>
-            <a:ext cx="7886700" cy="4573015"/>
+            <a:off x="811987" y="1129772"/>
+            <a:ext cx="9180841" cy="4573015"/>
           </a:xfrm>
         </p:spPr>
         <p:txBody>
@@ -7610,20 +7237,20 @@
               </a:lnSpc>
             </a:pPr>
             <a:r>
-              <a:rPr kumimoji="1" lang="en-US" altLang="ja-JP">
+              <a:rPr kumimoji="1" lang="en-US" altLang="ja-JP" dirty="0">
                 <a:latin typeface="メイリオ" panose="020B0604030504040204" pitchFamily="50" charset="-128"/>
                 <a:ea typeface="メイリオ" panose="020B0604030504040204" pitchFamily="50" charset="-128"/>
               </a:rPr>
               <a:t>RNN</a:t>
             </a:r>
             <a:r>
-              <a:rPr kumimoji="1" lang="ja-JP" altLang="en-US">
+              <a:rPr kumimoji="1" lang="ja-JP" altLang="en-US" dirty="0">
                 <a:latin typeface="メイリオ" panose="020B0604030504040204" pitchFamily="50" charset="-128"/>
                 <a:ea typeface="メイリオ" panose="020B0604030504040204" pitchFamily="50" charset="-128"/>
               </a:rPr>
               <a:t>による信念の推定</a:t>
             </a:r>
-            <a:endParaRPr kumimoji="1" lang="en-US" altLang="ja-JP">
+            <a:endParaRPr kumimoji="1" lang="en-US" altLang="ja-JP" dirty="0">
               <a:latin typeface="メイリオ" panose="020B0604030504040204" pitchFamily="50" charset="-128"/>
               <a:ea typeface="メイリオ" panose="020B0604030504040204" pitchFamily="50" charset="-128"/>
             </a:endParaRPr>
@@ -7635,34 +7262,34 @@
               </a:lnSpc>
             </a:pPr>
             <a:r>
-              <a:rPr kumimoji="1" lang="ja-JP" altLang="en-US">
+              <a:rPr kumimoji="1" lang="ja-JP" altLang="en-US" dirty="0">
                 <a:latin typeface="メイリオ" panose="020B0604030504040204" pitchFamily="50" charset="-128"/>
                 <a:ea typeface="メイリオ" panose="020B0604030504040204" pitchFamily="50" charset="-128"/>
               </a:rPr>
               <a:t>対話の開始時点から時刻 </a:t>
             </a:r>
             <a:r>
-              <a:rPr kumimoji="1" lang="en-US" altLang="ja-JP" i="1">
+              <a:rPr kumimoji="1" lang="en-US" altLang="ja-JP" i="1" dirty="0">
                 <a:latin typeface="Century Schoolbook" panose="02040604050505020304" pitchFamily="18" charset="0"/>
                 <a:ea typeface="メイリオ" panose="020B0604030504040204" pitchFamily="50" charset="-128"/>
               </a:rPr>
               <a:t>t</a:t>
             </a:r>
             <a:r>
-              <a:rPr kumimoji="1" lang="en-US" altLang="ja-JP">
+              <a:rPr kumimoji="1" lang="en-US" altLang="ja-JP" dirty="0">
                 <a:latin typeface="メイリオ" panose="020B0604030504040204" pitchFamily="50" charset="-128"/>
                 <a:ea typeface="メイリオ" panose="020B0604030504040204" pitchFamily="50" charset="-128"/>
               </a:rPr>
               <a:t> </a:t>
             </a:r>
             <a:r>
-              <a:rPr kumimoji="1" lang="ja-JP" altLang="en-US">
+              <a:rPr kumimoji="1" lang="ja-JP" altLang="en-US" dirty="0">
                 <a:latin typeface="メイリオ" panose="020B0604030504040204" pitchFamily="50" charset="-128"/>
                 <a:ea typeface="メイリオ" panose="020B0604030504040204" pitchFamily="50" charset="-128"/>
               </a:rPr>
               <a:t>までの観測に基づいた信念の表現</a:t>
             </a:r>
-            <a:endParaRPr kumimoji="1" lang="en-US" altLang="ja-JP">
+            <a:endParaRPr kumimoji="1" lang="en-US" altLang="ja-JP" dirty="0">
               <a:latin typeface="メイリオ" panose="020B0604030504040204" pitchFamily="50" charset="-128"/>
               <a:ea typeface="メイリオ" panose="020B0604030504040204" pitchFamily="50" charset="-128"/>
             </a:endParaRPr>
@@ -7674,7 +7301,7 @@
               </a:lnSpc>
               <a:buNone/>
             </a:pPr>
-            <a:endParaRPr kumimoji="1" lang="en-US" altLang="ja-JP">
+            <a:endParaRPr kumimoji="1" lang="en-US" altLang="ja-JP" dirty="0">
               <a:latin typeface="メイリオ" panose="020B0604030504040204" pitchFamily="50" charset="-128"/>
               <a:ea typeface="メイリオ" panose="020B0604030504040204" pitchFamily="50" charset="-128"/>
             </a:endParaRPr>
@@ -7686,27 +7313,27 @@
               </a:lnSpc>
             </a:pPr>
             <a:r>
-              <a:rPr kumimoji="1" lang="ja-JP" altLang="en-US">
+              <a:rPr kumimoji="1" lang="ja-JP" altLang="en-US" dirty="0">
                 <a:latin typeface="メイリオ" panose="020B0604030504040204" pitchFamily="50" charset="-128"/>
                 <a:ea typeface="メイリオ" panose="020B0604030504040204" pitchFamily="50" charset="-128"/>
               </a:rPr>
               <a:t>リカレントネットワーク </a:t>
             </a:r>
             <a:r>
-              <a:rPr kumimoji="1" lang="en-US" altLang="ja-JP">
+              <a:rPr kumimoji="1" lang="en-US" altLang="ja-JP" dirty="0">
                 <a:latin typeface="メイリオ" panose="020B0604030504040204" pitchFamily="50" charset="-128"/>
                 <a:ea typeface="メイリオ" panose="020B0604030504040204" pitchFamily="50" charset="-128"/>
               </a:rPr>
               <a:t>(RNN) </a:t>
             </a:r>
             <a:r>
-              <a:rPr kumimoji="1" lang="ja-JP" altLang="en-US">
+              <a:rPr kumimoji="1" lang="ja-JP" altLang="en-US" dirty="0">
                 <a:latin typeface="メイリオ" panose="020B0604030504040204" pitchFamily="50" charset="-128"/>
                 <a:ea typeface="メイリオ" panose="020B0604030504040204" pitchFamily="50" charset="-128"/>
               </a:rPr>
               <a:t>で表現可能</a:t>
             </a:r>
-            <a:endParaRPr kumimoji="1" lang="en-US" altLang="ja-JP">
+            <a:endParaRPr kumimoji="1" lang="en-US" altLang="ja-JP" dirty="0">
               <a:latin typeface="メイリオ" panose="020B0604030504040204" pitchFamily="50" charset="-128"/>
               <a:ea typeface="メイリオ" panose="020B0604030504040204" pitchFamily="50" charset="-128"/>
             </a:endParaRPr>
@@ -7735,7 +7362,7 @@
         </p:blipFill>
         <p:spPr>
           <a:xfrm>
-            <a:off x="3140793" y="2337538"/>
+            <a:off x="4585684" y="2074678"/>
             <a:ext cx="2147168" cy="354930"/>
           </a:xfrm>
           <a:prstGeom prst="rect">
@@ -7757,7 +7384,7 @@
         </p:nvSpPr>
         <p:spPr>
           <a:xfrm>
-            <a:off x="3041477" y="3796322"/>
+            <a:off x="4624000" y="3534290"/>
             <a:ext cx="307299" cy="277318"/>
           </a:xfrm>
           <a:prstGeom prst="ellipse">
@@ -7791,7 +7418,7 @@
           <a:lstStyle/>
           <a:p>
             <a:pPr algn="ctr"/>
-            <a:endParaRPr kumimoji="1" lang="ja-JP" altLang="en-US"/>
+            <a:endParaRPr lang="ja-JP" altLang="en-US"/>
           </a:p>
         </p:txBody>
       </p:sp>
@@ -7809,7 +7436,7 @@
         </p:nvSpPr>
         <p:spPr>
           <a:xfrm>
-            <a:off x="3790560" y="3793742"/>
+            <a:off x="5373083" y="3531710"/>
             <a:ext cx="307299" cy="277318"/>
           </a:xfrm>
           <a:prstGeom prst="ellipse">
@@ -7843,7 +7470,7 @@
           <a:lstStyle/>
           <a:p>
             <a:pPr algn="ctr"/>
-            <a:endParaRPr kumimoji="1" lang="ja-JP" altLang="en-US"/>
+            <a:endParaRPr lang="ja-JP" altLang="en-US"/>
           </a:p>
         </p:txBody>
       </p:sp>
@@ -7861,7 +7488,7 @@
         </p:nvSpPr>
         <p:spPr>
           <a:xfrm>
-            <a:off x="4552841" y="3817092"/>
+            <a:off x="6135364" y="3555060"/>
             <a:ext cx="307299" cy="277318"/>
           </a:xfrm>
           <a:prstGeom prst="ellipse">
@@ -7895,7 +7522,7 @@
           <a:lstStyle/>
           <a:p>
             <a:pPr algn="ctr"/>
-            <a:endParaRPr kumimoji="1" lang="ja-JP" altLang="en-US"/>
+            <a:endParaRPr lang="ja-JP" altLang="en-US"/>
           </a:p>
         </p:txBody>
       </p:sp>
@@ -7913,7 +7540,7 @@
         </p:nvSpPr>
         <p:spPr>
           <a:xfrm>
-            <a:off x="5301924" y="3814512"/>
+            <a:off x="6884447" y="3552480"/>
             <a:ext cx="307299" cy="277318"/>
           </a:xfrm>
           <a:prstGeom prst="ellipse">
@@ -7947,7 +7574,7 @@
           <a:lstStyle/>
           <a:p>
             <a:pPr algn="ctr"/>
-            <a:endParaRPr kumimoji="1" lang="ja-JP" altLang="en-US"/>
+            <a:endParaRPr lang="ja-JP" altLang="en-US"/>
           </a:p>
         </p:txBody>
       </p:sp>
@@ -7965,7 +7592,7 @@
         </p:nvSpPr>
         <p:spPr>
           <a:xfrm>
-            <a:off x="6061415" y="3814512"/>
+            <a:off x="7643938" y="3552480"/>
             <a:ext cx="307299" cy="277318"/>
           </a:xfrm>
           <a:prstGeom prst="ellipse">
@@ -7999,7 +7626,7 @@
           <a:lstStyle/>
           <a:p>
             <a:pPr algn="ctr"/>
-            <a:endParaRPr kumimoji="1" lang="ja-JP" altLang="en-US"/>
+            <a:endParaRPr lang="ja-JP" altLang="en-US"/>
           </a:p>
         </p:txBody>
       </p:sp>
@@ -8017,7 +7644,7 @@
         </p:nvSpPr>
         <p:spPr>
           <a:xfrm>
-            <a:off x="6810498" y="3811932"/>
+            <a:off x="8393021" y="3549900"/>
             <a:ext cx="307299" cy="277318"/>
           </a:xfrm>
           <a:prstGeom prst="ellipse">
@@ -8051,7 +7678,7 @@
           <a:lstStyle/>
           <a:p>
             <a:pPr algn="ctr"/>
-            <a:endParaRPr kumimoji="1" lang="ja-JP" altLang="en-US"/>
+            <a:endParaRPr lang="ja-JP" altLang="en-US"/>
           </a:p>
         </p:txBody>
       </p:sp>
@@ -8069,7 +7696,7 @@
         </p:nvSpPr>
         <p:spPr>
           <a:xfrm>
-            <a:off x="457199" y="3611104"/>
+            <a:off x="2039721" y="3349073"/>
             <a:ext cx="2262158" cy="646331"/>
           </a:xfrm>
           <a:prstGeom prst="rect">
@@ -8084,14 +7711,14 @@
           <a:lstStyle/>
           <a:p>
             <a:r>
-              <a:rPr kumimoji="1" lang="ja-JP" altLang="en-US"/>
+              <a:rPr lang="ja-JP" altLang="en-US"/>
               <a:t>入力：ベクトル表現</a:t>
             </a:r>
-            <a:endParaRPr kumimoji="1" lang="en-US" altLang="ja-JP"/>
-          </a:p>
-          <a:p>
-            <a:r>
-              <a:rPr kumimoji="1" lang="ja-JP" altLang="en-US"/>
+            <a:endParaRPr lang="en-US" altLang="ja-JP"/>
+          </a:p>
+          <a:p>
+            <a:r>
+              <a:rPr lang="ja-JP" altLang="en-US"/>
               <a:t>されたユーザ発話</a:t>
             </a:r>
           </a:p>
@@ -8111,7 +7738,7 @@
         </p:nvSpPr>
         <p:spPr>
           <a:xfrm>
-            <a:off x="3636910" y="4836987"/>
+            <a:off x="5219433" y="4574955"/>
             <a:ext cx="307299" cy="277318"/>
           </a:xfrm>
           <a:prstGeom prst="ellipse">
@@ -8145,7 +7772,7 @@
           <a:lstStyle/>
           <a:p>
             <a:pPr algn="ctr"/>
-            <a:endParaRPr kumimoji="1" lang="ja-JP" altLang="en-US"/>
+            <a:endParaRPr lang="ja-JP" altLang="en-US"/>
           </a:p>
         </p:txBody>
       </p:sp>
@@ -8163,7 +7790,7 @@
         </p:nvSpPr>
         <p:spPr>
           <a:xfrm>
-            <a:off x="4385993" y="4834407"/>
+            <a:off x="5968516" y="4572375"/>
             <a:ext cx="307299" cy="277318"/>
           </a:xfrm>
           <a:prstGeom prst="ellipse">
@@ -8197,7 +7824,7 @@
           <a:lstStyle/>
           <a:p>
             <a:pPr algn="ctr"/>
-            <a:endParaRPr kumimoji="1" lang="ja-JP" altLang="en-US"/>
+            <a:endParaRPr lang="ja-JP" altLang="en-US"/>
           </a:p>
         </p:txBody>
       </p:sp>
@@ -8215,7 +7842,7 @@
         </p:nvSpPr>
         <p:spPr>
           <a:xfrm>
-            <a:off x="5145484" y="4834407"/>
+            <a:off x="6728007" y="4572375"/>
             <a:ext cx="307299" cy="277318"/>
           </a:xfrm>
           <a:prstGeom prst="ellipse">
@@ -8249,7 +7876,7 @@
           <a:lstStyle/>
           <a:p>
             <a:pPr algn="ctr"/>
-            <a:endParaRPr kumimoji="1" lang="ja-JP" altLang="en-US"/>
+            <a:endParaRPr lang="ja-JP" altLang="en-US"/>
           </a:p>
         </p:txBody>
       </p:sp>
@@ -8267,7 +7894,7 @@
         </p:nvSpPr>
         <p:spPr>
           <a:xfrm>
-            <a:off x="5894567" y="4831827"/>
+            <a:off x="7477090" y="4569795"/>
             <a:ext cx="307299" cy="277318"/>
           </a:xfrm>
           <a:prstGeom prst="ellipse">
@@ -8301,7 +7928,7 @@
           <a:lstStyle/>
           <a:p>
             <a:pPr algn="ctr"/>
-            <a:endParaRPr kumimoji="1" lang="ja-JP" altLang="en-US"/>
+            <a:endParaRPr lang="ja-JP" altLang="en-US"/>
           </a:p>
         </p:txBody>
       </p:sp>
@@ -8319,7 +7946,7 @@
         </p:nvSpPr>
         <p:spPr>
           <a:xfrm>
-            <a:off x="3261034" y="5722566"/>
+            <a:off x="4843557" y="5460534"/>
             <a:ext cx="307299" cy="277318"/>
           </a:xfrm>
           <a:prstGeom prst="ellipse">
@@ -8353,7 +7980,7 @@
           <a:lstStyle/>
           <a:p>
             <a:pPr algn="ctr"/>
-            <a:endParaRPr kumimoji="1" lang="ja-JP" altLang="en-US"/>
+            <a:endParaRPr lang="ja-JP" altLang="en-US"/>
           </a:p>
         </p:txBody>
       </p:sp>
@@ -8371,7 +7998,7 @@
         </p:nvSpPr>
         <p:spPr>
           <a:xfrm>
-            <a:off x="4023315" y="5745916"/>
+            <a:off x="5605838" y="5483884"/>
             <a:ext cx="307299" cy="277318"/>
           </a:xfrm>
           <a:prstGeom prst="ellipse">
@@ -8405,7 +8032,7 @@
           <a:lstStyle/>
           <a:p>
             <a:pPr algn="ctr"/>
-            <a:endParaRPr kumimoji="1" lang="ja-JP" altLang="en-US"/>
+            <a:endParaRPr lang="ja-JP" altLang="en-US"/>
           </a:p>
         </p:txBody>
       </p:sp>
@@ -8423,7 +8050,7 @@
         </p:nvSpPr>
         <p:spPr>
           <a:xfrm>
-            <a:off x="4772398" y="5743336"/>
+            <a:off x="6354921" y="5481304"/>
             <a:ext cx="307299" cy="277318"/>
           </a:xfrm>
           <a:prstGeom prst="ellipse">
@@ -8457,7 +8084,7 @@
           <a:lstStyle/>
           <a:p>
             <a:pPr algn="ctr"/>
-            <a:endParaRPr kumimoji="1" lang="ja-JP" altLang="en-US"/>
+            <a:endParaRPr lang="ja-JP" altLang="en-US"/>
           </a:p>
         </p:txBody>
       </p:sp>
@@ -8475,7 +8102,7 @@
         </p:nvSpPr>
         <p:spPr>
           <a:xfrm>
-            <a:off x="5531889" y="5743336"/>
+            <a:off x="7114412" y="5481304"/>
             <a:ext cx="307299" cy="277318"/>
           </a:xfrm>
           <a:prstGeom prst="ellipse">
@@ -8509,7 +8136,7 @@
           <a:lstStyle/>
           <a:p>
             <a:pPr algn="ctr"/>
-            <a:endParaRPr kumimoji="1" lang="ja-JP" altLang="en-US"/>
+            <a:endParaRPr lang="ja-JP" altLang="en-US"/>
           </a:p>
         </p:txBody>
       </p:sp>
@@ -8527,7 +8154,7 @@
         </p:nvSpPr>
         <p:spPr>
           <a:xfrm>
-            <a:off x="6280972" y="5740756"/>
+            <a:off x="7863495" y="5478724"/>
             <a:ext cx="307299" cy="277318"/>
           </a:xfrm>
           <a:prstGeom prst="ellipse">
@@ -8561,7 +8188,7 @@
           <a:lstStyle/>
           <a:p>
             <a:pPr algn="ctr"/>
-            <a:endParaRPr kumimoji="1" lang="ja-JP" altLang="en-US"/>
+            <a:endParaRPr lang="ja-JP" altLang="en-US"/>
           </a:p>
         </p:txBody>
       </p:sp>
@@ -8579,7 +8206,7 @@
         </p:nvSpPr>
         <p:spPr>
           <a:xfrm>
-            <a:off x="3261034" y="4641742"/>
+            <a:off x="4843557" y="4379710"/>
             <a:ext cx="3327237" cy="643180"/>
           </a:xfrm>
           <a:prstGeom prst="rect">
@@ -8613,7 +8240,7 @@
           <a:lstStyle/>
           <a:p>
             <a:pPr algn="ctr"/>
-            <a:endParaRPr kumimoji="1" lang="ja-JP" altLang="en-US"/>
+            <a:endParaRPr lang="ja-JP" altLang="en-US"/>
           </a:p>
         </p:txBody>
       </p:sp>
@@ -8634,7 +8261,7 @@
         </p:nvCxnSpPr>
         <p:spPr>
           <a:xfrm>
-            <a:off x="3195127" y="4073640"/>
+            <a:off x="4777649" y="3811609"/>
             <a:ext cx="486786" cy="803959"/>
           </a:xfrm>
           <a:prstGeom prst="straightConnector1">
@@ -8680,7 +8307,7 @@
         </p:nvCxnSpPr>
         <p:spPr>
           <a:xfrm>
-            <a:off x="3195127" y="4073640"/>
+            <a:off x="4777650" y="3811609"/>
             <a:ext cx="1235869" cy="801379"/>
           </a:xfrm>
           <a:prstGeom prst="straightConnector1">
@@ -8725,7 +8352,7 @@
         </p:nvCxnSpPr>
         <p:spPr>
           <a:xfrm>
-            <a:off x="3168277" y="4058932"/>
+            <a:off x="4750799" y="3796901"/>
             <a:ext cx="2022210" cy="816087"/>
           </a:xfrm>
           <a:prstGeom prst="straightConnector1">
@@ -8771,7 +8398,7 @@
         </p:nvCxnSpPr>
         <p:spPr>
           <a:xfrm>
-            <a:off x="3195127" y="4073640"/>
+            <a:off x="4777650" y="3811609"/>
             <a:ext cx="2744443" cy="798799"/>
           </a:xfrm>
           <a:prstGeom prst="straightConnector1">
@@ -8817,7 +8444,7 @@
         </p:nvCxnSpPr>
         <p:spPr>
           <a:xfrm flipH="1">
-            <a:off x="6156863" y="4089250"/>
+            <a:off x="7739386" y="3827219"/>
             <a:ext cx="807285" cy="783189"/>
           </a:xfrm>
           <a:prstGeom prst="straightConnector1">
@@ -8863,7 +8490,7 @@
         </p:nvCxnSpPr>
         <p:spPr>
           <a:xfrm flipH="1">
-            <a:off x="5452783" y="4048638"/>
+            <a:off x="7035305" y="3786606"/>
             <a:ext cx="1402718" cy="924428"/>
           </a:xfrm>
           <a:prstGeom prst="straightConnector1">
@@ -8909,7 +8536,7 @@
         </p:nvCxnSpPr>
         <p:spPr>
           <a:xfrm flipH="1">
-            <a:off x="3899206" y="4048638"/>
+            <a:off x="5481729" y="3786607"/>
             <a:ext cx="2956295" cy="828961"/>
           </a:xfrm>
           <a:prstGeom prst="straightConnector1">
@@ -8953,7 +8580,7 @@
         </p:nvCxnSpPr>
         <p:spPr>
           <a:xfrm flipH="1">
-            <a:off x="4648289" y="4048638"/>
+            <a:off x="6230811" y="3786607"/>
             <a:ext cx="2207212" cy="826381"/>
           </a:xfrm>
           <a:prstGeom prst="straightConnector1">
@@ -8999,7 +8626,7 @@
         </p:nvCxnSpPr>
         <p:spPr>
           <a:xfrm flipH="1">
-            <a:off x="3414684" y="5073693"/>
+            <a:off x="4997207" y="4811662"/>
             <a:ext cx="267229" cy="648873"/>
           </a:xfrm>
           <a:prstGeom prst="straightConnector1">
@@ -9045,7 +8672,7 @@
         </p:nvCxnSpPr>
         <p:spPr>
           <a:xfrm>
-            <a:off x="3790560" y="5114305"/>
+            <a:off x="5373082" y="4852274"/>
             <a:ext cx="277758" cy="672223"/>
           </a:xfrm>
           <a:prstGeom prst="straightConnector1">
@@ -9091,7 +8718,7 @@
         </p:nvCxnSpPr>
         <p:spPr>
           <a:xfrm>
-            <a:off x="3899206" y="5073693"/>
+            <a:off x="5481729" y="4811662"/>
             <a:ext cx="918195" cy="710255"/>
           </a:xfrm>
           <a:prstGeom prst="straightConnector1">
@@ -9137,7 +8764,7 @@
         </p:nvCxnSpPr>
         <p:spPr>
           <a:xfrm>
-            <a:off x="3899206" y="5073693"/>
+            <a:off x="5481728" y="4811662"/>
             <a:ext cx="1677686" cy="710255"/>
           </a:xfrm>
           <a:prstGeom prst="straightConnector1">
@@ -9183,7 +8810,7 @@
         </p:nvCxnSpPr>
         <p:spPr>
           <a:xfrm>
-            <a:off x="3899206" y="5073693"/>
+            <a:off x="5481729" y="4811662"/>
             <a:ext cx="2426769" cy="707675"/>
           </a:xfrm>
           <a:prstGeom prst="straightConnector1">
@@ -9229,7 +8856,7 @@
         </p:nvCxnSpPr>
         <p:spPr>
           <a:xfrm flipH="1">
-            <a:off x="3523330" y="4970486"/>
+            <a:off x="5105853" y="4708454"/>
             <a:ext cx="2371237" cy="792692"/>
           </a:xfrm>
           <a:prstGeom prst="straightConnector1">
@@ -9275,7 +8902,7 @@
         </p:nvCxnSpPr>
         <p:spPr>
           <a:xfrm flipH="1">
-            <a:off x="4285611" y="4970486"/>
+            <a:off x="5868133" y="4708454"/>
             <a:ext cx="1608956" cy="816042"/>
           </a:xfrm>
           <a:prstGeom prst="straightConnector1">
@@ -9321,7 +8948,7 @@
         </p:nvCxnSpPr>
         <p:spPr>
           <a:xfrm flipH="1">
-            <a:off x="4926048" y="5068533"/>
+            <a:off x="6508570" y="4806502"/>
             <a:ext cx="1013522" cy="674803"/>
           </a:xfrm>
           <a:prstGeom prst="straightConnector1">
@@ -9366,7 +8993,7 @@
         </p:nvCxnSpPr>
         <p:spPr>
           <a:xfrm flipH="1">
-            <a:off x="5685539" y="5122886"/>
+            <a:off x="7268061" y="4860854"/>
             <a:ext cx="361428" cy="620450"/>
           </a:xfrm>
           <a:prstGeom prst="straightConnector1">
@@ -9411,7 +9038,7 @@
         </p:nvCxnSpPr>
         <p:spPr>
           <a:xfrm>
-            <a:off x="6046967" y="5122886"/>
+            <a:off x="7629490" y="4860854"/>
             <a:ext cx="387655" cy="617870"/>
           </a:xfrm>
           <a:prstGeom prst="straightConnector1">
@@ -9453,7 +9080,7 @@
         </p:nvSpPr>
         <p:spPr>
           <a:xfrm>
-            <a:off x="742947" y="5623303"/>
+            <a:off x="2325469" y="5361271"/>
             <a:ext cx="1338828" cy="369332"/>
           </a:xfrm>
           <a:prstGeom prst="rect">
@@ -9468,7 +9095,7 @@
           <a:lstStyle/>
           <a:p>
             <a:r>
-              <a:rPr kumimoji="1" lang="ja-JP" altLang="en-US"/>
+              <a:rPr lang="ja-JP" altLang="en-US"/>
               <a:t>出力：信念</a:t>
             </a:r>
           </a:p>
@@ -9488,7 +9115,7 @@
         </p:nvSpPr>
         <p:spPr>
           <a:xfrm>
-            <a:off x="6580840" y="4676278"/>
+            <a:off x="8163362" y="4414247"/>
             <a:ext cx="441784" cy="574107"/>
           </a:xfrm>
           <a:prstGeom prst="curvedLeftArrow">
@@ -9516,7 +9143,7 @@
           <a:lstStyle/>
           <a:p>
             <a:pPr algn="ctr"/>
-            <a:endParaRPr kumimoji="1" lang="ja-JP" altLang="en-US">
+            <a:endParaRPr lang="ja-JP" altLang="en-US">
               <a:solidFill>
                 <a:schemeClr val="tx1"/>
               </a:solidFill>
@@ -9540,7 +9167,7 @@
 <file path=ppt/theme/theme1.xml><?xml version="1.0" encoding="utf-8"?>
 <a:theme xmlns:a="http://schemas.openxmlformats.org/drawingml/2006/main" name="Office テーマ">
   <a:themeElements>
-    <a:clrScheme name="Office">
+    <a:clrScheme name="Office テーマ">
       <a:dk1>
         <a:sysClr val="windowText" lastClr="000000"/>
       </a:dk1>
@@ -9578,9 +9205,9 @@
         <a:srgbClr val="954F72"/>
       </a:folHlink>
     </a:clrScheme>
-    <a:fontScheme name="Office">
+    <a:fontScheme name="Office テーマ">
       <a:majorFont>
-        <a:latin typeface="游ゴシック Light" panose="020F0302020204030204"/>
+        <a:latin typeface="Calibri Light" panose="020F0302020204030204"/>
         <a:ea typeface=""/>
         <a:cs typeface=""/>
         <a:font script="Jpan" typeface="游ゴシック Light"/>
@@ -9613,26 +9240,9 @@
         <a:font script="Viet" typeface="Times New Roman"/>
         <a:font script="Uigh" typeface="Microsoft Uighur"/>
         <a:font script="Geor" typeface="Sylfaen"/>
-        <a:font script="Armn" typeface="Arial"/>
-        <a:font script="Bugi" typeface="Leelawadee UI"/>
-        <a:font script="Bopo" typeface="Microsoft JhengHei"/>
-        <a:font script="Java" typeface="Javanese Text"/>
-        <a:font script="Lisu" typeface="Segoe UI"/>
-        <a:font script="Mymr" typeface="Myanmar Text"/>
-        <a:font script="Nkoo" typeface="Ebrima"/>
-        <a:font script="Olck" typeface="Nirmala UI"/>
-        <a:font script="Osma" typeface="Ebrima"/>
-        <a:font script="Phag" typeface="Phagspa"/>
-        <a:font script="Syrn" typeface="Estrangelo Edessa"/>
-        <a:font script="Syrj" typeface="Estrangelo Edessa"/>
-        <a:font script="Syre" typeface="Estrangelo Edessa"/>
-        <a:font script="Sora" typeface="Nirmala UI"/>
-        <a:font script="Tale" typeface="Microsoft Tai Le"/>
-        <a:font script="Talu" typeface="Microsoft New Tai Lue"/>
-        <a:font script="Tfng" typeface="Ebrima"/>
       </a:majorFont>
       <a:minorFont>
-        <a:latin typeface="游ゴシック" panose="020F0502020204030204"/>
+        <a:latin typeface="Calibri" panose="020F0502020204030204"/>
         <a:ea typeface=""/>
         <a:cs typeface=""/>
         <a:font script="Jpan" typeface="游ゴシック"/>
@@ -9665,26 +9275,9 @@
         <a:font script="Viet" typeface="Arial"/>
         <a:font script="Uigh" typeface="Microsoft Uighur"/>
         <a:font script="Geor" typeface="Sylfaen"/>
-        <a:font script="Armn" typeface="Arial"/>
-        <a:font script="Bugi" typeface="Leelawadee UI"/>
-        <a:font script="Bopo" typeface="Microsoft JhengHei"/>
-        <a:font script="Java" typeface="Javanese Text"/>
-        <a:font script="Lisu" typeface="Segoe UI"/>
-        <a:font script="Mymr" typeface="Myanmar Text"/>
-        <a:font script="Nkoo" typeface="Ebrima"/>
-        <a:font script="Olck" typeface="Nirmala UI"/>
-        <a:font script="Osma" typeface="Ebrima"/>
-        <a:font script="Phag" typeface="Phagspa"/>
-        <a:font script="Syrn" typeface="Estrangelo Edessa"/>
-        <a:font script="Syrj" typeface="Estrangelo Edessa"/>
-        <a:font script="Syre" typeface="Estrangelo Edessa"/>
-        <a:font script="Sora" typeface="Nirmala UI"/>
-        <a:font script="Tale" typeface="Microsoft Tai Le"/>
-        <a:font script="Talu" typeface="Microsoft New Tai Lue"/>
-        <a:font script="Tfng" typeface="Ebrima"/>
       </a:minorFont>
     </a:fontScheme>
-    <a:fmtScheme name="Office">
+    <a:fmtScheme name="Office テーマ">
       <a:fillStyleLst>
         <a:solidFill>
           <a:schemeClr val="phClr"/>
@@ -9826,7 +9419,7 @@
   <a:extraClrSchemeLst/>
   <a:extLst>
     <a:ext uri="{05A4C25C-085E-4340-85A3-A5531E510DB2}">
-      <thm15:themeFamily xmlns:thm15="http://schemas.microsoft.com/office/thememl/2012/main" name="Office Theme" id="{62F939B6-93AF-4DB8-9C6B-D6C7DFDC589F}" vid="{4A3C46E8-61CC-4603-A589-7422A47A8E4A}"/>
+      <thm15:themeFamily xmlns:thm15="http://schemas.microsoft.com/office/thememl/2012/main" name="Office Theme 2013 - 2022" id="{62F939B6-93AF-4DB8-9C6B-D6C7DFDC589F}" vid="{4A3C46E8-61CC-4603-A589-7422A47A8E4A}"/>
     </a:ext>
   </a:extLst>
 </a:theme>
